--- a/slides/CSP571-Lecture17-Statistical-Methods.pptx
+++ b/slides/CSP571-Lecture17-Statistical-Methods.pptx
@@ -353,6 +353,606 @@
   </p:cSld>
   <p:clrMap bg1="lt1" tx1="dk1" bg2="lt2" tx2="dk2" accent1="accent1" accent2="accent2" accent3="accent3" accent4="accent4" accent5="accent5" accent6="accent6" hlink="hlink" folHlink="folHlink"/>
 </p:handoutMaster>
+</file>
+
+<file path=ppt/ink/ink1.xml><?xml version="1.0" encoding="utf-8"?>
+<inkml:ink xmlns:inkml="http://www.w3.org/2003/InkML">
+  <inkml:definitions>
+    <inkml:context xml:id="ctx0">
+      <inkml:inkSource xml:id="inkSrc0">
+        <inkml:traceFormat>
+          <inkml:channel name="X" type="integer" min="-2.14748E9" max="2.14748E9" units="cm"/>
+          <inkml:channel name="Y" type="integer" min="-2.14748E9" max="2.14748E9" units="cm"/>
+          <inkml:channel name="F" type="integer" max="32767" units="dev"/>
+        </inkml:traceFormat>
+        <inkml:channelProperties>
+          <inkml:channelProperty channel="X" name="resolution" value="1000" units="1/cm"/>
+          <inkml:channelProperty channel="Y" name="resolution" value="1000" units="1/cm"/>
+          <inkml:channelProperty channel="F" name="resolution" value="0" units="1/dev"/>
+        </inkml:channelProperties>
+      </inkml:inkSource>
+      <inkml:timestamp xml:id="ts0" timeString="2024-10-29T15:18:58.653"/>
+    </inkml:context>
+    <inkml:brush xml:id="br0">
+      <inkml:brushProperty name="width" value="0.05292" units="cm"/>
+      <inkml:brushProperty name="height" value="0.05292" units="cm"/>
+      <inkml:brushProperty name="color" value="#FF0000"/>
+    </inkml:brush>
+    <inkml:brush xml:id="br1">
+      <inkml:brushProperty name="width" value="0.05292" units="cm"/>
+      <inkml:brushProperty name="height" value="0.05292" units="cm"/>
+      <inkml:brushProperty name="color" value="#00B0F0"/>
+    </inkml:brush>
+  </inkml:definitions>
+  <inkml:trace contextRef="#ctx0" brushRef="#br0">2117 16616 24575,'-13'33'0,"1"0"0,-10-1 0,-5 1 0,1 0 0,5 4 0,1 0 0,-2 1-255,2-5 1,-3 1 0,1-1 0,1-3 254,-7 7 0,5 0 166,13 7 1,1-6-167,-23-14 169,28 23-169,-11-43 0,15 11 0,0-15 515,31 0-515,-8-15 0,10 6 0,1-2 0,-14-6 0,-1-1 0,14 8 0,1 0 0,-7-6 0,1 1 0,3 12 0,1 2 0,3-8 0,-2 2 0,14 23 0,-13-16 0,-1 4 0,-13 19 0,-1 1 0,8-20 0,-3 0 0,-14 20 0,0-1 0,21-19 0,-27 11 0,12-7 0,-16-6 0,0 22 0,0-5 0,-7 5 0,-2 3 0,1 8 0,-4 1 0,-7-6 0,-5 0 0,1 0 0,4-2 0,0 0 0,-2-2 0,-9 4 0,-3-1 0,2-3 0,2-2 0,1-1 0,-10 3 0,1-1 0,18-6 0,-1-3 0,-13-6 0,0 0 0,13 6 0,0-1 0,-4-12 0,-3-2 0,1 7 0,1-1 0,-6-7 0,-18 0 0,37 0 0,-19 0 0,27 0 0,-12-15 0,16 11 0,0-12 0</inkml:trace>
+  <inkml:trace contextRef="#ctx0" brushRef="#br0" timeOffset="1614">2117 16581 24575,'35'0'0,"-10"0"0,1 0 0,1 0 0,1 0-1639,14 0 1,2 0-1,5 0 1,0 0 1283,-3 0 1,0 0 265,-9-5 1,0-1 0,-1 1 88,10 3 0,-2 0 0,-2-6 0,-1 0 0,1 7 0,0 2 786,-2 0 0,-2-2-786,0-6 0,-1-1 0,-1 6 0,-2 0 0,-7-5 0,-3-2 3276,12-7-2997,-9 12 2122,6-11-2401,-21 7 0,4 6 0,-16-6 0,0 8 0</inkml:trace>
+  <inkml:trace contextRef="#ctx0" brushRef="#br0" timeOffset="2750">3440 17498 24575,'0'35'0,"0"-8"0,0 5 0,0 4 0,1 5 0,-2 1-1054,-3 4 0,-2 1 1,0 2 1053,2-5 0,1 2 0,-1 1 0,-4 0 0,-2-8 0,-3 0 0,-1 0 0,-1-2 0,0-1 0,-5 11 0,-2-4 0,-3 0 0,2-8 0,-4 1 0,0-2 0,0-4 329,0 0 0,0-4 0,-1-3-329,-8-3 0,2-1 0,6 7 0,5-5 130,3-17 0,4 12 1,16-16-1</inkml:trace>
+  <inkml:trace contextRef="#ctx0" brushRef="#br0" timeOffset="4284">4763 16792 24575,'0'-25'0,"0"-1"0,0-15 0,0-4 0,0 12 0,0-1 0,0-1-1093,0-1 1,0 0 0,0 0 799,0-12 1,0 2 292,-2 9 0,4 4 0,14-7 1199,-13-7-1199,13 28 0,-16-1 631,8 5-631,-6 15 0,6 0 0,7 0 2032,5 31-2032,4-12 0,3 1 0,1 14 0,-1 3 0,1-2 0,-1 0 0,-9-6 0,-1-3 0,14 9 0,-27-19 0,28-32 0,-13-3 0,1-16 0,-4 15 0,-16-11 0,0 11 0,0 0 0,0 5 0,0 15 0,0 62 0,0-21 0,0 5-521,-3-7 1,-1 5-1,-1 2 1,1-1 520,0 0 0,-1-1 0,0 1 0,-1 1 0,0-4 0,0 1 0,-1 0 0,0-1 0,-2-2 0,-3 3 0,-1-2 0,-1-1 0,2 1-820,2 2 1,0 2 0,1-2 0,-1-4-120,-2-2 0,0-4 0,1-1 939,-7 12 0,4-2 0,12-6 0,0-5 0,-13 0 0,15 18 0,0-6 0,-16-3 0,14-15 0,0 1 0,-14 9 0,16 0 0,0-15 348,0 11 0,0-27 0,0 12 0</inkml:trace>
+  <inkml:trace contextRef="#ctx0" brushRef="#br0" timeOffset="5118">4886 17268 24575,'26'0'0,"-1"0"0,17 1 0,2-2 0,-10-2 0,-1-3 0,2 0 0,6 0 0,1-1 0,-1 0 0,10-3 0,-4 1 0,-10 0 0,-4 2 0,3 7 0,-21 0 0</inkml:trace>
+  <inkml:trace contextRef="#ctx0" brushRef="#br0" timeOffset="5930">6033 17357 24575,'0'35'0,"0"0"0,0 0 0,0 1 0,0 2 0,0 2-957,0 3 1,0 2 956,0 1 0,0 3 0,0 1-579,0-8 0,0 1 0,0 0 1,0 2 578,0-4 0,0 2 0,0 1 0,0-1 0,0-1 0,1 9 0,0-2 0,-1 0 0,-2-2 20,-4-5 0,-3-2 0,0-1 0,1-1-20,3 8 0,2-2 0,-4-4 0,-9-1 0,-2-4 0,5-7 0,3-5 0,6-7 0,-12-16 0</inkml:trace>
+  <inkml:trace contextRef="#ctx0" brushRef="#br0" timeOffset="7566">8502 16175 24575,'-35'0'0,"10"1"0,-1-2 0,-5-7 0,-1 0 0,-4 7 0,0-2 0,-3-12 0,-1-1 0,4 13 0,2 2 0,6-9 0,1 4 0,-8 17 0,3 10 0,12 4 0,1 5 0,-7 5 0,1 4-1093,14-6 1,4 3 0,-2-3 343,-8 0 1,0 1 748,8-3 0,0 4 0,0-1 0,-2-2 0,-1 0 0,0 2 0,0 2 0,0 0 0,0 1 0,0 1 0,0 0 0,1 0 0,4 2 0,2 0 0,-2-1 0,-4-4 0,-1-2 0,3 1 0,7 4 0,2 0 0,-2 0-217,-7 2 1,-4 0 0,4 0 216,6-1 0,3 0 0,-1 0 0,-4-1 0,-1-1 0,1-2 0,3 6 0,4-4 0,5-10 0,2-5 0,11 6 0,3-17 0,5-3 0,-1 1 0,0-2 0,5-6 0,-1-2 0,6 1 0,3 0 0,-21 0 0,16 0 0,1 0 0,-17 0 3276,13 0-1976,-28-16-453,11-11-847,-13-12 0,-4-6 0,3 12 0,0-1 0,-3-1-342,-5-9 0,-4-1 0,-2 1 342,-3 1 0,-3 1 0,-1 3 0,0 4 0,-2 2 0,-3 3 0,-2 5 0,-3 2 0,3 0 0,4-4 0,-1 4 0,-10 11 0,1 4 0,10-8 0,-24 16 0,27 0 0,1 0 0,-13 16 0,13-12 0,-1 12 1026,-3-1-1026,21-11 0,-22 27 0,20-27 0,-11 28 0,15-28 0,0 11 0</inkml:trace>
+  <inkml:trace contextRef="#ctx0" brushRef="#br0" timeOffset="8636">8643 17568 24575,'0'0'0</inkml:trace>
+  <inkml:trace contextRef="#ctx0" brushRef="#br0" timeOffset="10551">9314 16316 24575,'-36'31'0,"11"-9"0,-1 3 0,7 2 0,1 3 0,1 2 0,-2 0 0,0 2 0,2-2 0,-7 5 0,5 0 0,9-2 0,2-3 0,-16 3 0,20 0 0,-11 1 0,15-17 0,0 5 0,0-7 0,0-5 0,0 4 0,0-16 0,15 0 0,-3 0 0,17 1 0,7-2 0,-3-7 0,1 0 0,10 6 0,2 0 0,-2-10 0,-2 1 0,-10 9 0,-1 2 0,-5-4 0,1 0 0,3 3 0,-2 2 0,12-1 0,-15 0 0,1 0 0,9 0 0,0 8 0,-15 9 0,11 11 0,-27 10 0,-4 6 0,8-13 0,0 1 0,-6 5 0,-2 5 0,-2-4 0,-5-4 0,-2-1 0,1 10 0,-4-2 0,-4-16 0,-3-3 0,2 5 0,-1-3 0,-7-5 0,-1-2 0,-1 0 0,-1 1 0,-10 1 0,-2-3 0,-4-5 0,-1-2 0,4 0 0,0-3 0,-3-5 0,2-2 0,13 1 0,3 0 0,-9 0 0,19 0 0,16 0 0,0 0 0</inkml:trace>
+  <inkml:trace contextRef="#ctx0" brushRef="#br0" timeOffset="11686">9349 16387 24575,'43'0'0,"-17"-7"0,1-2 0,12-7 0,0-3 0,-1 0 0,-1-2 0,-8 5 0,1-2 0,-3 1 0,2-1 0,-3 1 0,17-2 0,-10 3 0,-21 16 0,4 0 0</inkml:trace>
+  <inkml:trace contextRef="#ctx0" brushRef="#br0" timeOffset="12797">10654 17427 24575,'0'26'0,"0"-1"0,-7 12 0,-1 5 0,2-4 0,0 4 0,-2 1-747,-1-6 1,-2 2-1,0-1 1,-1 1 746,-1-1 0,0 0 0,-1 0 0,1 1 0,1 1 0,1 0 0,0-1 0,-2-3 0,-4-5 0,-1-4 0,2 1 0,-3 17 0,3-8 0,-4-17 943,4 11-943,16-27 122,0 12 1,0-16 0,0 0 0</inkml:trace>
+  <inkml:trace contextRef="#ctx0" brushRef="#br0" timeOffset="15084">11677 16245 24575,'0'-25'0,"0"-1"0,-6-5 0,-3 0 0,0 2 0,-2 1 0,-5-3 0,-3 3 0,-6 8 0,-1 5 0,-13-5 0,5 11 0,1 3 0,-6 6 0,3 0 0,13 0 0,5 0 0,-9 0 0,-8 0 0,-1 15 0,17 5 0,-13-1 0,28 21 0,-27-19 0,27 6 0,4 5 0,-8 3 0,0 1 0,7 0 0,2 2 0,-2 6 0,2-2 0,7-9 0,0-3 0,-7-3 0,2-1 0,11-3 0,3-3 0,3 0 0,15 11 0,-15-27 0,11 12 0,-11-16 0,-1 0 0,5 0 0,-6 0 0,9 0 0,8 0 0,-9 1 0,-1-2 0,14-15 0,-3-19 0,-19 13 0,-3-3 0,-3-9 0,-2-1 0,1 3 0,-1 1 0,0 4 0,-2-1 0,-6 2 0,-2 1 0,1-10 0,0 16 0,0 3 0,0 16 0,0 16 0,0 19 0,0-8 0,0 1 0,0-1 0,0 1 0,0-2 0,0-1 0,0 10 0,0-8 0,0 7 0,16-7 0,-12 8 0,11 1 0,-15-1 0,0 0 0,0 0 0,0-9 0,0-1 0,0 15 0,0-12 0,0 2 0,0-3 0,0-1 0,0 5 0,0 1 0,1 3 0,-2 1 0,-4 0 0,-5-2 0,-6-5 0,-4-3 0,2-6 0,-3-5 0,-4-5 0,-1-4 0,-9-6 0,10 0 0,-1 0 0,-13 0 0,-4 0 0,9 0 0,7-16 0,-8 12 0,-1-11 0,17-1 0,3-4 0,16-15 0,0 15 0,0 5 0</inkml:trace>
+  <inkml:trace contextRef="#ctx0" brushRef="#br0" timeOffset="108267">15240 15293 24575,'0'35'0,"0"0"0,0 1 0,0-11 0,0 1 0,0 1 0,0 1 0,0-1 0,0 0 0,0-1 0,0-1 0,0 19 0,0-19 0,0 2 0,0 4 0,0 1 0,0 4 0,0-1 0,0-8 0,0 1 0,8 6 0,0-2 0,-4 7 0,12 5 0,-16-27 0,0-9 0,0 8 0,0-12 0,0 11 0,0-15 0,0 16 0,0-12 0,15 12 0,-11-32 0,12 12 0,0-12 0,3 1 0,16 11 0,-10-7 0,1-2 0,1 4 0,1 1 0,4-5 0,-1-2 0,3-9 0,1-3 0,4 0 0,0-1 0,-2 1 0,0-1 0,-1 1 0,-1 3 0,-8 14 0,-3 1 0,11-23 0,-7 29 0,-11-13 0,-9 16 0,8 0 0,3 0 0,17 0 0,-1 0 0,-10 0 0,1 0 0,1 0 0,1 0 0,7 0 0,0 0 0,-4 0 0,1 0 0,10 0 0,0 0 0,-9 0 0,1 0 0,-2 0 0,3 0 0,0 0 0,14 0 0,0 0-188,-14 0 1,1 0 0,1 0 187,1 0 0,0 0 0,-1 0 0,-1 0 0,0 0 0,-2 0 0,8 0 0,-1 0 0,2 0 0,-2 0 0,6 0 0,-14 0 0,0 0 0,-6 0 0,1 0 0,14 1 0,3-2 0,-5-7 0,2 0 0,-4 7 0,4 1 0,-3-3 0,-4-4 0,-2-2 0,1 2 0,4 5 0,0 3 0,0-2-288,2-6 1,0-3-1,0 3 288,-1 6 0,0 1 0,0-3 0,0-6 0,0-4 0,1 4 0,0 7 0,1 3 0,-3-4 194,4-13 0,-1 1-194,-8 12 0,1 4 0,1-3 0,-2-8 0,-1-2 0,1 2 0,13 9 0,0-1 0,2-14 0,-2 0 0,-10 14 0,-2 0 0,2-6 0,-1 1 0,-8 6 0,1 2 439,9-1 1,0 0-440,-8 0 0,-1 0 79,11-8 0,0 0-79,-11 6 0,-1 0 0,7-6 0,-1 0 0,-5 7 0,-1 2 0,20-1 0,-6 0 0,-2 0 0,-3 0 0,4 0 0,2 0 0,-3 0 0,-6 0 0,1 0 0,5 0 0,-10 0 0,1 0 0,-4 0 0,1 0 0,3 0 0,2 0 0,12 0 0,-1 0 0,-14 0 0,0 0 0,9-1 0,-1 2 0,-10 7 0,-1 0 0,4-6 0,2 0 0,11 14 0,1-1 0,-7-13 0,0 0 0,7 14 0,-2 0 0,-10-15 0,-1 1 0,4 14 0,-1 0 0,13-12 0,-14 11 0,0 1 0,-5-13 0,-1-2 0,1 6 0,-1 2 0,3-1 0,-1-1 0,8-3 0,-8 4 0,1 0 0,9-8 0,-6 0 0,1 0 0,5 0 0,-4 8 0,-3-6 0,-28 6 0,11-8 0,1 0 0,-12-8 0,11 6 0,-15-6 0,0-23 0,0-9 0,0 7 0,0-4 0,0-5 0,0-2 0,0-4 0,0-2-340,0 5 1,0-3 0,0 1 339,0 7 0,0-1 0,0 1 0,0-4 0,0 0 0,0 3 0,0-5 0,0 3 0,0 10 0,0 4 0,0-7 0,0 21 0,0 15 0,0 15 254,0-11 1,0 12-1,0-16 1</inkml:trace>
+  <inkml:trace contextRef="#ctx0" brushRef="#br0" timeOffset="110583">18274 16245 24575,'-25'0'0,"-18"0"0,3 0 0,8 0 0,-2 0 0,6-1 0,1 2 0,-1 7 0,1 0 0,-8-4 0,3 27 0,28-11 0,-19 0 0,21 11 0,-6-11 0,8 15 0,0-8 0,0 7 0,0 9 0,0-16 0,0 1 0,3-1 0,2 0 0,2 0 0,4-3 0,9-4 0,3-4 0,16 3 0,-4-3 0,-3-16 0,-28 0 0,27 0 0,-27 0 0,11-16 0,-15-3 0,0-17 0,0 1 0,16 0 0,-12 0 0,12-1 0,-16 1 0,0 8 0,0-7 0,0 22 0,-16-3 0,12 15 0,-12 15 0,1-3 0,11 22 0,-12-14 0,1 3 0,11 10 0,4 4 0,-8 0 0,0 1 0,7 6 0,2-2 0,-1-13 0,0-3 0,0 17 0,0-10 0,0-5 0,0 7 0,0-15 0,0 11 0,0-11 0,16 15 0,-12 0 0,11 0 0,-15 1 0,0-1 0,0 8 0,0-6 0,-15 6 0,-5-7 0,-15-17 0,-1 13 0,1-28 0,8 11 0,9-15 0,-6 0 0,21 0 0,-13 0 0,0 0 0,12-15 0,-11 11 0,15-12 0,0 16 0</inkml:trace>
+  <inkml:trace contextRef="#ctx0" brushRef="#br0" timeOffset="112503">18556 16457 24575,'0'41'0,"0"6"0,-7-12 0,-1 1 0,6-8 0,0-1 0,-6 0 0,0-3 0,8-5 0,0 13 0,0-28 0,-16 27 0,13-11 0,-13 7 0,16-9 0,0 5 0,16-35 0,3 24 0,16-35 0,-15 21 0,11-6 0,-27 8 0,12 0 0,0 0 0,-5 8 0,23 25 0,-27-4 0,-2 5 0,10 10 0,1 2 0,-6-1 0,-1 0 0,1-4 0,0-4 0,-1-9 0,-2-3 0,-7 18 0,0-23 0,-16 11 0,-4-27 0,1 12 0,-5 0 0,-9-13 0,-2-2 0,2 7 0,-1-1 0,-1-6 0,0-2 0,-1 1 0,5 0 0,7 0 0,-7 0 0,31 0 0</inkml:trace>
+  <inkml:trace contextRef="#ctx0" brushRef="#br0" timeOffset="113801">18627 16457 24575,'27'0'0,"5"0"0,1 0 0,2 0 0,6 0 0,1 0 0,-3 0 0,-13-7 0,-1-2 0,10 5 0,0-11 0,-15-1 0,4 12 0,-23-11 0,23 15 0,-20 0 0,12 0 0</inkml:trace>
+  <inkml:trace contextRef="#ctx0" brushRef="#br0" timeOffset="115148">19668 16351 24575,'-18'26'0,"0"-1"0,-7 6 0,-1 1 0,6 3 0,1 2-404,2-2 0,-1 3 0,2-1 404,2 10 0,1 0 0,2-14 0,-1-1 0,2 1 0,1 2 0,1 0 0,-3-5 198,-7-4 0,1-1-198,7 16 0,0 0 0,-6-13 0,1-1 0,12 9 0,2-1 0,-15 12 0,8-22 0,1-1 201,3 3-201,-12-7 0,16 11 0,0-11 0,0 0 0,0-5 615,0-15-615,0 16 0,0-12 0,0 12 0</inkml:trace>
+  <inkml:trace contextRef="#ctx0" brushRef="#br0" timeOffset="116950">19262 16581 24575,'-20'35'0,"11"-9"0,3-1 0,6-2 0,0 9 0,0-1 0,0-7 0,0 1 0,0 1 0,0-7 0,0 5 0,0-22 0,0 5 0,0-7 0,15 0 0,-11 0 0,12 0 0,0 0 0,-12 0 0,27-7 0,-11 5 0,15-22 0,0 5 0,-15-17 0,-7 11 0,-3-1 0,-8-13 0,2 13 0,0 1 0,-4-10 0,0 15 0,0 5 0,-8-1 0,6 12 0,-21-12 0,3 16 0,-4-1 0,-3 2 0,-12 15 0,4-12 0,3 12 0,28-1 0,-11-11 0,15 12 0,0 0 0,0-13 0,0 13 0,0-16 0</inkml:trace>
+  <inkml:trace contextRef="#ctx0" brushRef="#br0" timeOffset="118601">19809 16916 24575,'-35'0'0,"-1"15"0,1 5 0,0 15 0,15-15 0,-11 11 0,27-11 0,-28-1 0,29 13 0,-13-13 0,16 17 0,0-1 0,0-15 0,0 11 0,0-19 0,0 21 0,31-21 0,-7 3 0,8-13 0,2-4 0,6 2 0,-11 0 0,0 0 0,9 0 0,5 0 0,-8 0 0,-15 0 0,-5 0 0,-15-15 0,0 11 0,0-20 0,0 7 0,0-26 0,0 19 0,0-23 0,0 43 0,-15-12 0,11 1 0,-28 11 0,13-12 0,-9 32 0,-5-12 0,6 27 0,-9-27 0,17 27 0,-13-27 0,28 12 0,-11-16 0,15 0 0,0 0 0</inkml:trace>
+  <inkml:trace contextRef="#ctx0" brushRef="#br0" timeOffset="120217">17110 14393 24575,'-20'0'0,"-10"0"0,-2 0 0,4 0 0,-5 0 0,0 0 0,-3 0 0,1 0 0,0 0 0,-8 0 0,5 16 0,-5 4 0,17-8 0,1 3 0,6 9 0,-1 1 0,-6-10 0,1 1 0,6 24 0,3 3 0,-2-14 0,1 1 0,5 12 0,4 2 0,-1-4 0,2-2 0,7-9 0,0-1 0,0 2 0,0-1 0,0 6 0,0 0 0,0-15 0,0 11 0,0-27 0,0 12 0,16-16 0,-12 0 0,27 0 0,5 0 0,-10 0 0,3 0 0,9 1 0,2-2 0,-4-6 0,0-2 0,12 1 0,-1-3 0,-17-7 0,-2 0 0,7 8 0,-3 1 0,3-7 0,-15 0 0,11 12 0,-27-11 0,27 15 0,-27 0 0,20 0 0,-22 0 0,21-16 0,-19 12 0,12-11 0</inkml:trace>
+  <inkml:trace contextRef="#ctx0" brushRef="#br0" timeOffset="121885">17516 14517 24575,'-10'25'0,"0"1"0,-6-7 0,1 1 0,12 5 0,2 1 0,-15 9 0,16 0 0,0 1 0,0-17 0,0 13 0,0-28 0,0 11 0,16 1 0,-12-4 0,27 5 0,-19-9 0,21 8 0,-5-12 0,7 12 0,0-16 0,1 0 0,-17 0 0,12 0 0,-27 0 0,12 0 0,0 0 0,-12 0 0,11-16 0,-15 12 0,16-12 0,-12 8 0,12 6 0,-16-37 0,0 16 0,1-8 0,-2-5 0,-6 0 0,-2 2 0,0 4 0,-2 1 0,-5-6 0,-3 3 0,-16-3 0,0 15 0,-1 5 0,17 15 0,-13 0 0,28 0 0,-27 0 0,27 0 0,-19 0 0,5 15 0,12 10 0,0 1 0,-10 2 0,15 6 0,2-6 0,-1-24 0,0 12 0,0 0 0,0-12 0,0 11 0</inkml:trace>
+  <inkml:trace contextRef="#ctx0" brushRef="#br0" timeOffset="123901">17904 14517 24575,'0'35'0,"0"0"0,0 1 0,0-1 0,0 0 0,0 0 0,0 1 0,0-1 0,0 0 0,0-15 0,0 3 0,0-5 0,0-6 0,0 4 0,0-32 0,0 4 0,0-37 0,7 19 0,1-3 0,-6-3 0,0-2 0,14-5 0,0 0 0,-15 5 0,2 5 0,13 13 0,-1 1 0,-11-20 0,27 37 0,-11-22 0,0 20 0,-5-11 0,1 15 0,-12 0 0,27 0 0,-27 0 0,12 0 0,-1 0 0,-11 0 0,28 15 0,-28-3 0,27 21 0,-27 10 0,12-3 0,-14-7 0,-4 0 0,-14 7 0,15-14 0,-2-2 0,-28-4 0,11 11 0,-15-27 0,15 12 0,-11-16 0,11 0 0,-5 0 0,-1 0 0,3 0 0,-24 0 0,27 0 0,0 0 0,5 0 0,7 0 0,14 0 0,19 0 0,7 0 0,-8 0 0,3 0 0,-1 0 0,-1 0 0,-2 0 0,24 16 0,-27-12 0,-1 11 0,13-15 0,-28 0 0,11 0 0,-15 0 0,16 16 0,-12-12 0,12 12 0,-16-16 0,0 0 0,7 0 0,-5 0 0,6 0 0</inkml:trace>
+  <inkml:trace contextRef="#ctx0" brushRef="#br0" timeOffset="128704">18486 14482 24575,'0'35'0,"0"4"0,0 4 0,0-4 0,0 1 0,0-4 0,0 3 0,0-1 0,0-2 0,0-1 0,0-2 0,0 9 0,0-2 0,0-2 0,0-5 0,0 2 0,0-3 0,0-29 0,0 13 0,0-16 0,0 0 0,0-31 0,0-8 0,0-2 0,0-5 0,1-3 0,-2 0 0,-7 11 0,0 0 0,7-10 0,-2 6 0,-12 18 0,15-23 0,0 28 0,0-1 0,0 4 0,0 1 0,0 11 0,0-12 0,0 0 0,15 12 0,-11-11 0,28 15 0,-29-16 0,29 12 0,-13-11 0,17 15 0,-1 0 0,-8 15 0,7 5 0,-22 15 0,3 0 0,1 1 0,-12-1 0,11 0 0,-15 0 0,2-9 0,-4-1 0,-13 15 0,-5 3 0,-7-10 0,-7-21 0,7 19 0,-8-27 0,15 12 0,4-1 0,1-11 0,11 12 0,-12-16 0,16 0 0,16 16 0,3-12 0,10 10 0,1 3 0,11 3 0,-11-10 0,-1-1 0,6 7 0,-15 0 0,11-13 0,-27 13 0,12-16 0,0 0 0,-12 0 0,11 0 0,1 0 0,-12 0 0,27 0 0,-11 0 0,15 0 0,-15 0 0,11 0 0,-19 0 0,5 0 0,-9 0 0,-8 0 0,16 0 0,-12 0 0,12 0 0,-16-16 0,0-3 0,0-16 0,7 9 0,1 1 0,-4-15 0,12 14 0,0 2 0,-13 4 0,13-4 0,-16 7 0,16-11 0,-12-7 0,27 0 0,-27 15 0,27-11 0,-27 11 0,28-15 0,-28 0 0,11-1 0,-15 17 0,-15 3 0,-5 16 0,-15 16 0,15 3 0,-3 5 0,-1 3 0,1 13 0,-3-22 0,1-1 0,-3 14 0,-5-11 0,21 15 0,-19 0 0,11 8 0,10-17 0,1 1 0,-1 12 0,4 1 0,4-4 0,4 2 0,2-4 0,3 2 0,-2-4 0,-4-6 0,1-1 0,14 10 0,0-5 0,-12-18 0,11 3 0,1 1 0,-12-12 0,12 11 0,-16-15 0,8 0 0,9 0 0,11 0 0,7 0 0,0 0 0,-9-6 0,-1-3 0,14-11 0,-6 9 0,1-5 0,-6-14 0,-1-5 0,5 4 0,-1-5-1093,-11-1 1,-3-6 0,-2 2-164,0-3 0,-2 2 1256,4-1 0,-3 1 0,-12 12 0,0 2 0,14-12 0,-15 15 0,-2-1 0,1-9 0,0 16 0,0-13 0,0 28 0,0-11 0,0 15 3276,16 0-763,-13 0-2513,29 31 0,-21-5 0,-3 3 0,3 0 0,-2 1 0,0 5 0,-2-4 0,-7-11 0,0 3 0,0-21 0,0 6 0,0 8 0,0-28 0,-16 24 0,12-36 0,-27 7 0,11 5 0,1-19 0,3 27 0,0-12 0,12 16 0,-11 0 0,-1 0 0,12 0 0,-12 0 0,16 31 0,0 1 0,0 14 0,0 8 0,0-21 0,-1 1 0,2 1 0,4 3 0,1 2 0,-1-1 0,-5-2 0,0-1 0,4-5 0,12-5 0,-1-5 0,-11 10 0,12-15 0,-16-12 0,16 12 0,-13-16 0,13 0 0,0 0 0,-12-16 0,10-3 0,3-5 0,-6-10 0,-2-5 0,0-8 0,1-4 0,0 17 0,2-1 0,-2-1 0,-3-7 0,-1-2 0,0 3-455,4-7 1,0 2 454,-1-3 0,-2 6 0,-7 9 0,0 4 0,0 27 0,0-12 0,0 0 0,0 12 0,15-11 909,-11-1-909,20-4 0,-7 1 0,-5-13 0,4 44 0,-16-8 0,0 18 0,0 7 0,0-2 0,0 1 0,0 7 0,0 0 0,0 2 0,0-3 0,0 13 0,0-15 0,0 1 0,0-2 0,0 0 0,0-2 0,0 1 0,0 12 0,0-1 0,0-2 0,0-4 0,0-4 0,0-27 0,0 12 0,15-16 0,-11 0 0,12 0 0,-16 0 0,16 0 0,19-16 0,4-3 0,-13 2 0,-1-2 0,10-16 0,1 16 0,-1 3 0,-15 0 0,-5 12 0,-15-11 0</inkml:trace>
+  <inkml:trace contextRef="#ctx0" brushRef="#br0" timeOffset="130049">19668 14799 24575,'35'-8'0,"0"0"0,12 4 0,-13-11 0,-11 15 0,-3-16 0,-1 12 0,-3-12 0,0 16 0,-12 0 0,11 0 0,-15 0 0,0 0 0,16 0 0,-12 0 0,12 0 0,-16 0 0,15-15 0,-11 11 0,28-12 0,-29 16 0,13 0 0</inkml:trace>
+  <inkml:trace contextRef="#ctx0" brushRef="#br1" timeOffset="136902">21590 14958 24575,'0'35'0,"0"-10"0,0 1 0,0 13 0,-7-14 0,-1 1 0,6 0 0,0-1 0,-14 14 0,15-3 0,2 3 0,-1-3 0,0 0 0,0-3 0,0 1 0,0 8 0,0-2 0,0-1 0,0-3 0,0-5 0,0-27 0,0 27 0,0-27 0,0 12 0,0-16 0,16 0 0,-12 8 0,27 9 0,-27-5 0,12 4 0,-16 0 0,0-13 0,15 13 0,-11-16 0,28 0 0,-5 0 0,10 0 0,-6 2 0,-3-4 0,-4-14 0,7 13 0,-15-13 0,-12 16 0,11 0 0,1 0 0,-12 0 0,27 0 0,-11 0 0,4 0 0,3 0 0,0 0 0,1 0 0,4 0 0,-2 0 0,8 0 0,1 0 0,-35 0 0,11 0 0,1 0 0,-12 0 0,12 0 0,-1 0 0,-11 0 0,12 0 0,0 0 0,19 0 0,4 0 0,-12 0 0,-3 0 0,-4 0 0,-5 0 0,-15-24 0,0-13 0,0 0 0,0-4 0,0-4 0,0 0 0,0-1 0,0 1 0,0 5 0,0 2 0,0 11 0,0 1 0,0-17 0,0 8 0,0 15 0,0-27 0,0 24 0,0-10 0,0-1 0,0-5 0,0 12 0,0 3 0,0 4 0,0 5 0,0 15 0</inkml:trace>
+  <inkml:trace contextRef="#ctx0" brushRef="#br1" timeOffset="138636">21784 16581 24575,'-13'45'0,"-1"0"0,-2-1 0,-1-2 0,2-14 0,2-1 0,4 3 0,-1-1 0,-22 8 0,28-10 0,-11-11 0,15 0 0,31-28 0,-8 24 0,-2-26 0,2-4 0,10 14 0,-6-27 0,9 27 0,-17-12 0,13 16 0,-13 0 0,16 16 0,1 4 0,-17 4 0,-3 3 0,4 12 0,-3-14 0,-3 1 0,-10 9 0,12-15 0,-16 11 0,0-27 0,0 27 0,0-27 0,-16 12 0,-19 0 0,5-14 0,-6-2 0,0 2 0,1 2 0,0 3 0,-1-3-240,-10-2 0,-1-3 1,1 0 239,7 1 0,1 0 0,1 0 0,-10 0 0,4 0 0,14 0 0,3 0 0,-13 0 0,37 0 0,-6 0 0</inkml:trace>
+  <inkml:trace contextRef="#ctx0" brushRef="#br1" timeOffset="140451">21820 16651 24575,'35'0'0,"0"0"0,1-7 0,-1-2 0,1 0 0,-2-1 0,6-10 0,7 5 0,-44-1 0,13 12 0,-16-12 0</inkml:trace>
+  <inkml:trace contextRef="#ctx0" brushRef="#br1" timeOffset="141636">22631 16351 24575,'0'26'0,"0"-1"0,0 6 0,0 1 0,0 3 0,0 2 0,0 9 0,0 3 0,1-15 0,-1 2 0,-1-1 0,-3-1 0,-3 0 0,2 0 0,4 6 0,0 1 0,-1-2 0,-6 3 0,1-2 0,6 4 0,2-2 0,-1-13 0,0-3 0,0 1 0,0-3 0,0 4 0,0 5 0,0-6 0,0-7 0,0-4 0,0-16 0,0 0 0</inkml:trace>
+  <inkml:trace contextRef="#ctx0" brushRef="#br1" timeOffset="143702">22402 16792 24575,'0'36'0,"0"-9"0,0 6 0,0-5 0,0 7 0,15 0 0,-11-15 0,12 11 0,0-27 0,-12 12 0,27-16 0,-27 0 0,19 0 0,-21 0 0,6 0 0,-8 0 0,16 0 0,-12-16 0,11-3 0,-15-17 0,0 1 0,0 15 0,0-11 0,-15 27 0,11-12 0,-12 16 0,16-7 0,-8 5 0,6-6 0,-5 8 0,7 0 0,0 0 0,-16 0 0,-4 0 0,1 0 0,3 8 0,0-6 0,12 5 0,-11-7 0,15 0 0,-16 0 0,12 16 0,-12-12 0,16 12 0,0-16 0,0 0 0,0 0 0</inkml:trace>
+  <inkml:trace contextRef="#ctx0" brushRef="#br1" timeOffset="145785">22896 16916 24575,'-10'0'0,"2"0"0,-8 0 0,12 0 0,-11 15 0,15 5 0,-8 4 0,0 3 0,4 12 0,-4-6 0,0 1 0,8 5 0,0-5 0,0-1 0,0-10 0,0 16 0,0-37 0,0 6 0,0 8 0,16-12 0,-12 11 0,12-15 0,-16 16 0,0-12 0,15 12 0,-11-16 0,20 0 0,-22 0 0,21 0 0,-19-16 0,12 12 0,0-12 0,-13 16 0,13 0 0,-16-15 0,16 11 0,-12-12 0,27 16 0,-27-8 0,12 6 0,-16-6 0,0-7 0,0-5 0,0-5 0,0-1 0,0 3 0,0-24 0,0 43 0,0-12 0,0 0 0,0 12 0,0-11 0,0 15 0,0 0 0,-16 0 0,12 0 0,-27 0 0,27 0 0,-12 0 0,16 0 0,-16 0 0,13 0 0,-13 0 0,16 0 0,0 0 0,0 0 0</inkml:trace>
+  <inkml:trace contextRef="#ctx0" brushRef="#br1" timeOffset="147798">22102 14111 24575,'-16'35'0,"14"-2"0,0 1 0,-5-5 0,-1 1 0,-1 13 0,2 0 0,5-11 0,0-1 0,-6-3 0,0-3 0,8 2 0,0 4 0,0-27 0,16 12 0,4-16 0,15 0 0,-16 0 0,5 0 0,-22-16 0,6 12 0,-8-11 0,15 15 0,-11 0 0,12 0 0</inkml:trace>
+  <inkml:trace contextRef="#ctx0" brushRef="#br1" timeOffset="148367">22137 13847 24575,'0'0'0</inkml:trace>
+  <inkml:trace contextRef="#ctx0" brushRef="#br1" timeOffset="151784">22190 14464 24575,'26'-8'0,"-1"0"0,-5-15 0,-1-5 0,15 0 0,-1-3 0,-12-11 0,-3-2 0,1 16 0,-3 1 0,-6 0 0,-4 3 0,-6 5 0,0 3 0,16 32 0,-12 19 0,4-9 0,-1 3 0,-6 6 0,-2 1 0,1-1 0,0 0 0,0-7 0,0-1 0,0 3 0,0-1 0,0 8 0,0-8 0,0 1 0,0 9 0,0-13 0,0-1 0,0 10 0,0-15 0,0-5 0,0-46 0,0 5 0,0-3 0,-1-10 0,2-4 0,4 8 0,1-1 0,-1 3 0,-4-1 0,2 1 0,8-8 0,1 0 0,-3 13 0,0 1 0,3 0 0,3-1 0,10-3 0,1 4 0,14 5 0,-23 1 0,1 3 0,13 14 0,-27-12 0,28 16 0,-29 0 0,29 24 0,-28-3 0,11 22 0,-14-18 0,-2 1 0,1 9 0,0 1 0,1 1 0,-2 0 0,-6 10 0,-1 0 0,6-10 0,0-1 0,-6 10 0,0 2 0,7-13 0,2 2 0,-1-3 0,0 6 0,0-2 0,0 3 0,0-7 0,0-17 0,0-9 0,16-8 0,3-8 0,17-9 0,-15 4 0,1-2 0,4-1 0,1-3 0,-3-5 0,-1-3 0,4 1 0,-3-3 0,-13-5 0,-3-2 0,8-4 0,0 1 0,-6 10 0,-1 1 0,1-2 0,0 2 0,6-8 0,-16 1 0,0 15 0,15 5 0,-11 15 0,28 0 0,-29 15 0,13-11 0,-16 28 0,0-28 0,0 11 0,-16-46 0,13 7 0,-29-11 0,28 4 0,-11 27 0,-1-12 0,12 16 0,-12 0 0,1 32 0,11 7 0,-4 6 0,0 4 0,7-11 0,2 0 0,-1 10 0,0-2 0,0-17 0,0-3 0,0 10 0,0-5 0,0-12 0,0 1 0,0 11 0,16-11 0,-12 15 0,27-7 0,-27-11 0,27-9 0,-27-8 0,12 0 0,0 0 0,-13 0 0,29-8 0,-28-9 0,27-11 0,-19-7 0,5 0 0,7-1 0,-20 17 0,12 3 0,-16 16 0,0 0 0,0 0 0</inkml:trace>
+  <inkml:trace contextRef="#ctx0" brushRef="#br1" timeOffset="154535">23672 14464 24575,'-26'0'0,"-1"0"0,2-8 0,-1 0 0,-13 4 0,3-11 0,5 15 0,11 0 0,1 15 0,-13-11 0,29 20 0,-29 9 0,28 14 0,-11-20 0,-1 1 0,13-2 0,2-1 0,-15 10 0,16 0 0,0 1 0,0-1 0,0-15 0,16 11 0,4-27 0,-1 19 0,28-21 0,-39 6 0,39-8 0,-27 0 0,-1-8 0,13-25 0,-21-11 0,-3-6 0,2 10 0,0-2 0,-4 0 0,0-3 0,-2 6 0,-4 9 0,0 3 0,0-16 0,0 12 0,0 27 0,0-12 0,15 48 0,-5-10 0,0 3 0,0 10 0,-1 2 0,4 2 0,-2 1 0,-9 3 0,-2 0 0,4-13 0,0-1 0,-4 6 0,0-4 0,0-11 0,0 3 0,0-21 0,0 6 0,0-16 0,0-25 0,0-3 0,0-6 0,-1-1 0,0-3 0,3 1 0,2 7 0,2 0 0,-1-1 0,-4-10 0,-3-2 0,7 10 0,11 18 0,0 3 0,-15-15 0,2 7 0,12 24 0,-15-12 0,16 16 0,-12 0 0,27 0 0,-27 0 0,28 16 0,-13 19 0,1 4 0,-11-12 0,-3-3 0,-6-4 0,0 11 0,0-27 0,0 20 0,0-22 0,-15 21 0,-5-3 0,-15 15 0,0-15 0,-1 11 0,1-11 0,31-1 0,-8-3 0,44 0 0,-13 3 0,17 1 0,-17-5 0,-3 1 0,0-12 0,-13 12 0,13-16 0,0 0 0,3 15 0,1-11 0,-4 12 0,-16-16 0</inkml:trace>
+  <inkml:trace contextRef="#ctx0" brushRef="#br1" timeOffset="160684">23989 14288 24575,'0'19'0,"0"12"0,0-27 0,0 28 0,0-28 0,0 27 0,0-27 0,0 27 0,0-19 0,0 21 0,0-5 0,0-9 0,0-3 0,0 0 0,0-12 0,0 27 0,0-11 0,0 15 0,0-15 0,0-5 0,0-15 0,0 16 0,0-12 0,0 11 0,0-15 0,0 0 0,0 16 0,0-12 0,0 12 0,0-16 0,0 15 0,0-11 0,0 12 0,0 0 0,0-12 0,0 27 0,0-19 0,0 21 0,0-21 0,0 4 0,0-16 0,0 0 0,0-24 0,0 2 0,0-21 0,0 24 0,0-13 0,0 28 0,0-27 0,0 27 0,0-12 0,0 1 0,0 11 0,0-27 0,0-5 0,0-3 0,0 5 0,0 1 0,0 2 0,0-18 0,0 37 0,0-3 0,16 15 0,-12 0 0,12 0 0,-1 15 0,-11 13 0,8-3 0,0 3 0,-10 3 0,-2 0 0,4-3 0,-1-1 0,-2 0 0,-2-3 0,1-4 0,0 11 0,-7-27 0,5 27 0,-22-27 0,20 12 0,-27 0 0,27-12 0,-12 11 0,16-15 0,16 0 0,4 0 0,-1 0 0,-3 0 0,-8 0 0,-6 0 0,5 0 0,9 0 0,4 0 0,15 16 0,-15-12 0,11 12 0,-11-9 0,-1-5 0,-3 6 0,-1-8 0,-11 0 0,12-8 0,0 6 0,-12-21 0,11 19 0,-15-27 0,0 11 0,16-15 0,-12-1 0,12 1 0,-16 0 0,0 0 0,0-1 0,0 1 0,0 15 0,0-11 0,0 27 0,0-19 0,0 21 0,0-6 0,-16 16 0,-4 25 0,10-10 0,1 1 0,1 3 0,0 1 0,-1 6 0,2-1 0,3 6 0,-4-14 0,1 1 0,7 9 0,0-15 0,0 11 0,0-27 0,0 19 0,0-5 0,0 10 0,0-9 0,0 12 0,15-27 0,-11 12 0,28-16 0,-13 0 0,17-16 0,-1 12 0,-8-27 0,7 27 0,-23-11 0,5-1 0,0 12 0,-12-20 0,27-9 0,-21 11 0,0-3 0,7-16 0,1-4 0,1-1 0,-3 2 0,-5 6 0,-2 1 0,0 6 0,-2 3 0,-7-5 0,15 21 0,-11-3 0,12 15 0,-16 0 0,15 0 0,5 15 0,15-3 0,-15 21 0,3 10 0,-13-16 0,-2 1 0,-2 1 0,0-3 0,10 10 0,-16-21 0,-16-15 0,12-15 0,-12 11 0,16-28 0,-8 28 0,6-11 0,-5 15 0,7 0 0,-16 0 0,12 0 0,-27 0 0,27 0 0,-28 15 0,13 5 0,-1 0 0,-11 11 0,27-27 0,-12 43 0,16-24 0,0 6 0,0 1 0,0 7 0,0 7 0,16-9 0,-12 0 0,27 0 0,-11 1 0,-1-17 0,13-3 0,-28-16 0,27 0 0,-27-16 0,12 12 0,-9-27 0,-5 11 0,9-4 0,2-3 0,7-12 0,-1-4 0,12 10 0,-27-10 0,11 16 0,2-1 0,-7 0 0,-1 1 0,1 0 0,0 3 0,6 4 0,-1-11 0,-11 27 0,12-27 0,-16 27 0,0 4 0,0 19 0,0 5 0,0 3 0,0 0 0,0 1 0,0 7 0,0 1 0,0-8 0,0-1 0,0 2 0,0 0 0,0-2 0,0-1 0,0 21 0,0-21 0,0-1 0,0 11 0,0-1 0,0-16 0,0-3 0,0-16 0,0 0 0,16 0 0,-12 0 0,27 0 0,-27 0 0,11 0 0,-15 0 0,0-16 0,0 13 0,0-13 0,0 16 0</inkml:trace>
+  <inkml:trace contextRef="#ctx0" brushRef="#br1" timeOffset="162119">24818 14887 24575,'36'0'0,"-1"0"0,-7 0 0,-1 0 0,-1 0 0,-1 0 0,10 0 0,0 0 0,0 0 0,-9 0 0,-1 0 0,7 0 0,1 0 0,-25 0 0,8 0 0,-12 0 0,11 0 0</inkml:trace>
+</inkml:ink>
+</file>
+
+<file path=ppt/ink/ink10.xml><?xml version="1.0" encoding="utf-8"?>
+<inkml:ink xmlns:inkml="http://www.w3.org/2003/InkML">
+  <inkml:definitions>
+    <inkml:context xml:id="ctx0">
+      <inkml:inkSource xml:id="inkSrc0">
+        <inkml:traceFormat>
+          <inkml:channel name="X" type="integer" min="-2.14748E9" max="2.14748E9" units="cm"/>
+          <inkml:channel name="Y" type="integer" min="-2.14748E9" max="2.14748E9" units="cm"/>
+          <inkml:channel name="F" type="integer" max="32767" units="dev"/>
+        </inkml:traceFormat>
+        <inkml:channelProperties>
+          <inkml:channelProperty channel="X" name="resolution" value="1000" units="1/cm"/>
+          <inkml:channelProperty channel="Y" name="resolution" value="1000" units="1/cm"/>
+          <inkml:channelProperty channel="F" name="resolution" value="0" units="1/dev"/>
+        </inkml:channelProperties>
+      </inkml:inkSource>
+      <inkml:timestamp xml:id="ts0" timeString="2024-10-29T16:07:06.694"/>
+    </inkml:context>
+    <inkml:brush xml:id="br0">
+      <inkml:brushProperty name="width" value="0.05292" units="cm"/>
+      <inkml:brushProperty name="height" value="0.05292" units="cm"/>
+      <inkml:brushProperty name="color" value="#A020F0"/>
+    </inkml:brush>
+  </inkml:definitions>
+  <inkml:trace contextRef="#ctx0" brushRef="#br0">4392 17692 24575,'28'0'0,"21"0"0,-2 0 0,-13 0 0,2 0 0,0 1 0,-1-2 0,-7-7 0,-1 0 0,-1 6 0,-1 0 0,18-13 0,-17 10 0,1 2 0,4 3 0,1-2 0,-5-10 0,0 0 0,7 10 0,-1 0 0,6-13 0,-6 13 0,1 4 0,-3-2 0,1 0 0,10 0 0,4 0 0,-4 0 0,2 0 0,-1 0 0,-7 0 0,-1 0 0,0 0 0,6 0 0,0 0 0,-3 0 0,-5 0 0,-4 0 0,-2 0 0,-3 0 0,12 0 0,-1 0 0,-16-16 0,13 12 0,-13-12 0,9 16 0,5 0 0,-5 0 0,3 0 0,4 0 0,1 0 0,3 0 0,-6 5 0,3 1 0,1-1 0,1-3 0,0-2 0,-1 2 0,10 6 0,-2 0 0,-4-9 0,-3 2 0,-12 6 0,-1 1 0,10-4 0,-15 12 0,-5-16 0</inkml:trace>
+</inkml:ink>
+</file>
+
+<file path=ppt/ink/ink11.xml><?xml version="1.0" encoding="utf-8"?>
+<inkml:ink xmlns:inkml="http://www.w3.org/2003/InkML">
+  <inkml:definitions>
+    <inkml:context xml:id="ctx0">
+      <inkml:inkSource xml:id="inkSrc0">
+        <inkml:traceFormat>
+          <inkml:channel name="X" type="integer" min="-2.14748E9" max="2.14748E9" units="cm"/>
+          <inkml:channel name="Y" type="integer" min="-2.14748E9" max="2.14748E9" units="cm"/>
+          <inkml:channel name="F" type="integer" max="32767" units="dev"/>
+        </inkml:traceFormat>
+        <inkml:channelProperties>
+          <inkml:channelProperty channel="X" name="resolution" value="1000" units="1/cm"/>
+          <inkml:channelProperty channel="Y" name="resolution" value="1000" units="1/cm"/>
+          <inkml:channelProperty channel="F" name="resolution" value="0" units="1/dev"/>
+        </inkml:channelProperties>
+      </inkml:inkSource>
+      <inkml:timestamp xml:id="ts0" timeString="2024-10-29T16:08:16.179"/>
+    </inkml:context>
+    <inkml:brush xml:id="br0">
+      <inkml:brushProperty name="width" value="0.05292" units="cm"/>
+      <inkml:brushProperty name="height" value="0.05292" units="cm"/>
+      <inkml:brushProperty name="color" value="#A020F0"/>
+    </inkml:brush>
+  </inkml:definitions>
+  <inkml:trace contextRef="#ctx0" brushRef="#br0">10019 8043 24575,'-25'40'0,"-1"-1"0,7-4 0,-1 2 0,-2-1 0,-2 2 0,3-2 0,6 3 0,-1 0 0,-4-2 0,-3 1 0,1-3 0,-1 2 0,-1-1 0,-3 3 0,-1 0 0,2-4 0,2 1 0,5-1 0,2 0 0,-1-7 0,1-1 0,7-1 0,0-1 0,-6-2 0,1-3 0,11 2 0,-12 1 0,16-23 0,0 0 0,0 0 0</inkml:trace>
+  <inkml:trace contextRef="#ctx0" brushRef="#br0" timeOffset="1764">10125 8608 24575,'0'35'0,"0"-10"0,0 1 0,0 1 0,0 1 0,0 14 0,0 2 0,0-11 0,0 1 0,0 16 0,0 0 0,0-17 0,0 0 0,0 1 0,0 2 0,0-4 0,0-2 0,0-1 0,0 7 0,0-5 0,0-12 0,0-3 0,0-16 0,0-63 0,0 26 0,0-4 0,0-1 0,0-3 0,0-1-205,0-1 0,0-1 0,0 3 205,0 10 0,0 1 0,0 2 0,0-13 0,0 3 0,-1 15 0,2 3 0,15-11 0,-12 15 0,11 5 0,-15-1 0,0 12 615,0-11-615,16-1 0,-4-12 0,11 10 0,3-1 0,-11-3 0,1 1 0,17 9 0,1 4 0,5-7 0,-13 14 0,-1 2 0,-5-1 0,11 0 0,-27 15 0,17 5 0,5 4 0,-10 2 0,-1 4 0,1 1 0,2 1 0,1-1 0,11 7 0,-1-1 0,-9 7 0,-1-2 0,0-13 0,-3-3 0,0 9 0,-16-19 0,0-16 0,-16 0 0,-19 0 0,6 0 0,-5 0 0,-9 0 0,-2 0 0,3-1 0,2 2 0,4 7 0,1 0 0,8-7 0,3 2 0,5 12 0,3-15 0,16 0 0,0 0 0</inkml:trace>
+  <inkml:trace contextRef="#ctx0" brushRef="#br0" timeOffset="2664">11095 8573 24575,'35'0'0,"-3"0"0,3 0 0,-2 0 0,1 0 0,2 0 0,0 0 0,3 0 0,-3 0 0,3 0 0,-6 0 0,1 0 0,5 0 0,-4 0 0,-4 0 0,-27 0 0,12 0 0,-16 0 0,0 0 0</inkml:trace>
+  <inkml:trace contextRef="#ctx0" brushRef="#br0" timeOffset="4167">12171 8132 24575,'0'25'0,"0"0"0,0 2 0,0 1 0,0 7 0,0 1 0,0-1 0,0 0 0,0 5 0,0-1 0,0-3 0,0 0 0,0 11 0,0 0 0,1-9 0,-2-1 0,-3-3 0,-3 1 0,2-2 0,4-3 0,-1-1 0,-7 1 0,2-2 0,7 6 0,0-22 0,0-20 0,0-16 0,0-5 0,0 4 0,0-1 0,0-17 0,0 3 0,0 17 0,0-24 0,0 43 0,0-12 0,0 16 0,16-15 0,-13 11 0,13-12 0,0 16 0,-12 0 0,11 0 0,1 16 0,4 3 0,-3 6 0,1 1 0,0-6 0,-1-1 0,1 6 0,0 1 0,-1 1 0,1-3 0,17 8 0,-15 1 0,-5-9 0,-15-20 0,16 11 0,-4-15 0,21 0 0,10-15 0,-4 3 0,-12-5 0,-3 0 0,-4 6 0,11-21 0,-27 13 0,12-17 0,-16 17 0,0 3 0,0 16 0</inkml:trace>
+  <inkml:trace contextRef="#ctx0" brushRef="#br0" timeOffset="9200">13282 8714 24575,'-7'-36'0,"5"1"0,-16 9 0,-4 1 0,-1-6 0,-2 12 0,-1 4 0,6 8 0,-11 7 0,27 0 0,-12 0 0,1 0 0,-5 7 0,-15 11 0,0 10 0,13-4 0,0 2 0,3-6 0,1 0 0,3 5 0,3 1 0,-4 9 0,16 0 0,-1-9 0,2-1 0,15-1 0,-12 23 0,19-36 0,-5 7 0,9-10 0,-7-8 0,11 0 0,-27 0 0,12 0 0,0-8 0,-13-10 0,29-9 0,-28-8 0,27 15 0,-27-11 0,12 27 0,-1-28 0,-11 13 0,11-6 0,2-1 0,2-13 0,-1 5 0,0 1 0,1 2 0,5-3 0,-22 27 0,5 7 0,-7 7 0,0 11 0,0 25 0,0-4 0,0-6 0,0 1 0,0-7 0,0 1 0,8 16 0,0-2 0,-4 1 0,12-11 0,-1-9 0,-11-21 0,28 6 0,-28-8 0,11 0 0,1 0 0,-12-24 0,27 3 0,-11-22 0,-4 17 0,3 1 0,0 5 0,-3 1 0,-6-8 0,0 3 0,21 4 0,-11-11 0,15-5 0,-6 17 0,1-1 0,-10-2 0,1 1 0,16 3 0,1 3 0,1-13 0,-14 10 0,1 1 0,9-3 0,0 5 0,-15 15 0,11 0 0,-19 15 0,11 2 0,3 2 0,5 12 0,-5-6 0,-1-1 0,11 4 0,-17-9 0,-3-3 0,-32-16 0,-3-16 0,-17 12 0,1-27 0,0 27 0,15-12 0,-3 16 0,5 0 0,-9 0 0,-9 0 0,17 0 0,-13 16 0,28 4 0,-3 3 0,-1 4 0,-1 0 0,2 1 0,5 15 0,0 1 0,-6-7 0,1 0 0,5 3 0,4-2 0,-2-9 0,0-5 0,0 4 0,0 3 0,0-27 0,15 12 0,5-1 0,3-13 0,5 0 0,4 14 0,-2 0 0,12-12 0,-11 4 0,-8-1 0,-19-7 0,28 0 0,-28 0 0,11 0 0,-15 0 0,16-15 0,-12-5 0,27-15 0,-22 6 0,2-1 0,11 7 0,8 0 0,0-4-596,-1-8 1,-1-7-1,2-1 1,1 3 595,0 6 0,2 3 0,1 0 0,-1-3 0,-3 1 0,1-2 0,0-1 0,-3 2 0,-3 2-49,0-3 1,-3 3 0,-2 1 48,6-7 0,-3 5 0,0-2 0,-19 4 0,12-5 0,0-11 1181,-7 14 1,1-2-1182,0 3 0,0 1 82,-1 3 0,-3 1-82,-6-8 0,0 19 0,-15 32 0,-5-12 0,1 27 0,3-27 0,0 27 0,12-27 0,-11 12 0,7 0 0,6-12 0,-6 27 0,-8-11 0,-3 23 0,2-17 0,-2 1 0,1 3 0,1 2 0,6 5 0,3-3 0,-8 5 0,16 8 0,0-27 0,0 15 0,0 8 0,0-10 0,0 3 0,0 5 0,0 0 0,0-4 0,0 1 0,0 12 0,0-2 0,0-5 0,0-7 0,0 2 0,0-11 0,0-1 0,0 21 0,0-21 0,0-1 0,0 10 0,0-15 0,0 11 0,0-42 0,0-9 0,0-5 0,0-5 0,0-6 0,0 1 0,0-12 0,0-2 0,0 22 0,0-8 0,0 15 0,0 4 0,0 16 0,0-15 0,16-5 0,-13-15 0,29 0 0,-13-1 0,17 17 0,-9 3 0,-9 16 0,-10 0 0,7 0 0,-11 0 0,12 16 0,-16 3 0,0 1 0,0 11 0,0-11 0,0-1 0,0-3 0,-16 0 0,12-12 0,-11 27 0,7-11 0,6-1 0,-22 13 0,20-28 0,-27 19 0,27-21 0,-12 6 0,1-8 0,11 16 0,-12-12 0,32 11 0,-12-15 0,11 0 0,1 0 0,4 0 0,23 0 0,-6 16 0,6 3 0,-8 1 0,-15-4 0,11-16 0,-27 0 0,12 0 0,-16-16 0,0-19 0,0 3 0,0-1 0,0 25 0</inkml:trace>
+</inkml:ink>
+</file>
+
+<file path=ppt/ink/ink12.xml><?xml version="1.0" encoding="utf-8"?>
+<inkml:ink xmlns:inkml="http://www.w3.org/2003/InkML">
+  <inkml:definitions>
+    <inkml:context xml:id="ctx0">
+      <inkml:inkSource xml:id="inkSrc0">
+        <inkml:traceFormat>
+          <inkml:channel name="X" type="integer" min="-2.14748E9" max="2.14748E9" units="cm"/>
+          <inkml:channel name="Y" type="integer" min="-2.14748E9" max="2.14748E9" units="cm"/>
+          <inkml:channel name="F" type="integer" max="32767" units="dev"/>
+        </inkml:traceFormat>
+        <inkml:channelProperties>
+          <inkml:channelProperty channel="X" name="resolution" value="1000" units="1/cm"/>
+          <inkml:channelProperty channel="Y" name="resolution" value="1000" units="1/cm"/>
+          <inkml:channelProperty channel="F" name="resolution" value="0" units="1/dev"/>
+        </inkml:channelProperties>
+      </inkml:inkSource>
+      <inkml:timestamp xml:id="ts0" timeString="2024-10-29T16:11:10.329"/>
+    </inkml:context>
+    <inkml:brush xml:id="br0">
+      <inkml:brushProperty name="width" value="0.05292" units="cm"/>
+      <inkml:brushProperty name="height" value="0.05292" units="cm"/>
+      <inkml:brushProperty name="color" value="#A020F0"/>
+    </inkml:brush>
+  </inkml:definitions>
+  <inkml:trace contextRef="#ctx0" brushRef="#br0">12824 14358 24575,'0'-25'0,"0"-1"0,0-13 0,-8 12 0,0 3 0,4 4 0,-27 5 0,11 15 0,-3-1 0,-5 2 0,-6 5 0,-2 3 0,-5 0 0,-1 2 0,8 4 0,-1 3 0,1 0 0,-8 1 0,1 1 0,12-4 0,0 1 0,1 1 0,-9 8 0,3-1 0,9-10 0,3 1 0,5 10 0,1-3 0,-7-11 0,19 4 0,-12-1 0,16-11 0,0 12 0,0 0 0,0-12 0,0 11 0,0 1 0,0 4 0,7 4 0,2 3 0,-5 12 0,11-4 0,-7-19 0,-6-16 0,6 0 0,8 0 0,19 0 0,4 15 0,-13-13 0,-1 0 0,10 14 0,1-16 0,-17 0 0,13 0 0,-13 0 0,1 0 0,11 0 0,-27-16 0,20 12 0,-23-11 0,23-1 0,-4-4 0,15 1 0,0-12 0,-15 27 0,11-28 0,-27 28 0,27-27 0,-27-4 0,12 16 0,0-2 0,-13-8 0,-2 0 0,14-9 0,1 11 0,-12-4 0,12 27 0,-16-12 0</inkml:trace>
+  <inkml:trace contextRef="#ctx0" brushRef="#br0" timeOffset="2548">12947 14764 24575,'0'19'0,"0"-3"0,0 15 0,0-23 0,0 24 0,0-32 0,0 0 0,0 0 0</inkml:trace>
+  <inkml:trace contextRef="#ctx0" brushRef="#br0" timeOffset="5399">13459 14288 24575,'-35'-16'0,"1"14"0,1 0 0,-2-14 0,-14 16 0,25 0 0,20 0 0,-27 16 0,27-12 0,-12 27 0,16-11 0,0-1 0,-15 13 0,11-13 0,-12 17 0,16-17 0,0-3 0,0-8 0,0-6 0,16 6 0,-12-8 0,11 0 0,1-8 0,-12 6 0,12-22 0,-1 20 0,-11-27 0,12 27 0,-16-12 0,0 16 0,0-15 0,0 11 0,8-12 0,-6 16 0,5-16 0,-7 12 0,0-11 0,0 15 0,0-16 0,0 12 0,0-11 0,0 15 0,0 0 0,0 15 0,0-11 0,0 27 0,0-27 0,0 28 0,0 3 0,16-4 0,-15 2 0,2-1 0,28-1 0,-27 5 0,28-21 0,-28 1 0,11-12 0,-15 12 0,0-16 0,0 15 0,0-11 0,0 12 0,-15 0 0,11 3 0,-28 16 0,22-9 0,1-1 0,-19 15 0,11-5 0,9-19 0,-8-9 0,12-5 0,-11 6 0,-1-8 0,12 0 0,-12 0 0,16 0 0,0 0 0,0 0 0</inkml:trace>
+  <inkml:trace contextRef="#ctx0" brushRef="#br0" timeOffset="7272">13529 14393 24575,'0'43'0,"0"-5"0,0 5 0,0-8 0,0 0 0,0-15 0,0-4 0,0-1 0,0-26 0,16 22 0,-12-42 0,12 11 0,-1-15 0,-11 15 0,12 5 0,0 15 0,3 0 0,24 0 0,-17 0 0,1 0 0,5-1 0,-1 2 0,-4 6 0,1 1 0,7-7 0,-4 2 0,-7 29 0,23-28 0,-43 11 0,12-15 0,-16 16 0,0 4 0,0-1 0,0 13 0,0-28 0,-16 11 0,12 1 0,-12 3 0,1 1 0,11-4 0,-12-16 0,0 15 0,-19-11 0,9 11 0,-3 2 0,-6-7 0,0-1 0,11 1 0,1 0 0,-3-1 0,3-2 0,-5-7 0,9 0 0,3 0 0,16 0 0,0 0 0,0 0 0</inkml:trace>
+  <inkml:trace contextRef="#ctx0" brushRef="#br0" timeOffset="8855">13494 14517 24575,'0'-20'0,"0"5"0,0 7 0,0-10 0,0-9 0,0 2 0,0-1 0,0-2 0,0 1 0,-1-2 0,2 3 0,15-9 0,-12 19 0,11 16 0,-15 16 0,0-12 0,16 11 0,19-15 0,12 0 0,-20 1 0,-1-2 0,4-5 0,-1-3 0,10-11 0,-12 10 0,-3 0 0,-4-5 0,-4 15 0,-16 0 0,0 0 0</inkml:trace>
+  <inkml:trace contextRef="#ctx0" brushRef="#br0" timeOffset="11250">14059 13811 24575,'15'-35'0,"-11"0"0,27 7 0,-11 11 0,0 17 0,-5 2 0,-15 5 0,0-7 0,0 16 0,0-12 0,0 12 0,0-1 0,0-11 0,0 28 0,-15-28 0,11 27 0,-12-27 0,16 27 0,-16-27 0,12 27 0,-11-27 0,-1 28 0,4-13 0,-5 17 0,-7-1 0,20-15 0,-11-5 0,-1-15 0,12 0 0,-12 0 0,16 0 0,-15 0 0,11 0 0,-12 0 0,16-15 0,0 11 0,0-12 0,0 16 0,0-16 0,0 12 0,0-11 0,16 15 0,-12-16 0,27 12 0,-27-12 0,12 16 0,-16 0 0,15 0 0,-11 0 0,12 0 0,-8 0 0,-6 0 0,6 0 0,-8 0 0,15 0 0,-11 0 0,12 0 0,-16 0 0,0 0 0,15 0 0,-11 0 0,28 0 0,-28 0 0,27 0 0,-27 0 0,12 0 0,-16 0 0,0 0 0,0 0 0</inkml:trace>
+</inkml:ink>
+</file>
+
+<file path=ppt/ink/ink2.xml><?xml version="1.0" encoding="utf-8"?>
+<inkml:ink xmlns:inkml="http://www.w3.org/2003/InkML">
+  <inkml:definitions>
+    <inkml:context xml:id="ctx0">
+      <inkml:inkSource xml:id="inkSrc0">
+        <inkml:traceFormat>
+          <inkml:channel name="X" type="integer" min="-2.14748E9" max="2.14748E9" units="cm"/>
+          <inkml:channel name="Y" type="integer" min="-2.14748E9" max="2.14748E9" units="cm"/>
+          <inkml:channel name="F" type="integer" max="32767" units="dev"/>
+        </inkml:traceFormat>
+        <inkml:channelProperties>
+          <inkml:channelProperty channel="X" name="resolution" value="1000" units="1/cm"/>
+          <inkml:channelProperty channel="Y" name="resolution" value="1000" units="1/cm"/>
+          <inkml:channelProperty channel="F" name="resolution" value="0" units="1/dev"/>
+        </inkml:channelProperties>
+      </inkml:inkSource>
+      <inkml:timestamp xml:id="ts0" timeString="2024-10-29T15:24:55.981"/>
+    </inkml:context>
+    <inkml:brush xml:id="br0">
+      <inkml:brushProperty name="width" value="0.05292" units="cm"/>
+      <inkml:brushProperty name="height" value="0.05292" units="cm"/>
+      <inkml:brushProperty name="color" value="#00B0F0"/>
+    </inkml:brush>
+  </inkml:definitions>
+  <inkml:trace contextRef="#ctx0" brushRef="#br0">17128 11589 24575,'-4'37'0,"0"0"0,-4 8 0,-2 2 0,1-8 0,0 1 0,0-1-1093,2-3 1,2 0 0,-3-2-547,-8 6 1,1-2 1451,13-4 0,0 1 187,-14 4 0,1 0 0,12-1 0,2-1 0,-7-2 0,0 0 1000,8-1 0,0-1-1000,-8-1 0,0-1 1108,4 10-1108,-11-18 0,15-50 0,0-4 0,0-7 0,0-2 0,0-5 0,0 1 0,0 7 0,0 2 0,0-3 783,-1 1 1,0-2 0,1 0-1,2 3-783,4-14 0,3 2 0,-3 12 0,0 0 0,2 2 0,8-5 0,3 4 0,-1 3 0,0 5 0,1 9 0,12-5 0,-27 19 0,20-27 0,-22 27 0,6-12 0,7 16 686,-11 0-686,43-16 0,-23 12 0,1-4 0,1 1 0,9 7 0,0 0 0,-15 0 0,11 15 0,-27-11 0,12 28 0,-16-28 0,0 27 0,16-19 0,-12 37 0,11-18 0,-20 1 0,-5 3 0,2-7 0,-4-1 0,-17 8 0,-9 0 0,7-10 0,-3-1 0,1-2 0,-6 2 0,-2-1 0,4-5 0,-2-1 0,9-3 0,7-2 0,-9 3 0,32-15 0,0 0 0</inkml:trace>
+  <inkml:trace contextRef="#ctx0" brushRef="#br0" timeOffset="1251">17851 11959 24575,'43'0'0,"-6"0"0,-7 0 0,-1 0 0,10 0 0,-13 0 0,-1 0 0,10 0 0,-15 0 0,-4 0 0,-16 0 0,0 0 0,0 0 0</inkml:trace>
+  <inkml:trace contextRef="#ctx0" brushRef="#br0" timeOffset="2484">18521 11589 24575,'22'36'0,"1"1"0,-1 0 0,-10-1 0,-2 1 0,3 1 0,5-5 0,5 0 0,-1 1 0,-5-1-412,-4 11 1,-5 0-1,3-2 412,5-5 0,2-2 0,-1 1 134,-5-3 1,-1 0-1,1-1-134,6 4 0,-1-2 102,-7-6 1,0-5-103,6-3 0,-1-5 0,-11-30 0,2-19 0,0-14 0,-2 0 0,-3 10 0,-2 1 0,1-5-251,2 1 1,0-4 0,2-2 0,0 1 0,0 3 250,2-7 0,0 2 0,1 1 0,0-1 0,-1 1 0,1 3 0,0 0 0,1 6 0,1 11 0,-2 3 0,-3-7 0,12 27 0,-16-12 0</inkml:trace>
+  <inkml:trace contextRef="#ctx0" brushRef="#br0" timeOffset="7866">19438 11624 24575,'-25'0'0,"-1"0"0,-13 0 0,14 0 0,-1 0 0,-9 0 0,0 0 0,-1 16 0,1 3 0,0 9 0,15 5 0,-11-5 0,27-5 0,4 4 0,-8 8 0,0 1 0,7 1 0,2 0 0,-1 11 0,0-1 0,0-10 0,0-2 0,-1-2 0,2-3 0,15 5 0,-12-4 0,12-27 0,-1 12 0,-11-16 0,43-16 0,-35-8 0,0-3 0,20 11 0,2-3 0,-19-10 0,-4-6 0,3 3 0,20-1 0,-2-1 0,-19-10 0,-2-2 0,14 2 0,-3 2 0,-19 14 0,-2 1 0,14-16 0,-15 10 0,0 37 0,0-8 0,8 53 0,-6-2 0,15-13 0,5 2 0,-4 0 0,4-1 0,4-10 0,5-2 0,-2-1 0,0 7 0,1-3 0,4-6 0,-2-4 0,4-1 0,-9-15 0,6-15 0,-5-5 0,7-15 0,-17 10 0,-1-1 0,2 0 0,-2-3 0,-7-14 0,-1 0 0,7 11 0,0-3 0,-9-11 0,-2-6 0,2 3-236,4 17 0,1 2 0,0-2 236,1-16 0,-1-3 0,-1 5 0,-1 8 0,-1 3 0,1-4 0,-4 4 0,-6 11 0,0-23 0,0 43 0,16-11 0,-12-1 708,11 12-708,-15-27 0,0 27 0,-15-12 0,-5 16 0,0 0 0,-27 16 0,35 7 0,1 5 0,-21 0 0,-3 3 0,15-2 0,3 4 0,-1-1 0,0-3 0,-1-1 0,1 3 0,-3 10 0,0 3 0,5 0 0,6-3 0,4-1 0,0 1 0,-3 1 0,0 0 0,4-3 0,4 2 0,2-3 0,-1-4 0,0-2 0,0 7 0,0-13 0,0-1 0,0 11 0,0-1 0,0-8 0,0 7 0,0-22 0,15 19 0,-11-27 0,12 27 0,-8-27 0,-6 12 0,21-16 0,-3 15 0,-1-11 0,13 12 0,-13-16 0,1 0 0,11 0 0,-27 0 0,28 0 0,-13 0 0,16 0 0,1 0 0,-1 0 0,-15 0 0,-5 0 0,-7 0 0,-6 0 0,6 0 0,8-16 0,3-3 0,-2-5 0,1-3 0,1 4 0,-2-1 0,-7-10 0,-1-1 0,8 4 0,-2-1 0,-13-3 0,0 0 0,5 7 0,1 1 0,1-8 0,-2 3 0,-3 9 0,12-24 0,-16 43 0,0 20 0,0 23 0,0 2 0,0 4 0,0 0 0,0 0 0,0 4 0,0 0 0,0-14 0,0 0 0,0-1 0,0 16 0,0-2 0,0-10 0,0-1 0,0-1 0,0-6 0,0-10 0,15-20 0,20-20 0,-15-10 0,0-6 0,9-1 0,0-1 0,-14 7 0,-4-2 0,1-1 0,2-1 0,1 0 0,-1 1 0,4-7 0,-1 0 0,2-3 0,-3 2 0,-5 13 0,-2 3 0,0-1 0,-2 3 0,-7 4 0,0-11 0,0 27 0,0 20 0,0 23 0,0 1 0,0 6 0,0-9 0,0 2 0,0-1 0,0 10 0,0 0 0,0 2 0,0-6 0,0-9 0,0-19 0,0-16 0,15 0 0,-11 0 0,28 0 0,-13 0 0,1 0 0,27 0 0,-24 0 0,13-16 0,-13 12 0,-5-27 0,-6 11 0,19-7 0,-11-7 0,-3 13 0,1-1 0,1-17 0,-2 14 0,-2-1 0,-11-9 0,27 0 0,-27-1 0,12 1 0,-1 15 0,-26 5 0,22 15 0,-31 12 0,-7 7 0,19 20 0,-14-5 0,-3 3 0,15-1 0,1-2 0,-9-6 0,1-1 0,7 4 0,0-3 0,-21 9 0,19 6 0,-5-17 0,0-1 0,6 15 0,-21-5 0,28-4 0,-27-27 0,27 28 0,-27-29 0,27 29 0,-12-28 0,16 11 0,0 1 0,0-12 0,16 27 0,19-19 0,-16 5 0,1-1 0,23-4 0,-9 4 0,-7-16 0,9 0 0,-17 0 0,-3 0 0,-1 0 0,-11 0 0,12 0 0</inkml:trace>
+  <inkml:trace contextRef="#ctx0" brushRef="#br0" timeOffset="9531">21008 12259 24575,'20'0'0,"11"0"0,-11 0 0,15 0 0,0-16 0,1 12 0,-17-11 0,13 15 0,-28-16 0,27-4 0,-27-15 0,10 13 0,3 1 0,3 0 0,-1-19 0,-3 36 0,-16-11 0,0 15 0,-16-16 0,-3-4 0,-17 1 0,1 3 0,0 16 0,15 0 0,5 0 0,-1 0 0,12 0 0,-12 0 0,1 0 0,-5 0 0,-15 0 0,0 16 0,15-12 0,4 11 0,16-15 0,0 0 0</inkml:trace>
+  <inkml:trace contextRef="#ctx0" brushRef="#br0" timeOffset="14520">7320 16104 24575,'16'-29'0,"0"0"0,5-4 0,5-2 0,5-1 0,-1 8 0,3-1 0,4 1 0,0-2 0,1 0-547,-3-1 1,0-1 0,2-1 0,0-1 0,0 1 0,1 2 77,-4 4 1,0 1 0,0 0 0,1 0 0,0 1 0,0 0 0,-1-1 354,5-3 0,0 1 0,0-1 0,0 0 0,0 0 0,-1-1 114,-3 2 0,0-1 0,-1-1 0,1 0 0,0 1 0,-1 0 0,1 0 0,0 2 0,-1 1 0,1 0 0,0 0 0,0 0 0,0-1 0,1-1-410,1-1 0,0 0 1,1-2-1,0 0 1,0 0-1,1 0 0,0 0 1,-1 1 386,-3 3 1,0-1-1,-1 1 1,1 0-1,0 0 1,0 0-1,1-1 1,0 1-1,1 0-168,-1 0 1,1 1-1,0-1 1,1 1-1,0-1 1,0 0-1,0 1 1,1-1 0,-1 0-1,1 0 191,1 0 0,0-1 0,1 0 0,-1-1 0,1 1 0,0 0 0,-1 1 0,0-1 0,0 1 0,-1 1-230,-1 0 1,0 0 0,-1 0-1,0 1 1,0 0 0,0 0 0,0 1-1,1-1 1,0 2 229,1-1 0,2 0 0,0 1 0,1 0 0,-1 1 0,0-1 0,-1 1 0,-2 0 0,-1 1-1,8-7 0,-3 2 1,-2-1-1,0 1 1,1 0-1,0 0 1,-2 4 0,0-1 0,1 1 0,0 1 0,-1-1 0,0 1 0,-2-1 214,0-1 1,-1 1 0,-1-1-1,0 0 1,-1 2 0,0 0-215,5-1 0,0 0 0,-1 1 0,0 1 0,-1 1 647,4-2 0,-1 1 0,-1 1 0,1 1-647,0 0 0,-1 0 0,0 1 0,2-1 0,-4 1 0,1 0 0,1-1 0,-1 0 0,-2 2 0,3-1 0,-2 1 0,0-1 0,1 0 0,3-4 0,1-1 0,-1 0 0,0 3 0,6 2 0,0 3 0,-4-2 0,-13-1 0,-3-1 0,2 2 1006,8 3 0,3 2 0,-1 0-1006,-6-1 0,-1 0 0,1 0 0,5 0 0,1 0 0,1 1 0,6-1 0,1-1 0,0 3 0,-8 2 0,0 2 0,0 0 0,2 0 0,1 0 0,-3 2 0,2 4 0,0 0 1550,8 0 0,2 0-1550,-2 0 0,0 0 0,-16 0 0,1 0 0,1 0 571,4 0 1,1-1 0,0 2-572,-1 4 0,-2 1 0,1-1 0,-1-4 0,1-1 0,-3 3 0,6 13 0,0-1 755,8-13 1,-2 0-756,-14 14 0,1 0 0,-1-13 0,4-5 0,-1 5 0,9 12 0,0 1 0,2-13 0,0-2 319,-10 6 1,-2 2-320,-3-1 0,-1-1 0,-3-6 0,-5 2 0,-3 13 673,11-16-673,-27 0 159,12 0-159,-1 0 0,5 16 0,15-13 0,8 13 0,-6-16 0,-8 0 0,1 0 0,6 0 0,-1 0 0,-5 0 0,-1 0 0,-2 0 0,-3 0 0,-9 0 0,-15-16 0,0 13 0,0-29 0,0 13 0,0-1 0,0 4 0,0 1 0,0 11 0,-15-12 0,-21-15 0,-3 7 0,6-1 0,-1-1 0,-5-1 0,13 18 0,1 0 0,-2-14 0,9 19 0,-5-12 0,19 16 0,-28 0 0,29 0 0,-29 0 0,28 0 0,-27 16 0,27-5 0,-12 23 0,16 9 0,0-4 0,7-13 0,2-1 0,11 10 0,4-24 0,3-2 0,4 22 0,-7-20 0,1-2 0,2 10 0,9-3 0,-1 0 0,0 3 0,0 1 0,-15 11 0,11-27 0,-27 20 0,28-22 0,-28 21 0,11-19 0,-15 12 0,0-16 0,0 16 0,-15-13 0,-21 29 0,10-30 0,-3 0 0,2 13 0,0 1 0,0-14 0,3 0 0,-12 29 0,9-27 0,-6 12 0,5 0 0,-7-12 0,15 11 0,-11-15 0,27 0 0,-12 0 0,16 0 0,0 0 0,16 0 0,-43 0 0,3 16 0,-9-6 0,-5 0 0,6-2 0,2 3 0,2 6 0,3-2 0,-3-12 0,13 13 0,15-16 0,0 0 0,15 0 0,-3 0 0,21-16 0,11-3 0,-10-6 0,2-1 0,1 6 0,1 1 0,-9 2 0,1 0 0,-3 0 0,-3-1 0,-1 0 0,10 1 0,-1-1 0,-1-17 0,-6 21 0,1 0 0,9-19 0,-15 21 0,11-19 0,-27 27 0,12-12 0,-1 1 0,-11 11 0,28-12 0,-28 0 0,11 13 0,-15-13 0,0 16 0,0 0 0</inkml:trace>
+</inkml:ink>
+</file>
+
+<file path=ppt/ink/ink3.xml><?xml version="1.0" encoding="utf-8"?>
+<inkml:ink xmlns:inkml="http://www.w3.org/2003/InkML">
+  <inkml:definitions>
+    <inkml:context xml:id="ctx0">
+      <inkml:inkSource xml:id="inkSrc0">
+        <inkml:traceFormat>
+          <inkml:channel name="X" type="integer" min="-2.14748E9" max="2.14748E9" units="cm"/>
+          <inkml:channel name="Y" type="integer" min="-2.14748E9" max="2.14748E9" units="cm"/>
+          <inkml:channel name="F" type="integer" max="32767" units="dev"/>
+        </inkml:traceFormat>
+        <inkml:channelProperties>
+          <inkml:channelProperty channel="X" name="resolution" value="1000" units="1/cm"/>
+          <inkml:channelProperty channel="Y" name="resolution" value="1000" units="1/cm"/>
+          <inkml:channelProperty channel="F" name="resolution" value="0" units="1/dev"/>
+        </inkml:channelProperties>
+      </inkml:inkSource>
+      <inkml:timestamp xml:id="ts0" timeString="2024-10-29T15:30:45.886"/>
+    </inkml:context>
+    <inkml:brush xml:id="br0">
+      <inkml:brushProperty name="width" value="0.05292" units="cm"/>
+      <inkml:brushProperty name="height" value="0.05292" units="cm"/>
+      <inkml:brushProperty name="color" value="#00B0F0"/>
+    </inkml:brush>
+    <inkml:brush xml:id="br1">
+      <inkml:brushProperty name="width" value="0.05292" units="cm"/>
+      <inkml:brushProperty name="height" value="0.05292" units="cm"/>
+      <inkml:brushProperty name="color" value="#FF0000"/>
+    </inkml:brush>
+    <inkml:brush xml:id="br2">
+      <inkml:brushProperty name="width" value="0.05292" units="cm"/>
+      <inkml:brushProperty name="height" value="0.05292" units="cm"/>
+      <inkml:brushProperty name="color" value="#A020F0"/>
+    </inkml:brush>
+  </inkml:definitions>
+  <inkml:trace contextRef="#ctx0" brushRef="#br0">3916 6385 24575,'-35'16'0,"10"-15"0,-1 2 0,-1 12 0,-1 1 0,-3-6 0,-1 0 0,5 7 0,1 1 0,4-4 0,1 0 0,-14 19 0,0-6 0,15-7 0,4-4 0,16-1 0,-15-11 0,11 28 0,-27-29 0,27 29 0,-28-28 0,13 27 0,-1-11 0,-11 15 0,28-10 0,2 1 0,-15 13 0,7-10 0,2 1 0,5-4 0,0 1 0,-6 11 0,1 2 0,6-3 0,2 1 0,-1 6 0,0-2 0,0-14 0,0-1 0,0 2 0,0 1 0,0-4 0,0 1 0,0 20 0,0-15 0,0 2 0,1 9 0,-2 0 0,-6 0 0,-2 1-190,6-5 0,0 2 1,-3-2 189,-4-6 0,-3-1 0,3 1 0,5 4 0,3 1 0,-3 1 0,-5 2 0,-2 0 0,3 0 0,6-2 0,3 0 0,-1 1 0,-4 6 0,-1 1 0,1-3 0,4-9 0,2-2 0,-1 1 0,-1 10 0,0 1 0,3 1 0,7 2 0,3 0 0,-1-3 0,-6-10 0,-1-2 0,2-1 0,5 2 0,2 0 0,-3 4 0,-5 3 0,-4 3 0,0 3 0,0 5 0,-1-15 0,0 3 0,0 0 0,-1 3 0,0 2 0,1 2 0,0 1 0,0 2 0,2 2-193,-1-10 0,1 2 0,0 3 1,1 1-1,-1 2 0,1 1 0,1 1 1,-1 1-1,1 0 0,-1 0 0,0 0 1,1-1-1,-1 0 0,0-2 0,-1-2 1,1-1-1,-1-3-105,0 6 0,-1-2 0,1-2 0,-1-1 0,0-2 0,0 1 0,0-1 0,0 2 1,-1 1-1,1 1 0,-1 4 283,1-7 1,0 3 0,1 3 0,0 2 0,0 1 0,0 2 0,0 0 0,-1 0-1,0-1 1,0 0 0,-1-3 0,-1-1 0,-1-3 0,-1-3 0,-1-4 0,-1-4-1,-3-4 15,-11 17 0,-4-13 0,-2-3 0,0 8 0,8-3 0,0 5 0,0 4 0,0-1 0,0-1 0,-1-4 0,0-5 0,-12 8 0,-1-6 0,2-7 0,-7-3 0,9-5 0,23 9 0,-12-29 0,32 29 0,7-4 0,5 3 0,1-3 0,1 4 0,-5 3 0,-1 3 0,-3-1 0,-1 1 0,-4-1 0,2 6 0,-5 0 0,-10-11 0,-2-1 0,7 2 0,0 2 0,-7 0 0,-3 2 0,3 1 1092,3 1 0,2 1 0,-1 2-569,-3-3 0,-2 0 0,0 2 0,2-1-694,3 1 0,1 1 0,1-1 0,-1 0 171,-2-2 0,0-1 0,0 0 0,1 0 0,2 10 0,1 0 0,5-1 0,6-1 0,5-2 0,-1-5 0,-1-7 0,0-5 0,29 20 0,-51-47 1088,-4 0-1088,-12 16 0,15 10 0,2 6 0,-9 4 0,0 5 79,6 4 1,2 5-1,-2 0-79,-3-5 0,-1 0 0,2 2 0,2-5 0,2 2 0,1 1 0,0-2 0,-1-2 0,0 0 0,0-1 0,0-1 0,0 9 0,0 0 0,0-1 0,-1 2 0,0-1 0,3 0 0,2-2 0,2-1 0,-1-2 0,-3 4 0,0 2 0,5-13 0,2 5 0,0-1 0,-2-5-174,-6 7 0,2-1 174,6 1 0,3 3 0,-2-3 0,-9 3 0,2-2 0,11 4 0,3 0 0,-6 2 0,-2 0 0,-3-13 0,0 0 0,1 0 0,4 2 0,1 0 0,-3 0 0,-7-3 0,-2 0 0,2 1 0,2 1 0,2 2 0,-1-2 0,1-1 0,-1-1 0,0 2 0,-1 12 0,-1 2 0,2-6 0,3-11 0,1-1 0,4 17 0,-2-6 0,-7-24 0,12 23 0,-15-10 0,-2 2 664,1-2 1,0 1-665,-1 3 0,2-4 373,-1 3-373,0-5 0,0-11 0,0-1 0,15 28 0,-11-31 0,10 15 0,3 3 0,3-3 0,0 4 0,-5-3 0,1-28 0,-12 11 0,27 1 0,-27-12 0,12 12 0,31-16 0,-20-16 0,10 14 0,1 0 0,-1-14 0,6 16 0,-23 0 0,-5 0 0,-15 0 0</inkml:trace>
+  <inkml:trace contextRef="#ctx0" brushRef="#br0" timeOffset="210935">3652 8573 24575,'25'0'0,"3"0"0,-4 0 0,2 0 0,14 0 0,-15 0 0,1 0 0,9 0 0,-16 0 0,-3 0 0,0 0 0,-12 0 0,27 0 0,-27 0 0,27 0 0,-27 0 0,12 0 0,-16 0 0,0 0 0,-16-16 0,12 12 0,-27-20 0,27 7 0,-27 5 0,11-19 0,1 27 0,3-12 0,16 16 0,16 16 0,-13-12 0,13 11 0,-16 1 0,16-12 0,3 19 0,17-21 0,-17 22 0,5-20 0,-7 12 0,-5-1 0,4-11 0,-16 12 0,0-16 0,0 15 0,0-11 0,0 12 0,0-16 0,0 16 0,-16-12 0,12 27 0,-19-27 0,21 12 0,-6-1 0,8-11 0,0 12 0,0-16 0,-16 16 0,-3-13 0,-17 29 0,1-13 0,16 1 0,3-4 0,16-16 0,-16 15 0,12-11 0,-11 12 0,15-16 0,0 0 0</inkml:trace>
+  <inkml:trace contextRef="#ctx0" brushRef="#br0" timeOffset="227884">16228 8343 24575,'-19'0'0,"3"0"0,16 0 0,-16 0 0,12 0 0,-27 0 0,27 0 0,-12 0 0,1 0 0,11 0 0,-12 0 0,0 0 0,12 0 0,-11 0 0,-1 0 0,-4 0 0,1-15 0,3 11 0,8-12 0,6 16 0,-21-16 0,19 12 0,-12-11 0,1 15 0,11 0 0,-12 0 0,16 0 0,-16 0 0,12 0 0,-11 0 0,15 0 0,-16 0 0,12 0 0,-12 0 0,16 0 0,-15 0 0,11 0 0,-12 0 0,0 0 0,13 0 0,-13 0 0,0 0 0,12 0 0,-27 0 0,27 0 0,-12 0 0,1 0 0,11 0 0,-12 0 0,16 0 0,-16 0 0,12 0 0,-19 0 0,5 0 0,-9 0 0,-8 0 0,15 0 0,-11 0 0,27 0 0,-12 0 0,16 0 0,-16 0 0,12 0 0,-11 0 0,15 0 0,-16 0 0,-4 0 0,-15 0 0,0 0 0,15 0 0,-11 0 0,27 15 0,-12-11 0,16 12 0,0-16 0,0 16 0,0-12 0,0 11 0,0-15 0,-15 16 0,11-12 0,-20 27 0,22-27 0,-6 12 0,8-16 0,0 15 0,0-11 0,0 12 0,0 0 0,0-12 0,0 27 0,0-27 0,0 19 0,0 11 0,0-3 0,0-6 0,0 1 0,0 9 0,0-15 0,0-4 0,0-16 0,8 15 0,10-11 0,-6 28 0,19-29 0,-27 13 0,27-16 0,-27 0 0,12 0 0,-16 16 0,16-12 0,3 11 0,16-15 0,-15 16 0,11-12 0,-27 12 0,12-16 0,-16 0 0,16 0 0,-12 0 0,27 0 0,-27 0 0,27 15 0,-27-11 0,12 12 0,0-16 0,-13 0 0,21 0 0,-6 0 0,9 0 0,-7 0 0,11 0 0,-27 0 0,27 0 0,5 0 0,3 0 0,-14 0 0,1 0 0,9 0 0,-15 0 0,11 0 0,-19-16 0,21 12 0,-6-11 0,9 15 0,-1 0 0,0 0 0,1 0 0,-1 0 0,-16 0 0,-3 0 0,0 0 0,-12 0 0,11 0 0,-15-16 0,0 12 0,0-12 0,0 1 0,0 11 0,0-12 0,0 0 0,16-3 0,-12-16 0,12-1 0,-15 11 0,-2-1 0,1-21 0,0 21 0,0-1 0,0-16 0,0 8 0,0 15 0,0 5 0,-16 15 0,12 0 0,-27 0 0,27 0 0,-28 0 0,29 0 0,-13 0 0,0 15 0,12-11 0,-27 12 0,27-16 0,-12 0 0,16 0 0,16 0 0,-12 0 0,12 0 0,-16 0 0,0 0 0</inkml:trace>
+  <inkml:trace contextRef="#ctx0" brushRef="#br0" timeOffset="432502">3510 14870 24575,'0'0'0</inkml:trace>
+  <inkml:trace contextRef="#ctx0" brushRef="#br1" timeOffset="467432">3369 14834 24575,'28'0'0,"-1"0"0,6 0 0,1 0 0,2 0 0,-2 0 0,-8 0 0,-1 0 0,10 0 0,-5 0 0,-18 0 0,4 0 0,-16 16 0,0-12 0,15 12 0,5-16 0,-1 0 0,-3 0 0,0 0 0,-12 0 0,11-16 0,-15 12 0,16-12 0,-12 16 0,27 0 0,-27 0 0,12 0 0,-16 0 0,-16 0 0,-3-15 0,-13 6 0,-3-2 0,13-7 0,1 1 0,-10 6 0,3 2 0,10-7 0,-5 16 0,19-15 0,-12 11 0,1-12 0,11 16 0,-12 0 0,16 0 0,0-15 0,16 11 0,-12-12 0,11 16 0,-15 0 0,0 0 0,16 0 0,-12 0 0,19 0 0,-21 0 0,22 16 0,1-15 0,1 2 0,-5 12 0,1 1 0,13-15 0,-3 2 0,-13 28 0,-3-27 0,-16 12 0,0-1 0,0-11 0,0 12 0,0-16 0,0 0 0,0 16 0,0-12 0,0 27 0,0-19 0,16 21 0,-13-5 0,13-9 0,-16 12 0,0-27 0,0 12 0,-16-16 0,-3 16 0,-5-6 0,-3-1 0,-12 11 0,13-3 0,1-3 0,-10-10 0,15 12 0,4-16 0,8 16 0,-9-13 0,5 13 0,-4 0 0,16-12 0,0 11 0</inkml:trace>
+  <inkml:trace contextRef="#ctx0" brushRef="#br1" timeOffset="473002">16122 14429 24575,'0'0'0</inkml:trace>
+  <inkml:trace contextRef="#ctx0" brushRef="#br1" timeOffset="477588">16228 14623 24575,'-35'0'0,"10"1"0,-1-2 0,-1-7 0,-1 0 0,0 7 0,1-2 0,5-13 0,1 1 0,-28 11 0,18-12 0,5 7 0,1 2 0,-11 3 0,1-11 0,16 15 0,-13 0 0,28 0 0,-11 0 0,-1 0 0,-4 0 0,-23 0 0,16 0 0,1 0 0,-5 0 0,-16 0 0,43 0 0,-27 0 0,11 0 0,-15 0 0,-1 0 0,1 0 0,16 0 0,-13 0 0,28 0 0,-11 0 0,15 0 0,0 15 0,0-11 0,0 12 0,0-16 0,0 16 0,0-12 0,0 11 0,0 1 0,0-12 0,0 12 0,0-16 0,0 15 0,0 5 0,0 15 0,-8-10 0,0 1 0,6 2 0,0-1 0,-14 20 0,16-14 0,0-9 0,0-20 0,0 12 0,0-16 0,0 15 0,0-11 0,0 12 0,0-16 0,0 15 0,0-11 0,0 12 0,0-16 0,0 16 0,0-12 0,0 27 0,0-27 0,0 27 0,0-11 0,0-1 0,0 13 0,0-28 0,0 11 0,0-15 0,16 0 0,-12 0 0,27 0 0,-11 0 0,15 0 0,0 0 0,1 0 0,-1 0 0,0 0 0,1 0 0,-1 0 0,-16 0 0,5 0 0,-22 0 0,21 0 0,-3 0 0,15 0 0,-9-7 0,-1-1 0,14 4 0,-12-4 0,-3 0 0,-4 8 0,11 0 0,-27 0 0,43 0 0,-31 0 0,8-7 0,1-2 0,2 6 0,9-13 0,-17 16 0,-3 0 0,-16-16 0,0 12 0,0-11 0,16 15 0,-12-16 0,11 12 0,17-7 0,-1-9 0,-22-12 0,-8-7 0,5 4 0,18 6 0,-1 1 0,-18-8 0,-7-4 0,-5 10 0,-9 14 0,16 16 0</inkml:trace>
+  <inkml:trace contextRef="#ctx0" brushRef="#br2" timeOffset="1.23037E6">3405 9825 24575,'35'0'0,"0"0"0,0 0 0,1 0 0,-1 0 0,-15 0 0,11 0 0,-27 0 0,19 0 0,-21 0 0,6 0 0,8 0 0,4 0 0,15 0 0,-10 0 0,1 0 0,1 0 0,1 0 0,7 0 0,0 0 0,-7 0 0,-1 0 0,16 0 0,-10 0 0,-5 0 0,-8 0 0,-5 0 0,1 0 0,3-16 0,17 12 0,-10-4 0,-1 1 0,-2 7 0,9 0 0,-32 0 0,0-16 0,-16 12 0,12-12 0,-12 16 0,1-15 0,-5 11 0,-15-20 0,-1 7 0,1 5 0,0-20 0,7 29 0,11-13 0,-7 0 0,20 12 0,-11 4 0,15 4 0,15 12 0,-11-16 0,12 0 0,-16 16 0,0-13 0,0 13 0,8-16 0,-6 0 0,21 16 0,-3-4 0,15 21 0,-10-19 0,1-1 0,13 7 0,-3 11 0,-5-11 0,-27 15 0,12-15 0,-16-5 0,0-15 0,0 16 0,0-12 0,0 12 0,0-1 0,0-11 0,0 12 0,0-16 0,0 0 0,-16 0 0,-4 16 0,-15-12 0,10 11 0,-1 1 0,-13-12 0,12 12 0,3-1 0,4-11 0,5 12 0,7-1 0,6-11 0,-6 12 0,8-16 0,-16 0 0,-3 0 0,-1 8 0,-11-6 0,27 6 0,-12-8 0,16 0 0,0 0 0,0 0 0</inkml:trace>
+  <inkml:trace contextRef="#ctx0" brushRef="#br2" timeOffset="1.23822E6">16087 9701 24575,'-20'0'0,"5"0"0,-1 0 0,12 0 0,-12 0 0,1 0 0,3 0 0,-21 0 0,5 0 0,-7 0 0,15 0 0,5 0 0,-1 0 0,-7 1 0,-5-2 0,-1-6 0,-1-1 0,-5 6 0,0 0 0,4-6 0,3 0 0,-9 8 0,9 0 0,-3 0 0,27 0 0,-27 0 0,27 0 0,-28 0 0,28 0 0,-11 0 0,-1 0 0,12 0 0,-12 0 0,1 0 0,-5 16 0,-15-12 0,15 11 0,5-7 0,15-6 0,0 6 0,-16-8 0,12 16 0,-12-12 0,1 27 0,11-27 0,-12 12 0,16-16 0,0 15 0,0-11 0,0 12 0,0-16 0,0 16 0,0-13 0,0 29 0,-8-13 0,6 17 0,-6-17 0,8 13 0,0-28 0,0 11 0,0 1 0,8-12 0,-6 12 0,22-1 0,-20-11 0,27 27 0,-27-27 0,27 12 0,-27-16 0,12 0 0,-16 0 0,0 0 0,16 8 0,3-6 0,1 6 0,27 7 0,-24-11 0,3 3 0,-1 2 0,-5 7 0,11-12 0,-11 11 0,7-15 0,-9 0 0,5 0 0,-19 0 0,12 0 0,-16 0 0,16 0 0,3 0 0,17 0 0,-1 0 0,-10 0 0,1 0 0,13 0 0,-12 0 0,-3 0 0,-4 0 0,-5 0 0,1 0 0,-12 0 0,19-15 0,-21 11 0,22-12 0,11 0 0,4 12 0,-13-4 0,-1 1 0,11 7 0,-1-8 0,0 6 0,-15-22 0,11 20 0,-27-11 0,12-1 0,-16 12 0,0-11 0,0-1 0,0 12 0,0-27 0,0 27 0,0-12 0,0 16 0,0-16 0,0 12 0,0-11 0,0 15 0,0 0 0,0-16 0,-16 12 0,12-12 0,-12 16 0,16 0 0,-15-15 0,-5-5 0,-15 1 0,17-6 0,1 3 0,-19 14 0,17-24 0,3 32 0,16 0 0,0 0 0</inkml:trace>
+</inkml:ink>
+</file>
+
+<file path=ppt/ink/ink4.xml><?xml version="1.0" encoding="utf-8"?>
+<inkml:ink xmlns:inkml="http://www.w3.org/2003/InkML">
+  <inkml:definitions>
+    <inkml:context xml:id="ctx0">
+      <inkml:inkSource xml:id="inkSrc0">
+        <inkml:traceFormat>
+          <inkml:channel name="X" type="integer" min="-2.14748E9" max="2.14748E9" units="cm"/>
+          <inkml:channel name="Y" type="integer" min="-2.14748E9" max="2.14748E9" units="cm"/>
+          <inkml:channel name="F" type="integer" max="32767" units="dev"/>
+        </inkml:traceFormat>
+        <inkml:channelProperties>
+          <inkml:channelProperty channel="X" name="resolution" value="1000" units="1/cm"/>
+          <inkml:channelProperty channel="Y" name="resolution" value="1000" units="1/cm"/>
+          <inkml:channelProperty channel="F" name="resolution" value="0" units="1/dev"/>
+        </inkml:channelProperties>
+      </inkml:inkSource>
+      <inkml:timestamp xml:id="ts0" timeString="2024-10-29T15:36:39.571"/>
+    </inkml:context>
+    <inkml:brush xml:id="br0">
+      <inkml:brushProperty name="width" value="0.05292" units="cm"/>
+      <inkml:brushProperty name="height" value="0.05292" units="cm"/>
+      <inkml:brushProperty name="color" value="#00B0F0"/>
+    </inkml:brush>
+  </inkml:definitions>
+  <inkml:trace contextRef="#ctx0" brushRef="#br0">8238 13335 24575,'-20'0'0,"4"0"0,1 0 0,11 0 0,-28 0 0,13 0 0,-16 16 0,9 0 0,1 3 0,5 0 0,0 1 0,-14 5 0,2 1 0,16 0 0,0-1 0,-8-5 0,-1-1 0,10 7 0,3-1 0,-8 11 0,5-9 0,15-9 0,0-18 0,39-34 0,-19 19 0,1-1 0,10-9 0,1-1 0,-5 7 0,-3 3 0,-5-4 0,13-11 0,-28 27 0,-4 4 0,-20 35 0,-5-16 0,-1 1 0,6 14 0,1-1 0,-4-17 0,3-1 0,9 9 0,4 1 0,-1 3 0,8-24 0,24-32 0,-6-12 0,1-8 0,-4 10 0,0-1 0,2-2 0,5-3 0,1-2 0,-1 3 0,-8 10 0,-2 2 0,1 3 0,5-5 0,-1 7 0,-1 11 0,0 30 0,-13 5 0,12 7 0,2 5 0,-7-5 0,-1 2 0,4 2 0,3 1 0,-1 0 0,4 5 0,-1 0 0,-5 8 0,1-4 0,3-20 0,-2-3 0,-12 22 0,13-38 0,-16-18 0,0-21 0,0 0 0,0-5 0,0-3 0,0 0 0,0 7 0,0 2 0,0 0 0,0 5 0,0 11 0,0 52 0,0 11 0,4-8 0,3 7 0,-2-2 0,-4 4 0,2-1 0,6-4 0,4 3 0,-4-4 0,-7-3 0,0-3 0,6 4 0,0-5 0,-8-12 0,0-3 0,0-63 0,0 4 0,0 4 0,0-1 0,0 12 0,0 3 0,0-2 0,0 11 0,0 1 0,0 11 0,0-12 0,0 0 0,0 12 0,0-11 0,0 15 0,0-16 0,0 12 0,0-27 0,15-5 0,1 9 0,4 0 0,6-1 0,3 1 0,1-5 0,2 5 0,-4 15 0,-3 2 0,3-13 0,-13 23 0,-15 15 0,0-11 0,-15 20 0,3-6 0,-4 2 0,-1 3 0,-11 16 0,11-13 0,-1-1 0,-17 10 0,-1 0 0,17-15 0,3-4 0,16-16 0,-16 0 0,12 0 0,4-16 0,4-4 0,12-15 0,0 16 0,-12 3 0,11 16 0,-15-16 0,16 12 0,-12-11 0,27-1 0,-27 12 0,28-27 0,-29 27 0,-3 4 0,-35 19 0,8-2 0,-1 2 0,1-2 0,-1 1 0,-6-1 0,2 1 0,11 0 0,3-1 0,-18 3 0,21-4 0,15-32 0,0 12 0,-8-12 0,-10 1 0,-25 11 0,9-4 0,-3 0 0,-7 6 0,-2 4 0,0 6 0,2 0 0,11-7 0,3 2 0,-3 12 0,33-15 0,33 0 0,-2 0 0,1 0 0,-3 0 0,1 0 0,4 0 0,-1 0 0,2 0 0,0 0 0,-15 0 0,-20 16 0,-15 8 0,-6 3 0,2-6 0,-1 1 0,-5 16 0,-1-1 0,8-18 0,1-1 0,-3 9 0,5-11 0,15-16 0,15-39 0,5 29 0,-10-18 0,0 1 0,5 23 0,1-27 0,-12 27 0,12-12 0,-16 16 0,0-15 0,-16 11 0,-19-12 0,-5 32 0,7-7 0,0 1 0,9-1 0,1 2 0,-5 6 0,3-3 0,-3-10 0,13 20 0,-1-22 0,28-2 0,0-20 0,3-9 0,10 3 0,5-1 0,3-3-414,2-1 1,4-4 0,0 0 0,-3 3 413,2-2 0,-3 3 0,2 0 0,-3 6 0,2 0 0,-1 2 0,-9 6 0,6-3 0,-1 5 0,-31 30 0,0-11 0,0 27 0,0-19 1653,-16 22-1653,3-5 0,-1 0 0,-8 14 0,9-17 0,3-1 0,10 7 0,0-28 0,0-4 0,23-20 0,-13-5 0,2-1 0,16 6 0,3 1 0,-11-7 0,-1 1 0,7 10 0,-1 3 0,-5-6 0,11 10 0,-27 16 0,12 10 0,-16 9 0,0-7 0,0 11 0,0-27 0,0 12 0,0-1 0,0 5 0,0 10 0,0 6 0,0 1 0,0 1 0,-8 11 0,0 0 0,6-11 0,0-4 0,-14 10 0,16-13 0,0-27 0,0-4 0,0-20 0,0-5 0,0-1 0,0-5 0,0-18 0,0 37 0,0-19 0,0 27 0,0-12 0,0 16 0,-15 0 0,11 16 0,-28-12 0,28 27 0,-11-27 0,-1 12 0,12-16 0,-12-16 0,32-3 0,-12-1 0,12 4 0,-32 16 0,-4 0 0,-15 16 0,-8 4 0,6 7 0,9-9 0,28 5 0,4-19 0,12-4 0,-8-4 0,-6-12 0,6 9 0,-8 5 0,0 2 0,0 2 0,0 5 0,0-7 0,0 0 0</inkml:trace>
+</inkml:ink>
+</file>
+
+<file path=ppt/ink/ink5.xml><?xml version="1.0" encoding="utf-8"?>
+<inkml:ink xmlns:inkml="http://www.w3.org/2003/InkML">
+  <inkml:definitions>
+    <inkml:context xml:id="ctx0">
+      <inkml:inkSource xml:id="inkSrc0">
+        <inkml:traceFormat>
+          <inkml:channel name="X" type="integer" min="-2.14748E9" max="2.14748E9" units="cm"/>
+          <inkml:channel name="Y" type="integer" min="-2.14748E9" max="2.14748E9" units="cm"/>
+          <inkml:channel name="F" type="integer" max="32767" units="dev"/>
+        </inkml:traceFormat>
+        <inkml:channelProperties>
+          <inkml:channelProperty channel="X" name="resolution" value="1000" units="1/cm"/>
+          <inkml:channelProperty channel="Y" name="resolution" value="1000" units="1/cm"/>
+          <inkml:channelProperty channel="F" name="resolution" value="0" units="1/dev"/>
+        </inkml:channelProperties>
+      </inkml:inkSource>
+      <inkml:timestamp xml:id="ts0" timeString="2024-10-29T15:36:48.531"/>
+    </inkml:context>
+    <inkml:brush xml:id="br0">
+      <inkml:brushProperty name="width" value="0.05292" units="cm"/>
+      <inkml:brushProperty name="height" value="0.05292" units="cm"/>
+      <inkml:brushProperty name="color" value="#00B0F0"/>
+    </inkml:brush>
+  </inkml:definitions>
+  <inkml:trace contextRef="#ctx0" brushRef="#br0">8432 6456 24575,'43'0'0,"0"0"0,5 0 0,2 0 0,-15 0 0,1 0 0,1 0 0,0 0 0,1 0 0,0 0 0,1 0 0,-1 0 0,-1 0 0,10 0 0,-2 0 0,-4 0 0,-3 0 0,-12 0 0,-1 0 0,10 0 0,-16 0 0,-3 0 0,0 0 0,-12 0 0,43 0 0,-8 0 0,8 0 0,-14 0 0,-25 0 0,-8 0 0</inkml:trace>
+  <inkml:trace contextRef="#ctx0" brushRef="#br0" timeOffset="923">8732 7197 24575,'35'0'0,"4"0"0,4 0 0,-1 0 0,2 0-415,-4 0 0,2 0 0,0 0 415,-4 0 0,0 0 0,0 0 0,-2 0 0,-1 0 0,-1 0 203,8 0 0,-1 0-203,1 0 0,0 0 103,-3 0 1,0 0-104,-1-1 0,-1 2 0,-1 6 0,-2 1 0,-7-6 0,-3 0 632,12 14-632,-17-16 0,5 0 0,-22 0 0,6 0 0</inkml:trace>
+  <inkml:trace contextRef="#ctx0" brushRef="#br0" timeOffset="7836">11607 4939 24575,'-16'25'0,"-4"18"0,5-9 0,-5 3 0,-1-8 0,-3 1 0,3 1 0,-1 15 0,0-2 0,-8-10 0,2-5 0,10 4 0,10-9 0,8-20 0,0 12 0,0-16 0,0 15 0,0-11 0,-16 12 0,13-1 0,-29 5 0,22 5 0,1 1 0,-11-2 0,4 23 0,16-44 0,32 13 0,-9-16 0,5 0 0,3 0 0,-5-1 0,1 2 0,4 7 0,1 0 0,-4-7 0,-2 2 0,10 12 0,-5-15 0,-27 0 0,12 0 0</inkml:trace>
+  <inkml:trace contextRef="#ctx0" brushRef="#br0" timeOffset="9490">11942 5062 24575,'0'20'0,"-16"11"0,-3 5 0,2-10 0,-2 2 0,-6 7 0,-1 1 0,6-5 0,1 1 0,-3 2 0,1 0 0,4-3 0,1 1 0,2 2 0,0 3 0,2-4 0,0 2 0,1-1 0,0 1 0,2 0 0,3-2 0,0 3 0,3-5 0,3 16 0,0-20 0,0-3 0,0-4 0,0 11 0,0-27 0,0 12 0,0-1 0,0-11 0,-16 28 0,12-13 0,-27 16 0,27 1 0,-11-15 0,-2 1 0,8 4 0,-1 1 0,-7 4 0,-1 0 0,-1 5 0,2-1 0,7-6 0,1-3 0,-7 9 0,16-3 0,0-44 0,0 24 0,0-28 0</inkml:trace>
+  <inkml:trace contextRef="#ctx0" brushRef="#br0" timeOffset="11619">12418 5433 24575,'0'25'0,"0"1"0,0 16 0,0 2 0,0-5 0,0 0 0,0 9 0,0-2 0,0-10 0,0-3 0,0-2 0,0 1 0,0 3 0,0 0 0,0-7 0,0-1 0,0-1 0,0-1 0,0 10 0,0 1 0,0-17 0,0-3 0,16-8 0,3-6 0,9 6 0,21-8 0,-2 0 0,-12 0 0,0 0 0,-6 1 0,-3-2 0,1-10 0,-3-2 0,12-8 0,-26-6 0,-1-5 0,7-3 0,-1-1 0,-4-8 0,-2-2 0,4 5 0,2 0 0,2-3 0,-1 3 0,-4-6 0,4 6 0,-1 0 0,-11-2 0,4 2 0,0 0 0,-8 12 0,0 3 0,0-21 0,0-2 0,-16 21 0,-4-7 0,0 8 0,-3 3 0,-14 1 0,16-3 0,-1 5 0,-13 17 0,15-12 0,-11 16 0,11 0 0,-15 0 0,-1 0 0,1 16 0,0-12 0,0 27 0,15-27 0,-4 27 0,23-27 0,-23 27 0,20-11 0,-27 15 0,11-7 0,2-4 0,1 1 0,-3 6 0,12-5 0,1-1 0,-9-5 0,12 11 0,-12-27 0,16 27 0,-15 5 0,11-13 0,-12 24 0,16-43 0,0 12 0</inkml:trace>
+  <inkml:trace contextRef="#ctx0" brushRef="#br0" timeOffset="12751">13494 5362 24575,'41'0'0,"-1"0"0,1 0 0,-1 0 0,1 0 0,-7 0 0,13 0 0,-11 0 0,-5 0 0,-27 0 0,27 0 0,-11 0 0,-1 0 0,-3 0 0,-16 0 0</inkml:trace>
+  <inkml:trace contextRef="#ctx0" brushRef="#br0" timeOffset="14353">14835 4798 24575,'-4'35'0,"0"0"0,-3-3 0,-4-1 0,-9 11 0,-3 0 0,4-1 0,-1 1 0,2-8 0,0 2 0,3-1 0,4 7 0,2-1 0,-8 2 0,3-2 0,10 6 0,-4-20 0,0-3 0,8-4 0,0-5 0,0-15 0,0 16 0,32-12 0,-6 5 0,3-2 0,0-14 0,0-2 0,3 8 0,-5-2 0,-9-13 0,-10 16 0,-8-15 0,0 11 0,0-12-820,0 16 1,0 0 0,0 0 0</inkml:trace>
+  <inkml:trace contextRef="#ctx0" brushRef="#br0" timeOffset="15734">15011 5098 24575,'0'35'0,"0"-10"0,0 1 0,0 13 0,0-13 0,0-1 0,0 10 0,0-15 0,0 3 0,0-5 0,0 25 0,0-4 0,0-3 0,0-5 0,0-27 0,0 27 0,0 5 0,0-10 0,0 2 0,0 3 0,0 1 0,0 3 0,0-1 0,0 13 0,0-20 0,0-3 0,0-5 0,0 13 0,0-13 0,0 12 0,0 5 0,0-7 0,0 1 0,-1 9 0,2 0 0,7-11 0,0-3 0,-4 2 0,11 5 0,-15-28 0,0 11 0,0-15 0</inkml:trace>
+  <inkml:trace contextRef="#ctx0" brushRef="#br0" timeOffset="17158">15452 4992 24575,'0'33'0,"0"0"0,0 11 0,0-11 0,0 0 0,0 2 0,0-9 0,0-1 0,0 15 0,-7-12 0,-2 2 0,7-3 0,0-1 0,-6 6 0,1-1 0,6-3 0,2-1 0,-1-1 0,0-1 0,0 10 0,0-15 0,0-20 0,0-20 0,19-4 0,9-3 0,2-1 0,6 1-164,2 8 1,4 1 0,2 0 163,-7 3 0,2-1 0,-1 1 0,-3 3 0,12 0 0,-4 2 0,3-4 0,-12 5 0,-26 9 0,-8 0 0,0 0 0</inkml:trace>
+  <inkml:trace contextRef="#ctx0" brushRef="#br0" timeOffset="19007">15981 4798 24575,'0'35'0,"0"0"0,0 0 0,0 3 0,0-1 0,0 0 0,0 0 0,0 1 0,0 1 0,0 0 0,0 0 0,0-1 0,0-1 0,0-2 0,0 2 0,0-1 0,0 3 0,0 0 0,0-3 0,0-1 0,0 0 0,0 0 0,0 1 0,0-1 0,0-4 0,0 0 0,0 4 0,0-1 0,0-2 0,0-1 0,0-3 0,0-1 0,0-1 0,0-1 0,0 10 0,0-16 0,0-3 0,0-16 0,0 16 0,0-12 0,0 11 0,0-15 0,0 16 0,-8 4 0,6 7 0,-5 6 0,7-21 0,0 4 0,0-16 0,0 0 0</inkml:trace>
+  <inkml:trace contextRef="#ctx0" brushRef="#br0" timeOffset="21668">11307 7056 24575,'29'0'0,"1"0"0,12 0 0,4 0 0,-9 0 0,2 0 0,2 0-820,2 0 1,2 0 0,1 0 0,1 0-1,-1 0 1,0 0 0,2 0 0,2 0 677,-8 0 0,1 0 0,2 0 0,0 0 0,2 0 0,-1 0 142,-2 0 0,0 0 0,1 0 0,1 0 0,-1 0 0,2 0 0,0 0-373,-2 0 1,1 0-1,1 0 1,0 0-1,0 0 1,1 0-1,-1 0 1,0 0 372,1 0 0,0 0 0,1 0 0,-1 0 0,1 0 0,-1 0 0,-1 0 0,0 0 0,4-1 0,-1 1 0,1 0 0,-2-1 0,0 1 0,-1 1 0,-1 0 109,1 0 1,-2 2 0,-1 0 0,-1 0-1,1 0 1,0-1-110,0-1 0,0 0 0,1-1 0,-2 0 0,0 1 0,-4 0 0,6 3 0,-4 0 0,0 1 0,1-2 0,-3-2 0,3-1 0,-1 0 0,-2-1 0,-3 1-129,-1 0 0,-3 1 1,0-2 128,4-4 0,0-1 0,-2 1 0,2 4 0,-1-2 0,3-12 0,0-1 1302,-4 14 0,1 0-1302,7-14 0,0 1 1638,-10 13 0,1 0-952,8-14 0,0 0 374,-10 14 1,-1 0-1061,-4-5 0,0-1 368,1 3 0,-5 2-368,-3 1 5,11-6-5,-27 8 0,43 0 0,-39 0 0,39 0 0,-43 0 0,28 0 0,-21 0 0,23 0 0,-7 0 0,-7 0 0,11 0 0,-11 0 0,4 0 0,3 0 0,12 0 0,-4 0 0,-4 0 0,-27 0 0,12 0 0</inkml:trace>
+  <inkml:trace contextRef="#ctx0" brushRef="#br0" timeOffset="27401">13670 7567 24575,'-19'0'0,"-12"0"0,11 0 0,0 0 0,5 0 0,-1 0 0,12 0 0,-27 0 0,27 0 0,-28 0 0,28 16 0,-27-12 0,12 27 0,-6-21 0,-1 0 0,5 6 0,2 3 0,-16 16 0,12-7 0,21-11 0,-6 7 0,8-20 0,-16 43 0,12-24 0,-11 2 0,-1 1 0,12 10 0,-12-10 0,1-2 0,11 0 0,-12 23 0,16-43 0,0 27 0,0-27 0,0 20 0,16-22 0,-12 6 0,11-8 0,1 15 0,4-11 0,7 12 0,-9-16 0,5 0 0,-19 15 0,27-11 0,-11 12 0,15-16 0,-15 0 0,11 0 0,-27 0 0,27 0 0,-27-16 0,12 12 0,-16-27 0,0 27 0,0-19 0,0 5 0,0-9 0,0 7 0,0 4 0,0 1 0,0 11 0,0-12 0,0 16 0,0 0 0,-16 0 0,12 0 0,-43 0 0,24 0 0,-12 0 0,-12 0 0,39 0 0,-31 0 0,37 0 0,-22 0 0,20 0 0,-11 16 0,15-12 0,0 11 0,0 1 0,0-12 0,0 12 0,0-16 0,0 0 0</inkml:trace>
+  <inkml:trace contextRef="#ctx0" brushRef="#br0" timeOffset="29368">12947 8573 24575,'20'0'0,"11"0"0,-11 0 0,-1 0 0,13 0 0,-28 0 0,11 0 0,1-16 0,4 12 0,15-20 0,-9 16 0,-1-1 0,6-19 0,-6 19 0,-1-1 0,4-22 0,7 28 0,-15-11 0,11 15 0,-11-16 0,15-4 0,-10 11 0,1-1 0,-6-7 0,-1 3 0,16 10 0,-19-12 0,0 16 0,-12 0 0,27-16 0,-19 12 0,5-11 0,-9 15 0,8-16 0,3 12 0,1-12 0,11 16 0,-27 0 0,12-15 0,-16 11 0,0-12 0</inkml:trace>
+  <inkml:trace contextRef="#ctx0" brushRef="#br0" timeOffset="39984">16669 6385 24575,'37'0'0,"-1"0"0,1 0 0,4 0 0,2 0 0,0 0 0,4 0 0,1 0 0,2 0-581,-4 0 0,2 0 1,0 0-1,-4 0 581,0 0 0,-2 0 0,-2 0 0,-3 0 0,-1 0 0,-3 0 371,0 0 1,-11 0-372,-20 0 0,5 0 0,-7 0 0</inkml:trace>
+  <inkml:trace contextRef="#ctx0" brushRef="#br0" timeOffset="40790">17004 7056 24575,'36'0'0,"-1"0"0,0 0 0,14 0 0,2 0 0,-2 0 0,3 0 0,-4 0 0,3 0 0,-4 0 0,-2 0 0,-6 0 0,-7 0 0,-1 0 0</inkml:trace>
+  <inkml:trace contextRef="#ctx0" brushRef="#br0" timeOffset="43689">18257 6650 24575,'7'-35'0,"11"-1"0,9 15 0,5-1 0,-8 1 0,0-3 0,2 1-397,9-5 1,1 1-1,-1-1 397,-6 4 0,-2-1 0,-1 0 0,-2-4 0,-1-1 0,-1 6 389,21 1-389,-8-8 197,-15 31-197,-4 0 0,-16 0 0,0 15 604,0-11-604,0 28 0,0-13 0,0 5 0,0 3 0,0 7 0,0 3 0,0 2 0,0 4 0,0-8 0,1 4 0,-1 1 0,-1-3-479,-3 0 1,-1-1-1,-2 1 479,-3 11 0,-1 2 0,-3-3 0,0-11 0,-2-2 0,-1 0 0,-5-1 0,-3-1 0,3 1 0,6-3 0,1 0 0,-1 0 0,-5 0 0,-2-1 0,0-2-56,-4 5 0,0-1 56,-8 4 0,-1-2 0,5-8 0,-1-3 0,-3 4 0,2-1 0,9-7 0,1 0 0,-3 0 0,1-1 0,-11 2 1427,1-3-1427,16-16 121,3 0-121,16 0 0,-16-16 0,12 12 0,-11-27 0,15 12 0,0-17 0,15 17 0,-11-13 0,28 28 0,-28-27 0,27 27 0,-27-12 0,27 16 0,-11 0 0,3 0 0,5 0 0,2 0 0,2 0 0,1 0 0,3 0 0,-1 0 0,-1 0 0,0-1 0,0 2 0,4 4 0,1 1 0,-2-1 0,9-4 0,-4 2 0,-10 12 0,-1 1 0,4-7 0,-4 2 0,-7 24 0,9-25 0,-3 0 0,-22 21 0,39-27 0,-44 12 0,13-16 0</inkml:trace>
+  <inkml:trace contextRef="#ctx0" brushRef="#br0" timeOffset="44737">19403 7497 24575,'0'19'0,"0"-3"0,0-1 0,0-11 0,0 28 0,0-28 0,0 27 0,0-27 0,0 12 0,0-16 0</inkml:trace>
+  <inkml:trace contextRef="#ctx0" brushRef="#br0" timeOffset="46719">20073 6279 24575,'-35'-9'0,"0"-1"0,-8-7 0,0 2 0,2 12 0,-1 3-408,4-6 1,-3-1 0,1 4 407,5 5 0,2 4 0,-1 2 0,-5 1 0,0 2 0,3 4 0,-3 9 0,6 7 87,11-4 0,2 3 1,3-1-88,-3 4 0,5 1 0,4 8 0,2 0 0,-7 5 117,23-13 1,2-1-118,-5 6 0,10-12 0,3-3 0,3-5 617,-1-3-617,13-16 108,-20-31-108,17-2 0,6-5 0,-17 11 0,-2-2 0,1-1-229,6-9 1,2-3-1,-2 3 229,3-3 0,-1 2 0,-6 3 0,-3 3 0,4-1 0,-5 19 0,-30 1 0,11 11 0,-12 4 686,16 4-686,0 11 0,0-15 0,0 16 0,0-12 0,0 12 0,0-1 0,16 21 0,-7-10 0,1 3 0,8 1 0,0 2 0,-5 3 0,1-1 0,4-3 0,-3 1 0,-9 3 0,0 0 0,10-7 0,-1-1 0,-12-1 0,-2-1 0,15 10 0,-16-15 0,0 11 0,0-11 0,0 23 0,-6-17 0,-4 1 0,-2-4 0,-3 1 0,-9 10 0,-5-1 0,-9-5 0,-2-2 0,3 3 0,-1-3 0,-6-7 0,2-2 0,13 0 0,3-3 0,-9-10 0,19 12 0,16-16 0,0 0 0</inkml:trace>
+  <inkml:trace contextRef="#ctx0" brushRef="#br0" timeOffset="48952">20373 6615 24575,'0'-20'0,"16"-19"0,0 13 0,3-1 0,8-12 0,1-4-654,-9 4 1,0-2 0,-2-1 653,-2 3 0,0 1 0,-2-3 0,-1-4 0,-1-1 0,-1-2 0,-2 10 0,-1-2 0,0 0 0,-1 2 0,1-7 0,-1 1 0,0 1 0,1-1 0,-2-1 0,-1 5 315,-3 2 1,-2 5-316,1-2 324,-16 19-324,-3 16 0,-9 0 0,-5 0 502,12 13 1,-1 6-503,-5 13 0,-1 6 0,4-6 0,0 2 0,2 2-265,1 8 0,4 3 0,0 1 265,3-9 0,0 1 0,1-1 0,3 0 0,1 6 0,3-2 0,1 0 0,-1 2 0,0-1 0,2-3 0,4 4 0,0-4 0,0-13 0,0-1 0,-1-1 0,2-1 0,15 10 0,4-15 0,15 3 0,0-21 795,-15 6-795,11-8 0,-11 0 0,15 16 0,0-12 0,-15 11 0,-4-15 0,-16 0 0,0 16 0,0 4 0,0 15 0,0 0 0,0 0 0,0 1 0,0-17 0,0 13 0,0-28 0,-16 27 0,-4-11 0,-5-3 0,-1 1 0,3 1 0,-1-5 0,1-4 0,3-8 0,-15 21 0,0-19 0,15 12 0,-11 0 0,27-12 0,-28-4 0,29-4 0,-21-28 0,22 21 0,-21-23 0,19 7 0,-12 7 0,16-11 0,0 27 0,16-27 0,-5 11 0,12 2 0,3 1 0,6-3 0,-7 3 0,1 3 0,9 10 0,0-28 0,1 13 0,-17-16 0,12-1 0,-27 9 0,12 9 0,-16 10 0,0 8 0</inkml:trace>
+  <inkml:trace contextRef="#ctx0" brushRef="#br0" timeOffset="50473">21220 6156 24575,'0'-26'0,"0"1"0,6-17 0,4-2 0,-2-3 0,3 0-386,0 9 0,1 0 0,0 0 386,1 3 0,-1 0 0,-1 1 189,-1-7 0,-1 0-189,0-3 0,-2 2 96,-6 6 0,-2 1-96,1 3 0,0 1 0,0 5 0,0-1 0,1-3 0,-2 2 588,-15-12-588,16 14 0,-4 1 0,-27 6 0,27 3 0,-12 32 0,15 7 0,2 5 0,-1 3 0,0 4 0,0 3 0,0 3 0,0 0-296,0-2 1,0 0-1,0 1 296,0 3 0,-1 2 0,2 0 0,4 1 0,1 1 0,-1-1 0,-4-6 0,-1-1 0,3 0 0,6-3 0,3-1 0,-2-1-75,-4 13 0,0 1 75,5-5 0,1 4 0,-1-2 0,-7-8 0,-1-1 0,1 1 0,6 6 0,3 1 0,-4-2 0,-8 2 0,2-4 0,12-7 0,1-3 0,-12 9 0,12 8 0,-16-43 220,0-4 0,0-4 0,0-12 0</inkml:trace>
+  <inkml:trace contextRef="#ctx0" brushRef="#br0" timeOffset="88168">13018 9225 24575,'35'0'0,"0"0"0,1 0 0,-1 0 0,-10 7 0,1 2 0,-3 0 0,1 1 0,10 11 0,1 2 0,-4-5 0,0 1 0,-3 2 0,-1 1 0,7-4 0,-1-1 0,-13 1 0,-1-1 0,8 2 0,-3-2 0,-4 2 0,-5-3 0,-15-16 0,0 0 0,0-16 0,0-19 0,0-4 0,-7 3 0,-1-3 0,6 3 0,0 0 0,-14-5 0,0 0 0,15-4 0,-2 3 0,-13 13 0,1 3 0,11-9 0,-12 4 0,16 27 0,0-27 0,-15 19 0,11-37 0,-12 25 0,0 1 0,13-4 0,2-1 0,-7-7 0,1 3 0,7 9 0,0-9 0,0 32 0,0-15 0,0 11 0,0-28 0,0 28 0,-16-27 0,12 12 0,-11-9 0,15-5 0,0 21 0,15-4 0,-11 16 0,43 0 0,-20 1 0,1-2 0,5-5 0,1-3 0,7 0 0,2-2 0,-12 0 0,1-1 0,-1 0 0,8-6 0,0 0 0,-5 7 0,1 0 0,-2-2 0,7-11 0,-1-3-445,-10 9 0,1 0 0,-1-1 445,12-9 0,0 1 0,3 5 0,-2 1 0,-10 4 0,-1 1 0,5 2 0,-3 1 0,-2-7 0,16 4 0,-43 16 0,12 0 1335,-16 0-1335,0 32 0,0-17 0,0 21 0,0 9 0,0 3 0,0 2 0,0-1 0,0 0 0,0-14 0,0 1 0,0-5 0,0 12 0,0-26 0,0-9 0,0-8 0</inkml:trace>
+  <inkml:trace contextRef="#ctx0" brushRef="#br0" timeOffset="90391">13670 8925 24575,'0'-35'0,"3"10"0,2-1 0,10-9 0,4-1 0,-5-2 0,3 2 0,9 8 0,-1 1 0,-15 1 0,0 5 0,21 17 0,-27-11 0,12 15 0,-16 0 0,0 15 0,0-11 0,0 12 0,0-1 0,0 5 0,0 15 0,0-10 0,0 1 0,0 8 0,0 3 0,0 10 0,0 4-275,0-11 1,0 2 0,0-1 274,0-1 0,0-1 0,0 0 0,0-2 0,0-1 0,0-3 0,1 0 0,-2-4 0,-15 5 0,12-26 0,-27 7 0,11-11 0,-5 3 0,-1 2 823,-5 7-823,-3-13 0,11 13 0,19-16 0,-12-16 0,16-3 0,0-9 0,16-5 0,-4 6 0,5 7 0,-9 4 0,8 16 0,-12 0 0,11 0 0,-15 0 0,16 0 0,4 0 0,-1 16 0,13-12 0,-28 12 0,27-16 0,-27 0 0,12 0 0</inkml:trace>
+  <inkml:trace contextRef="#ctx0" brushRef="#br0" timeOffset="92601">14235 8749 24575,'-20'16'0,"-3"-1"0,-1 5 0,12 6 0,1 3 0,-7 2 0,0 0 0,8 4 0,5-1 0,5 13 0,0-22 0,0 1 0,0 0 0,0-1 0,0 14 0,0-4 0,0-3 0,0-28 0,0 11 0,0-15 0,15 0 0,21 0 0,-10 0 0,3 0 0,-2 0 0,1 0 0,7 2 0,-4-4 0,-7-13 0,7 11 0,-31-28 0,0 29 0,0-29 0,0 28 0,0-27 0,0 11 0,0-15 0,0 10 0,0-1 0,0-21 0,0 13 0,0-1 0,0 3 0,0 2 0,0-9 0,0-9 0,0 45 0,0-13 0,-31 0 0,7 12 0,-11-11 0,19 15 0,16 0 0,0 0 0,0 15 0,0 5 0,0 15 0,0-10 0,0 1 0,0 13 0,0-3 0,0-13 0,0-21 0,0 6 0</inkml:trace>
+</inkml:ink>
+</file>
+
+<file path=ppt/ink/ink6.xml><?xml version="1.0" encoding="utf-8"?>
+<inkml:ink xmlns:inkml="http://www.w3.org/2003/InkML">
+  <inkml:definitions>
+    <inkml:context xml:id="ctx0">
+      <inkml:inkSource xml:id="inkSrc0">
+        <inkml:traceFormat>
+          <inkml:channel name="X" type="integer" min="-2.14748E9" max="2.14748E9" units="cm"/>
+          <inkml:channel name="Y" type="integer" min="-2.14748E9" max="2.14748E9" units="cm"/>
+          <inkml:channel name="F" type="integer" max="32767" units="dev"/>
+        </inkml:traceFormat>
+        <inkml:channelProperties>
+          <inkml:channelProperty channel="X" name="resolution" value="1000" units="1/cm"/>
+          <inkml:channelProperty channel="Y" name="resolution" value="1000" units="1/cm"/>
+          <inkml:channelProperty channel="F" name="resolution" value="0" units="1/dev"/>
+        </inkml:channelProperties>
+      </inkml:inkSource>
+      <inkml:timestamp xml:id="ts0" timeString="2024-10-29T15:49:35.472"/>
+    </inkml:context>
+    <inkml:brush xml:id="br0">
+      <inkml:brushProperty name="width" value="0.05292" units="cm"/>
+      <inkml:brushProperty name="height" value="0.05292" units="cm"/>
+      <inkml:brushProperty name="color" value="#FF0000"/>
+    </inkml:brush>
+  </inkml:definitions>
+  <inkml:trace contextRef="#ctx0" brushRef="#br0">15276 16581 24575,'0'19'0,"0"28"0,0-8 0,0-4 0,0 1 0,0-8 0,0-1 0,0 2 0,0 1 0,0 4 0,0 0 0,0-8 0,0-1 0,0 9 0,0-1 0,0 2 0,0-15 0,15-5 0,21-15 0,-11 1 0,4-2 0,14-2 0,7-3 0,-1 0-544,-10-1 0,0 1 0,2-1 544,2 3 0,3 0 0,0-1 0,-1-2 0,-3-3 0,0-4 0,-1 1 0,-1 3 0,10 7 0,-1 3 0,-1-4 0,0-11 0,-2-4 0,1 6 0,-1 9 0,-1 6 0,-1-4-286,-4-8 1,-2-2 0,2 2 285,4 7 0,1 4 0,-1-3 0,-2-3 0,0-1 0,-2 2-109,9 3 1,0 2 108,-15-1 0,1 1 0,-2-2 0,0-7 0,0 0 0,4 6 0,4 2 0,-3-2 0,-3-6 0,0 0 0,3 7 0,4 2 0,-4-1 0,0 0 0,-1 0 0,3 0 0,-2 0 0,-11 0 0,-1 0 0,17 0 0,-17-3 0,-1-1 1539,14 2-1539,-6-2 0,1 0 919,5 4-919,-10 0 0,1 0 247,7 0-247,-8-8 0,1 0 0,9 4 0,-6-4 0,1 1 0,-7 6 0,0 2 0,9-1 0,-1 0 0,12 0 0,-14 0 0,-9 0 0,-20 0 0,27 0 0,-27 0 0,12-16 0,-16-4 0,15 1 0,-11-13 0,12 13 0,0-17 0,-14 12 0,0-3 0,6-7 0,-1-2 0,-6 3 0,-2-1 0,1-9 0,0 2 0,0-6 0,0 12 0,0 19 0,0 16 0,0 0 0,0 0 0</inkml:trace>
+</inkml:ink>
+</file>
+
+<file path=ppt/ink/ink7.xml><?xml version="1.0" encoding="utf-8"?>
+<inkml:ink xmlns:inkml="http://www.w3.org/2003/InkML">
+  <inkml:definitions>
+    <inkml:context xml:id="ctx0">
+      <inkml:inkSource xml:id="inkSrc0">
+        <inkml:traceFormat>
+          <inkml:channel name="X" type="integer" min="-2.14748E9" max="2.14748E9" units="cm"/>
+          <inkml:channel name="Y" type="integer" min="-2.14748E9" max="2.14748E9" units="cm"/>
+          <inkml:channel name="F" type="integer" max="32767" units="dev"/>
+        </inkml:traceFormat>
+        <inkml:channelProperties>
+          <inkml:channelProperty channel="X" name="resolution" value="1000" units="1/cm"/>
+          <inkml:channelProperty channel="Y" name="resolution" value="1000" units="1/cm"/>
+          <inkml:channelProperty channel="F" name="resolution" value="0" units="1/dev"/>
+        </inkml:channelProperties>
+      </inkml:inkSource>
+      <inkml:timestamp xml:id="ts0" timeString="2024-10-29T15:43:42.219"/>
+    </inkml:context>
+    <inkml:brush xml:id="br0">
+      <inkml:brushProperty name="width" value="0.05292" units="cm"/>
+      <inkml:brushProperty name="height" value="0.05292" units="cm"/>
+      <inkml:brushProperty name="color" value="#FF0000"/>
+    </inkml:brush>
+  </inkml:definitions>
+  <inkml:trace contextRef="#ctx0" brushRef="#br0">4586 16545 24575,'26'0'0,"-1"0"0,2-7 0,1-1 0,10-1 0,3-2 0,3-10 0,0-1 0,-3 11 0,0 0 0,3-8 0,-2-1 0,-5 11 0,-3-1 0,-6-8 0,-1 0 0,16-1 0,-10-13 0,-5 28 0,7-27 0,-15 27 0,-5-12 0,-15 16 0,0 0 0</inkml:trace>
+  <inkml:trace contextRef="#ctx0" brushRef="#br0" timeOffset="2300">4992 16757 24575,'-23'26'0,"-1"0"0,1 0 0,-6 3 0,3-1 0,2 3 0,5-3 0,9-8 0,4-5 0,29-15 0,-3 0 0,0 0 0,11 0 0,-27 0 0,27 0 0,-11 0 0,-1 0 0,-3 0 0,0 16 0,-12 4 0,11-1 0,1 12 0,-12-27 0,12 12 0,-16-16 0,0 16 0,0-12 0,0 11 0,0 1 0,0 4 0,0 15 0,0 0 0,0-7 0,0-11 0,0 7 0,0-5 0,-16 17 0,-4-17 0,-15-3 0,0 0 0,15-12 0,-11 11 0,27-15 0,-27 0 0,11 0 0,-7 0 0,-7 0 0,7 0 0,7 0 0,5 0 0,15 0 0</inkml:trace>
+  <inkml:trace contextRef="#ctx0" brushRef="#br0" timeOffset="4450">5027 16951 24575,'36'0'0,"-17"0"0,13 0 0,-28 0 0,11 0 0,1 0 0,-12 0 0,12 0 0,-16 0 0,15 0 0,-11 0 0,12 0 0,-8-16 0,9-3 0,11-1 0,-9-3 0,13 21 0,-28-6 0,11 8 0,-15 0 0</inkml:trace>
+  <inkml:trace contextRef="#ctx0" brushRef="#br0" timeOffset="7128">5169 17939 24575,'19'15'0,"20"5"0,-33 15 0,18-15 0,-9-4 0,5-9 0,0-5 0,11 22 0,-27-20 0,12 12 0,-16-16 0</inkml:trace>
+  <inkml:trace contextRef="#ctx0" brushRef="#br0" timeOffset="8373">5292 17833 24575,'20'0'0,"27"16"0,-28-1 0,1 5 0,14 14 0,2 2 0,-7-10 0,-3-1 0,-7 10 0,-2-5 0,6-18 0,-21 19 0,6-27 0,-8 12 0,0-16 0,16 15 0,-13-11 0,13 12 0,-16 0 0,16-12 0,-12 11 0,11-15 0,-15 0 0,0 0 0</inkml:trace>
+  <inkml:trace contextRef="#ctx0" brushRef="#br0" timeOffset="12373">5204 18785 24575,'25'-15'0,"3"-5"0,-9 1 0,-3-13 0,0 28 0,-12-11 0,11-1 0,-15 12 0,0-12 0,0 32 0,0 19 0,0 4 0,0-5 0,0-1 0,0-2 0,0 18 0,0-37 0,0 20 0,0-29 0,0 13 0,0 0 0,0-12 0,0 11 0,0 1 0,0-12 0,0 12 0,0-16 0</inkml:trace>
+  <inkml:trace contextRef="#ctx0" brushRef="#br0" timeOffset="14450">5468 18821 24575,'20'-36'0,"-4"17"0,-1-13 0,5 13 0,0-1 0,-5-11 0,-7 11 0,-6-15 0,6 15 0,-8 5 0,-8 30 0,6 21 0,-6 3 0,8-13 0,0-1 0,0 10 0,0 0 0,0 1 0,0-17 0,0 5 0,0-7 0,0 11 0,0 7 0,0 0 0,0-15 0,0-4 0,0-1 0,0-11 0,0 11 0</inkml:trace>
+  <inkml:trace contextRef="#ctx0" brushRef="#br0" timeOffset="16151">5768 18979 24575,'0'0'0</inkml:trace>
+  <inkml:trace contextRef="#ctx0" brushRef="#br0" timeOffset="18796">6033 18680 24575,'16'-36'0,"19"1"0,4 15 0,-13 3 0,-1 3 0,-5 10 0,-5 4 0,-15 4 0,0 27 0,0-27 0,16 28 0,-12-13 0,12 1 0,-16 11 0,0-27 0,0 12 0,0 0 0,0 3 0,0 16 0,-16-15 0,-4 11 0,-15-19 0,15 6 0,-11 5 0,11-3 0,1-1 0,-13-3 0,29-16 0,-13 0 0,16 0 0,-16 0 0,12 0 0,-11 16 0,-1-12 0,12 11 0,-20-15 0,22 0 0,-5 0 0,7-15 0,0 11 0,0-12 0,7 16 0,11 0 0,10-16 0,7 13 0,-16-13 0,13 16 0,-28 0 0,27 16 0,-11-13 0,15 29 0,-15-28 0,11 11 0,-11 1 0,-1-12 0,12 12 0,-27-16 0,12 0 0,-16 0 0,16 0 0,-12 0 0,19 0 0,-21 0 0,6 0 0,-8 0 0</inkml:trace>
+  <inkml:trace contextRef="#ctx0" brushRef="#br0" timeOffset="20717">8061 16457 24575,'36'21'0,"-1"-1"0,4 2 0,0 3 0,-14-2 0,-1 1 0,0 0-1639,8 5 1,-2-3 637,-2-8 1,-5-1 2500,-3 14-1500,-4-27 874,-1 12-874,-11 0 0,12-12 0,-16 11 0,0-15 0,0 0 0</inkml:trace>
+  <inkml:trace contextRef="#ctx0" brushRef="#br0" timeOffset="22562">7726 16686 24575,'8'26'0,"0"-1"0,11 15 0,6-9 0,1-4 0,6-5 0,-8 5 0,1 1 0,18-5 0,-24 10 0,1 1 0,5-13 0,1-3 0,9 17 0,-15-3 0,11-13 0,-27 1 0,28 11 0,-29-27 0,13 12 0,-16-16 0,0 0 0,0 0 0</inkml:trace>
+  <inkml:trace contextRef="#ctx0" brushRef="#br0" timeOffset="33729">7955 18274 24575,'20'-20'0,"11"-11"0,-27 11 0,28-15 0,-13 0 0,1 0 0,11 7 0,-27 10 0,12 11 0,-16-9 0,0 12 0,16-27 0,-13 27 0,13-28 0,-16 13 0,0-1 0,0-11 0,0 43 0,0-24 0,0 59 0,0-24 0,-7 12 0,-2 5 0,8 4 0,-1 0-1601,-7-9 0,2 1 1601,6 6 0,2-2-144,-1-14 0,0-1 144,0 2 0,0 1 0,0 19 0,0-14 0,0-2 0,0 1 0,0-6 0,0-1 787,0-6 0,0-3 0,0-16 0</inkml:trace>
+  <inkml:trace contextRef="#ctx0" brushRef="#br0" timeOffset="35565">8432 17903 24575,'0'28'0,"0"-1"0,0 0 0,0-3 0,0 4 0,0-11 0,0-9 0,0 8 0,0-12 0,0 27 0,0-11 0,0 15 0,0 0 0,0 1 0,0-17 0,0-3 0,15-16 0,-11 0 0,12 0 0,0 0 0,3-16 0,17 12 0,-17-27 0,13 27 0,-29-12 0,29 16 0,-28 0 0,11 0 0</inkml:trace>
+  <inkml:trace contextRef="#ctx0" brushRef="#br0" timeOffset="37017">8608 17903 24575,'0'26'0,"0"-1"0,0 6 0,0 1 0,0 4 0,0 1 0,0 3 0,0-2 0,0-10 0,0-1 0,0 7 0,0-1 0,0 6 0,0-6 0,0 0 0,0 14 0,-1-20 0,2-1 0,15 17 0,-12-7 0,11-1 0,-15-15 0,0 11 0,0-27 0,0 12 0,0-16 0</inkml:trace>
+  <inkml:trace contextRef="#ctx0" brushRef="#br0" timeOffset="38935">8873 18574 24575,'0'0'0</inkml:trace>
+  <inkml:trace contextRef="#ctx0" brushRef="#br0" timeOffset="41068">9173 18168 24575,'0'-25'0,"0"-1"0,0-21 0,7 20 0,1 1 0,-4-17 0,12 8 0,-16 15 0,16 4 0,-13 16 0,13 16 0,-16 4 0,1 4 0,-2 3 0,-15 20 0,14-14 0,1 2 0,-8-3 0,2-1 0,6 5 0,2-1 0,-1-7 0,0-2 0,0 2 0,0-5 0,0-3 0,0 11 0,0-27 0,0 12 0,0 0 0,0-12 0,0 19 0,0-21 0,0 22 0,0-20 0,0 11 0,0-15 0</inkml:trace>
+  <inkml:trace contextRef="#ctx0" brushRef="#br0" timeOffset="43635">9543 18062 24575,'-16'20'0,"12"11"0,-27-11 0,27 15 0,-12 0 0,16 1 0,0-17 0,0 13 0,0-29 0,0 29 0,0-28 0,0 11 0,0 1 0,0-12 0,0 27 0,0-27 0,0 28 0,0-28 0,0 11 0,0-7 0,0-6 0,0 22 0,16-5 0,4 1 0,15 11 0,-15-27 0,11 27 0,-27-27 0,27 12 0,-27-16 0,12 0 0,-1 0 0,-11 0 0,28 0 0,-28 0 0,11 0 0,-15 0 0,16 0 0,-12-16 0,12 12 0,-16-11 0,0 15 0,0-16 0,0-4 0,0-15 0,-16 16 0,12 3 0,-12 8 0,1 6 0,11-6 0,-28-7 0,28 11 0,-11-12 0,-1 16 0,12 0 0,-11 0 0,-1 0 0,12 0 0,-27 0 0,27 16 0,-28-12 0,28 11 0,-27-7 0,27-6 0,-27 6 0,19 8 0,-6-12 0,11 11 0,7-15 0,0 0 0</inkml:trace>
+  <inkml:trace contextRef="#ctx0" brushRef="#br0" timeOffset="61126">11236 6385 24575,'0'0'0</inkml:trace>
+  <inkml:trace contextRef="#ctx0" brushRef="#br0" timeOffset="138835">14605 18274 24575,'36'0'0,"-12"0"0,3 0 0,3 0 0,2 0 0,1 0 0,3 0 0,-1 0-528,-1 0 1,1 0 0,-2 0 527,13 0 0,-2 0 256,-9 0 1,-3 0-257,3 0 262,-7 0-262,5 0 0,-6-16 0,9 12 807,-1-11-807,-16 15 0,13 0 0,-28 0 0,11 0 0</inkml:trace>
+  <inkml:trace contextRef="#ctx0" brushRef="#br0" timeOffset="139986">14711 17762 24575,'39'0'0,"1"0"0,4 0 0,0 0 0,-3 0 0,0 0 0,-5 0 0,-1 0 0,-8 0 0,-3 0 0,-5 0 0,13 0 0,-29 0 0,13 16 0,-32 4 0,13-1 0,-13-3 0</inkml:trace>
+  <inkml:trace contextRef="#ctx0" brushRef="#br0" timeOffset="143551">16263 18062 24575,'0'-25'0,"16"-18"0,-7 9 0,2-3 0,2 0 0,1 0 0,3-7 0,-1 1 0,-1 11 0,-2 2 0,-4 3 0,1 1 0,7-4 0,-2 1 0,-11-10 0,11 3 0,-15 5 0,0 27 0,0-11 0,0 15 0,0 15 0,0 8 0,0 5 0,0 3 0,0 5 0,0 6 0,0 5 0,0-1-287,0-11 1,0-1 0,0 3 286,0 1 0,0 3 0,0 1 0,0-2 0,0 3 0,0-1 0,0 0-1093,0-2 1,-1-1 0,2 0 741,4-4 1,1 0 0,-1-4 267,-3 2 0,0-3 83,6 5 0,0-1 0,-8 13 0,7-12 0,1-4 662,-4-7-662,12 23 3276,-16-27-2978,0-1 0,0-3 0,0-16 0</inkml:trace>
+  <inkml:trace contextRef="#ctx0" brushRef="#br0" timeOffset="144925">16793 18644 24575,'0'-19'0,"-16"-13"0,12 28 0,-12-11 0,16 15 0,-8 0 0,6 0 0,-5 0 0</inkml:trace>
+  <inkml:trace contextRef="#ctx0" brushRef="#br0" timeOffset="146600">17375 17498 24575,'0'35'0,"0"-7"0,0 3 0,-8 4 0,0 2 0,6 11 0,0 2 0,-3-15 0,-1 0 0,1 1 0,4 2 0,2 1 0,-1-2-1639,0 10 1,0-2 863,0-5 0,0-2 1508,0-4 1,0-1-734,0-5 0,0-1 0,0 0 0,0 1 392,-1-1 1,2-3-393,15-5 0,-12 13 0,27-21 2575,-11 23-2575,15-22 0,0 19 0,-7-27 0,5 11 0,-5-15 0,7 0 0,0 0 0,-15-15 0,11-5 0,-11-7 0,-11-4 0,1-3 0,6 9 0,0-1 0,-8-5 0,-2-5 0,-1 1 0,5-10 0,0 0 0,0 4 0,-4 0 0,-10 8 0,-2-1 0,0 1 0,5-8 0,-2-1 0,-10 7 0,-5-1 0,2 2 0,4-9 0,0 3 0,-4 4 0,-3 4 0,3 8 0,1 5 0,-5-1 0,-15-11 0,15 11 0,-11 0 0,27 5 0,-19 15 0,5 0 0,-2 12 0,-3 7 0,-5 2 0,1 5 0,8 1 0,1 4 0,0-1 0,-10 11 0,5 1 0,13 2 0,0-2 0,-6-14 0,1-1 0,13-1 0,0-1 0,-13 10 0,15-15 0,0 11 0,0-27 0,0 12 0</inkml:trace>
+  <inkml:trace contextRef="#ctx0" brushRef="#br0" timeOffset="148790">18115 17639 24575,'0'-26'0,"0"1"0,0-17 0,0-2 0,0-3 0,0 0 0,0 9 0,0-1 0,0 2 0,0-9 0,0 4 0,0 9 0,0 3 0,0-5 0,0 3 0,0 28 0,16-11 0,4 30 0,15 5 0,0 15 0,-15 1 0,3-17 0,-21 13 0,6-28 0,8 11 0,-12-15 0,12-15 0,-16 11 0,0-28 0,0 28 0,0-11 0,0 30 0,0 5 0,0 0 0,0 19 0,0-18 0,-1 7 0,2 3 0,6 3 0,1 3 0,-7 7 0,2 2 0,7-14 0,2 1 0,-3 0 0,-7 12 0,0-2 0,14-3 0,0-2 0,-14-2 0,0-1 0,6 1 0,-1-2 0,-6-5 0,-2-3 0,1 10 0,0-5 0,0-19 0,0 5 0,0 7 0,0-20 0,0 27 0,0-27 0,0 27 0,0 5 0,0 3 0,0-6 0,0 1 0,0 5 0,0-13 0,0-1 0,0-6 0,0-3 0,0-16 0</inkml:trace>
+  <inkml:trace contextRef="#ctx0" brushRef="#br0" timeOffset="149999">18186 18009 24575,'43'0'0,"-10"0"0,3 0 0,11 0 0,4 0 0,-15 0 0,1 0 0,-1 0 0,12 0 0,-5 0 0,-16 0 0,-3 0 0,-1 0 0,-21 0 0,6 0 0</inkml:trace>
+  <inkml:trace contextRef="#ctx0" brushRef="#br0" timeOffset="152019">18892 17163 24575,'0'29'0,"0"0"0,-8 7 0,0 1 0,7-4 0,-2 1 0,-13 8 0,1-2 0,11-1 0,-11-14 0,-2 1 0,7 1 0,1-3 0,-11 0 0,4 15 0,16-37 0,0 21 0,0-19 0,16-4 0,-12-4 0,27-19 0,-11 21 0,15-6 0,1 8 0,-1 0 0,-16 0 0,28 8 0,-39 9 0,32 11 0,-39-9 0,23 13 0,-20-28 0,12 11 0,-16-15 0,0 16 0,0-12 0,0 27 0,0-27 0,0 43 0,0-39 0,0 39 0,-16-27 0,4 15 0,-21-15 0,5 11 0,-7-27 0,0 19 0,0-21 0,-1 6 0,1-8 0,0 0 0,15 0 0,-11 0 0,27 0 0,-12 0 0</inkml:trace>
+  <inkml:trace contextRef="#ctx0" brushRef="#br0" timeOffset="153696">18962 17233 24575,'35'0'0,"-7"0"0,5 0 0,-5 0 0,-9-15 0,13 11 0,-13-12 0,1 16 0,11 0 0,-27 0 0,12 0 0,-1 0 0,-11-16 0,28 12 0,-28-11 0,27 15 0,-27 0 0,27-16 0,-27 12 0,28-12 0,-29 16 0,13 0 0,-16 0 0,0 0 0</inkml:trace>
+  <inkml:trace contextRef="#ctx0" brushRef="#br0" timeOffset="161493">21079 18168 24575,'0'-35'0,"0"15"0,0-11 0,0 27 0,15-12 0,-11 16 0,12 0 0,0 0 0,-12 0 0,11 0 0,1 0 0,-12 0 0,27 0 0,-11 0 0,0 0 0,11 0 0,-27 0 0,11 0 0,1 0 0,-12 0 0,12 0 0,-16 0 0,15-8 0,-11 6 0,12-5 0,-16 7 0,0-16 0,0 12 0,0-12 0,0 16 0,0 0 0,0 40 0,0 1 0,0-3 0,0 2 0,0-4 0,0-1 0,0 0 0,0 0 0,4 1 0,0-1 0,-3-4 0,0 0 0,2 3 0,2 1 0,3 4 0,-1 0 0,-5 6 0,0 1 0,6 0 0,0-2 0,-8-12 0,0-2 0,8 4 0,0-3 0,-4 0 0,4-5 0,-1-1 0,-7 11 0,0-17 0,0-4 0</inkml:trace>
+  <inkml:trace contextRef="#ctx0" brushRef="#br0" timeOffset="162984">21220 18750 24575,'25'-8'0,"1"0"0,13 5 0,-9-12 0,-1-2 0,8-2 0,-15 1 0,-1 0 0,15-1 0,-1 3 0,-16 0 0,-3 12 0,-16-11 0</inkml:trace>
+  <inkml:trace contextRef="#ctx0" brushRef="#br0" timeOffset="164069">21784 18750 24575,'0'0'0</inkml:trace>
+  <inkml:trace contextRef="#ctx0" brushRef="#br0" timeOffset="166318">22067 18062 24575,'35'-23'0,"-8"17"0,-10-14 0,0 1 0,10 15 0,-7-12 0,-5 16 0,1 0 0,-12 0 0,12 0 0,-16 16 0,0 11 0,0-2 0,0 3 0,0 3 0,0 1 0,0 3 0,0 0 0,0-7 0,0-1 0,0-1 0,0-1 0,0 10 0,0-15 0,-16 11 0,-4-27 0,-15 28 0,8-21 0,-5 5 0,-1 2 0,8-4 0,-1-1 0,-10-2 0,1-2 0,0 6 0,19-15 0,16 0 0,0-15 0,0 11 0,0-12 0,0 1 0,0 11 0,16-12 0,-12 16 0,12 0 0,-16 0 0,15 0 0,-11 0 0,12 0 0,0 0 0,-12 0 0,11 0 0,1 0 0,-12 0 0,27 0 0,-11 0 0,7 0 0,7 0 0,-7 0 0,-7 0 0,-5 0 0,1 0 0,-12 0 0,27-8 0,-27 6 0,12-6 0,-16 8 0,0 0 0</inkml:trace>
+  <inkml:trace contextRef="#ctx0" brushRef="#br0" timeOffset="168502">22737 18009 24575,'-35'0'0,"-1"0"0,1 0 0,15 0 0,5 0 0,-1 0 0,12 0 0,-27 16 0,19-12 0,-6 19 0,11-21 0,7 6 0,0 8 0,0-12 0,0 12 0,0-1 0,0-11 0,7 27 0,-5-27 0,6 12 0,8-16 0,-12 0 0,27 0 0,-27 0 0,27 0 0,-11-16 0,15 12 0,-15-11 0,-4-1 0,-16 12 0,0-11 0,0 30 0,0-11 0,0 12 0,0-1 0,0 9 0,0 3 0,0 9 0,0 3 0,0 9 0,0 2 0,0-15 0,0 0 0,0-1 0,0 7 0,0 0 0,0 4 0,0-4 0,0-1 0,0 7 0,0-44 0,-16 13 0,12-16 0,-27 16 0,11-12 0,-5 11 0,-1 1 0,-5-12 0,-3 12 0,27-16 0</inkml:trace>
+  <inkml:trace contextRef="#ctx0" brushRef="#br0" timeOffset="170191">22807 18239 24575,'36'-36'0,"-9"1"0,6 0 0,-12 16 0,2 3 0,16-4 0,-14 8 0,1 0 0,-1 4 0,1-1 0,1-5 0,1 0 0,7 5 0,0-1 0,-11-7 0,-1 2 0,26 11 0,-21-11 0,7 15 0,-16 0 0,-3 15 0,-16-11 0,0 12 0,-16 0 0,13 3 0,-29 9 0,13 5 0,6-11 0,-2-1 0,-2-2 0,1 1 0,9 7 0,2-3 0,-11-4 0,16-4 0,16-16 0,-4 0 0,5 0 0,-9 0 0,-8 0 0,0 15 0,0-11 0,0 12 0,0 0 0,-8 19 0,-13-8 0,-7 1 0,-3 3 0,-4 0 0,6-7 0,-1 0 0,-1-3 0,-4-4 0,-1-2 0,5 0 0,8 4 0,3-3 0,-27 0 0</inkml:trace>
+  <inkml:trace contextRef="#ctx0" brushRef="#br0" timeOffset="172154">20267 18309 24575,'-32'-10'0,"0"1"0,-6-1 0,1 4 0,9 5 0,1 2 0,-1-1 0,2 0 0,-10 0 0,-11 0 0,24 0 0,-3 7 0,1 2 0,-3-6 0,11 29 0,9-28 0,8 11 0,8-15 0,9 16 0,26 4 0,-3-1 0,-15-2 0,1-2 0,0-9 0,-1-1 0,-2 13 0,24-10 0,-43 8 0,12-12 0,-16 11 0,15-15 0,-11 16 0,28-12 0,-28 27 0,19-27 0,-21 12 0,6-16 0,8 0 0,-13 15 0,13-11 0,-16 28 0,0-13 0,-16 17 0,4-3 0,-3 0 0,-3-11 0,-1-1 0,-2 10 0,-1-3 0,-3-10 0,-1-3 0,-1-1 0,-1 0 0,-7 4 0,-1-1 0,9-6 0,-1-2 0,-3 0 0,4-3 0,5-6 0,-1 0 0,23 0 0</inkml:trace>
+  <inkml:trace contextRef="#ctx0" brushRef="#br0" timeOffset="174620">20338 18874 24575,'0'-10'0,"16"-29"0,3 15 0,-2-2 0,2 1 0,16 6 0,-16-13 0,-3 28 0,0-11 0,-12 30 0,11-11 0,-15 28 0,0-13 0,-6 5 0,-3 3 0,0-4 0,-2 1 0,-5 11 0,-3-1 0,0-10 0,3-1 0,5 3 0,2-1 0,-7 9 0</inkml:trace>
+  <inkml:trace contextRef="#ctx0" brushRef="#br0" timeOffset="177131">20373 17939 24575,'16'-36'0,"4"1"0,4 10 0,2-1 0,-6 6 0,0 1 0,6 0 0,-1 3 0,-6 0 0,5 16 0,-22 16 0,6-12 0,-8 11 0,-8 1 0,6 4 0,-6 15 0,8-15 0,0 11 0,-16-27 0,-1 24 0,-1 7 0,-1-18 0,-1 1 0,-6 15 0,1 2 0,6-12 0,3-2 0,-4 14 0,4-16 0,1 13 0,11-28 0,-12 11 0,16-15 0,-16 0 0,12 0 0,4-15 0,4 11 0,12-12 0,0 16 0,-12-16 0,11 12 0,1-11 0,-12 15 0,12 0 0,-16 0 0,15 0 0,-11 0 0,12 0 0,-16 0 0,15 0 0,-11 0 0,12 0 0,0 15 0,-12-11 0,27 28 0,-11-28 0,-1 11 0,5-15 0,-22 0 0,6 0 0</inkml:trace>
+  <inkml:trace contextRef="#ctx0" brushRef="#br0" timeOffset="182346">13194 1993 24575,'-25'0'0,"-1"0"0,-16 0 0,-2 0 0,10-1 0,-3 2 0,3 7 0,-5 3 0,0 3 0,4 0 0,-3 6 0,2 3 0,1 1 0,-1 2 0,5 3 0,2 12 0,7 2 0,11-10 0,3 1 0,-2 2 0,4-2 0,6 1 0,16-3 0,19 3 0,-9-23 0,3 0 0,-2 13 0,1-3 0,-2-20 0,-1 0 0,-6 13 0,28-7 0,-31-6 0,16 0 0,1 4 0,-18 10 0,32-12 0,-43 11 0,12 1 0,-16 3 0,0 17 0,0-1 0,1-10 0,-2 1 0,-15 13 0,8-12 0,-3-3 0,-25-4 0,9 11 0,-22-27 0,17 12 0,7-15 0,0-2 0,-11 1 0,1 15 0,0-11 0,15 12 0,4-16 0,16 0 0,-15 0 0,-5-16 0,1 12 0,3-11 0</inkml:trace>
+  <inkml:trace contextRef="#ctx0" brushRef="#br0" timeOffset="186011">13424 2064 24575,'15'-36'0,"5"1"0,15 16 0,-15-13 0,-5 28 0,1-11 0,-12 15 0,12 0 0,-16 0 0,15 0 0,-11 0 0,28 15 0,-13 5 0,1 0 0,3 11 0,-21-27 0,6 27 0,-8-27 0,0 27 0,0-11 0,-8 0 0,-9 11 0,-11-4 0,9-5 0,1-1 0,4-3 0,10-14 0,-11 27 0,-1-27 0,12 12 0,-12-16 0,1 0 0,-5 0 0,-15 0 0,0 0 0,15 16 0,4-12 0,16-4 0,0-4 0,16-12 0,-12 0 0,27 12 0,-11-11 0,-1 15 0,-3 0 0,0 0 0,3 0 0,7 0 0,-1 0 0,-1 0 0,23 0 0,-43 0 0,11 0 0,-7 0 0,-6 0 0,22 0 0,-20 0 0,27 0 0,-27 0 0,12 0 0,-16 0 0,15 0 0,-11 0 0,28 0 0,-28 0 0,27 0 0,-27 0 0,12 0 0</inkml:trace>
+  <inkml:trace contextRef="#ctx0" brushRef="#br0" timeOffset="187111">14164 2469 24575,'43'0'0,"1"0"0,-6 0 0,-2 0 0,-4 0 0,-1 0 0,18 0 0,-22 0 0,-7 0 0,-4 0 0,-16 0 0</inkml:trace>
+  <inkml:trace contextRef="#ctx0" brushRef="#br0" timeOffset="188593">14305 2910 24575,'40'0'0,"-1"0"0,-10 0 0,-1 0 0,3 0 0,-3 0 0,-9 0 0,-3 0 0,-1 0 0,-11 0 0,28 0 0,-28 0 0,27 0 0,-27 0 0,12 0 0,-16 0 0</inkml:trace>
+  <inkml:trace contextRef="#ctx0" brushRef="#br0" timeOffset="193383">15558 1817 24575,'36'0'0,"0"0"0,0 0 0,8 0 0,2 0 0,-6 0 0,1 0 0,-1 0 0,10 1 0,-6-2 0,-14-7 0,-3 0 0,5 7 0,-5-2 0,-7-12 0,11 15 0,-27 0 0,12 0 0,-16 0 0</inkml:trace>
+  <inkml:trace contextRef="#ctx0" brushRef="#br0" timeOffset="195347">15558 1817 24575,'43'15'0,"-17"-5"0,1 0 0,-4-1 0,1 2 0,8 5 0,3-1 0,0-5 0,0 0 0,-5 0 0,-1-1 0,-2 0 0,-3-2 0,-8-7 0,-16 0 0,0 16 0,-16-12 0,12 27 0,-27-27 0,-5 27 0,-3-11 0,13-4 0,1 3 0,-10 16 0,15-15 0,5-4 0,15-16 0,0 7 0,0-5 0,-16 22 0,12 11 0,-12-16 0,1 1 0,12 13 0,2 1 0,-15-6 0,0-1 0,12 12 0,-11-8 0,15-31 0,15 0 0,5 0 0,4-7 0,3-1 0,0 6 0,1 0 0,14-14 0,2 0 0,-11 14 0,1 1 0,-1-4 0,2-2 0,-3 3 0,-6 3 0,-1 2 0,10-1 0,-4 0 0,-11 0 0,11 0 0,-27-16 0,12 12 0,-16-11 0</inkml:trace>
+  <inkml:trace contextRef="#ctx0" brushRef="#br0" timeOffset="197104">16457 1817 24575,'0'33'0,"0"0"0,0-4 0,0 1 0,0 13 0,0 0 0,0-6 0,0-3 0,0 13 0,0-12 0,0-5 0,0-15 0,16 32 0,-12-27 0,27 15 0,-11 1 0,0-17 0,3-3 0,1 0 0,-1 3 0,2-9 0,1 0 0,9 21 0,-15-27 0,3 12 0,-21-16 0,6 0 0,-8 0 0</inkml:trace>
+  <inkml:trace contextRef="#ctx0" brushRef="#br0" timeOffset="198605">16828 1958 24575,'35'0'0,"0"0"0,-9 0 0,-1 0 0,15 0 0,-5 0 0,-4 0 0,-27 0 0,12 0 0,-16 0 0,0 16 0,0-12 0,0 27 0,0-27 0,0 11 0,0 1 0,0 4 0,0-1 0,0-3 0,0 0 0,-16 3 0,12 9 0,-17 4 0,-5 0 0,3 4 0,6-2 0,-2-2 0,-12-12 0,11 11 0,1-27 0,-13 12 0,29-16 0,-13 0 0,16 0 0,0 0 0</inkml:trace>
+  <inkml:trace contextRef="#ctx0" brushRef="#br0" timeOffset="200048">17375 1923 24575,'-36'0'0,"1"0"0,0 15 0,15-11 0,-11 28 0,27 3 0,-12 4 0,8-12 0,1-3 0,3-4 0,-12 11 0,16-19 0,0 21 0,0-5 0,16 7 0,-12 0 0,27-15 0,-27 11 0,27-27 0,-27 27 0,27-27 0,-11 12 0,0-16 0,-5 0 0,-15-16 0,0 12 0,0-11 0,0 15 0,0 0 0</inkml:trace>
+  <inkml:trace contextRef="#ctx0" brushRef="#br0" timeOffset="201921">17710 2364 24575,'0'27'0,"0"0"0,0 9 0,0-5 0,0-27 0,0 12 0,0-1 0,0-11 0,0 12 0,0-16 0,0 16 0,0-12 0,0 11 0,0-15 0,0 0 0,0 8 0,0-6 0,0 6 0,0-8 0,0 0 0,15 0 0,-11 0 0,12-8 0,-16 6 0,0-6 0,0 8 0,0-15 0,16 11 0,-12-12 0,11 16 0,-15 0 0</inkml:trace>
+  <inkml:trace contextRef="#ctx0" brushRef="#br0" timeOffset="202948">17675 2187 24575,'0'0'0</inkml:trace>
+  <inkml:trace contextRef="#ctx0" brushRef="#br0" timeOffset="204144">18151 2170 24575,'35'0'0,"2"0"0,1 0 0,7 0 0,-8-8 0,0 0 0,-2 4 0,1-12 0,-17 16 0,-3 0 0,-16 0 0,0 0 0</inkml:trace>
+  <inkml:trace contextRef="#ctx0" brushRef="#br0" timeOffset="205174">18627 2028 24575,'27'0'0,"22"0"0,-2 0 0,-12 0 0,1 0 0,-8 0 0,-1 0 0,6-1 0,1 2 0,-3 14 0,0 2 0,-2-6 0,-1 1 0,4 6 0,-5 0 0,-8-3 0,-3-15 0,-16 0 0,0 0 0,0 0 0</inkml:trace>
+  <inkml:trace contextRef="#ctx0" brushRef="#br0" timeOffset="206384">18715 2399 24575,'0'-20'0,"0"-27"0,16 24 0,-15-9 0,2-3 0,20 11 0,1 1 0,-20-4 0,0 1 0,18 4 0,3 1 0,-6-14 0,1-1 0,-4 17 0,-1-12 0,-11 27 0,28-28 0,-29 13 0,13-1 0,-16 4 0,0 16 0,0 0 0</inkml:trace>
+  <inkml:trace contextRef="#ctx0" brushRef="#br0" timeOffset="207772">18380 1782 24575,'35'0'0,"13"-4"0,2 0 0,-21 3 0,1 0 0,7-5 0,4-3 0,-3 0 0,3 0 0,-4-1 0,6-10 0,-10 3 0,-3 3 0,-10 10 0,-1-12 0,-3 16 0,0-16 0,3 12 0,16-27 0,-7 27 0,5-11 0,-21 15 0,19 0 0,-11 0 0,-1 0 0,-3 0 0,-16 0 0</inkml:trace>
+  <inkml:trace contextRef="#ctx0" brushRef="#br0" timeOffset="209563">19368 1393 24575,'17'23'0,"1"0"0,2 4 0,-5 4 0,-15-27 0,8 43 0,-6-23 0,2 6 0,0 6 0,-3 10 0,-2 3 0,1-8 0,0 2 0,0 0 0,0-2 0,0-1 0,0 0 0,0 2 0,0-1 0,0-6 0,0 12 0,0 2 0,0-6 0,0-4 0,0-13 0,0-1 0,0 11 0,0-17 0,0 13 0,-8-13 0,-9 1 0,5 11 0,-4-27 0,0 12 0,13-16 0,-13 0 0,16 0 0,-16 15 0,-3-11 0,-17 28 0,1-28 0,15 19 0,5-21 0,-1 6 0,12 8 0,-19-7 0,-1 1 0,16 10 0,-39-5 0,43-15 0,-11 0 0,15 0 0,0 0 0</inkml:trace>
+  <inkml:trace contextRef="#ctx0" brushRef="#br0" timeOffset="211553">15787 2840 24575,'28'0'0,"-1"0"0,16 0 0,4 0 0,-12 0 0,1 0 0,1 0-709,7 0 0,2 0 0,1 0 709,3 0 0,0 0 0,-1 0 0,-2 0 0,-1 0 0,0 0 0,-1 0 0,-1 0 0,1 0 0,-2 0 0,1 0 0,2 0 0,-2 0 0,4 1 0,-1-1 0,0-1 0,-4-2 0,-2-2 0,1 1 0,1 0 0,1 3 0,2 0 0,-2 1 0,0-2 0,6-2 0,-2-2 0,-1 1 0,-8-1 0,-2 0 0,1 2 0,-2 2 0,0 2 0,-1-2 0,15-6 0,-2 0 340,-4 7 1,-1 2-341,-4-1 0,0 0 0,-3 0 0,1 0 0,9 0 0,2 0 0,0 1 0,2-2 0,-15-3 0,2-2 0,-2 1 0,15 3 0,-2 0 117,-13-3 0,0-2 1,-3 3-118,-1 3 0,-3 2 0,-1-1 0,-3 0 0,7 0 1092,-27-16-1092,28 12 2,-5-11-2,10 15 0,8-8 0,1 0 0,1 4 0,2-4 0,0 0 0,-2 8 0,-14 0 0,2 0 0,-3 1 0,-1-2 0,3-6 0,2-1 0,2 6 0,3 2 0,-2-2 0,5-6 0,2 0 0,-10 7 0,5 1 0,-2 1 0,-4-1 0,2 0 0,-3 0 0,2 0 0,-6 0 0,-14 0 0,-16 0 0</inkml:trace>
+  <inkml:trace contextRef="#ctx0" brushRef="#br0" timeOffset="215300">17040 3140 24575,'0'35'0,"0"-10"0,0 1 0,0 1 0,0 1 0,0 3 0,0 1 0,0 2 0,0 0 0,0-1 0,0-3 0,0 9 0,-16 8 0,12-27 0,-12 15 0,16 0 0,-15 1 0,11-17 0,-12-3 0,16-48 0,0-7 0,0 12 0,0-1 0,0 2 0,0 1 0,0-10 0,0 0 0,0 15 0,0-11 0,0 27 0,0-27 0,0 27 0,0-20 0,0 7 0,16-11 0,3-7 0,16 17 0,5 1 0,-17-2 0,-1 2 0,8 6 0,-1 3 0,2-8 0,-11 16 0,-1 16 0,-3 3 0,-16 1 0,0-4 0,0-1 0,0-11 0,0 28 0,0-13 0,0 1 0,0 3 0,0-5 0,0-6 0,0 19 0,0-11 0,0 4 0,0 3 0,0 12 0,0-14 0,0 1 0,0 9 0,0-15 0,0 11 0,0-27 0,0 12 0,0-16 0,15 0 0,21 0 0,-2 0 0,2 0 0,-6 0 0,-1 0 0,2-8 0,-3 0 0,5 4 0,-21-12 0,19 16 0,-27 0-820,12-15 1,-16 11 0,0-12 0</inkml:trace>
+  <inkml:trace contextRef="#ctx0" brushRef="#br0" timeOffset="216486">17886 3369 24575,'31'0'0,"-1"0"0,1 0 0,1 0 0,-5 0 0,1 0 0,-2 0 0,-2 0 0,12 0 0,-1 0 0,0 0 0,-15 0 0,-4 0 0,-16 0 0,0 0 0,0 0 0</inkml:trace>
+  <inkml:trace contextRef="#ctx0" brushRef="#br0" timeOffset="218175">18627 3246 24575,'0'-36'0,"6"11"0,4-1 0,3-1 0,1-1 0,-3 0 0,0 2 0,12-10 0,-23 21 0,0 15 0,0 15 0,0-11 0,0 28 0,0-13 0,0 16 0,0-9 0,0-1 0,0 15 0,-7-7 0,-1 0 0,4 6 0,-12 5 0,14-4 0,4 0 0,-2-1 0,0 9 0,0 2 0,0-22 0,0-1 0,0 9 0,0-1 0,0 12 0,8-22 0,0-1 0,-4 3 0,11-7 0,-15-5 0,0-15 0</inkml:trace>
+  <inkml:trace contextRef="#ctx0" brushRef="#br0" timeOffset="221841">16087 2593 24575,'0'35'0,"0"0"0,0 1 0,0-17 0,0 13 0,0-13 0,0 17 0,0-1 0,0-16 0,0 13 0,0-13 0,0 1 0,0-4 0,0-16 0,16 0 0,-12 0 0,27-16 0,-11 12 0,15-27 0,-16 27 0,-3-12 0,0 16 0,-12 0 0,11 0 0</inkml:trace>
+  <inkml:trace contextRef="#ctx0" brushRef="#br0" timeOffset="223053">15964 2469 24575,'0'20'0,"0"-4"0,0-16 0,0 0 0</inkml:trace>
+  <inkml:trace contextRef="#ctx0" brushRef="#br0" timeOffset="238292">10795 15328 24575,'0'35'0,"0"1"0,-4-3 0,-2 2 0,1-1 0,3 8 0,0 2-1002,-3 0 0,-2 3 0,3-3 1002,3-1 0,2 0-7,-1 3 1,0 3 0,0-3 6,0 3 0,0-1 0,0-6 0,0 2 0,0-1 237,0-7 0,0-1 0,0 0-237,0 11 0,0-2 0,-1-11 0,2-3 0,15 3 1501,-12-25-1501,27-8 813,-11 0-813,4-3 0,3-2 0,12-13 0,-4 6 0,-11-3 0,-22 15 0,5 0 0</inkml:trace>
+  <inkml:trace contextRef="#ctx0" brushRef="#br0" timeOffset="239532">10584 16175 24575,'35'0'0,"0"0"0,-2 0 0,1 0 0,9 0 0,-8 0 0,-3 0 0,-13 0 0,13 0 0,-29 0 0,13 0 0,0-16 0,11 12 0,11-27 0,-11 27 0,-11-12 0,-16 16 0</inkml:trace>
+  <inkml:trace contextRef="#ctx0" brushRef="#br0" timeOffset="240434">11201 15910 24575,'35'0'0,"1"0"0,-1 0 0,-1 0 0,0 0 0,13 0 0,5 0 0,-9 0 0,0 0 0,-8 0 0,-8 0 0,-23 0 0,12 0 0</inkml:trace>
+  <inkml:trace contextRef="#ctx0" brushRef="#br0" timeOffset="241289">11466 16210 24575,'38'0'0,"-1"0"0,1 0 0,9 0 0,0 0 0,9 0 0,-16 0 0,-20 0 0,27 0 0,-47 0 0</inkml:trace>
+  <inkml:trace contextRef="#ctx0" brushRef="#br0" timeOffset="242594">12206 15540 24575,'8'-26'0,"0"1"0,0-18 0,4 0 0,13 15 0,1 1 0,-15-9 0,1 7 0,20 21 0,-32 8 0,0 8 0,-16 25 0,12 14 0,0-15 0,-2 3 0,0 0 0,1-1 0,-1-1 0,2 2 0,2 11 0,2 3 0,-2-5 0,-6 1 0,0-3 0,7 1 0,2-4 0,-1-4 0,0-15 0,0-4 0</inkml:trace>
+  <inkml:trace contextRef="#ctx0" brushRef="#br0" timeOffset="243802">12753 15399 24575,'18'-32'0,"0"1"0,-1-3 0,1-1 0,0 3 0,-1 2 0,3-9 0,-5 7 0,-15 48 0,-15 3 0,6 6 0,-2 1 0,-7-3 0,1 1 0,7 10 0,0 1 0,-13 4 0,-1 0 0,12-2 0,1 1 0,-7 5 0,0 0 0,1-3 0,3-1 0,11-11 0,2 0 0,-7 10 0,0-1 0,8-10 0,0 1 0,0 7 0,0 0 0,0-6 0,0-3 0,0 9 0,0-19 0,0-16 0</inkml:trace>
+  <inkml:trace contextRef="#ctx0" brushRef="#br0" timeOffset="244960">12983 15946 24575,'0'0'0</inkml:trace>
+  <inkml:trace contextRef="#ctx0" brushRef="#br0" timeOffset="247422">13424 15434 24575,'0'-20'0,"0"5"0,0 15 0,0-16 0,15 12 0,-11-27 0,18 20 0,3 2 0,-1-10 0,0 9 0,3 4 0,8 6 0,-15 0 0,-5 0 0,-15 0 0,0 16 0,0-12 0,0 27 0,0-12 0,-13 13 0,-5 3 0,7-6 0,-2 1 0,-1 3 0,-4 4 0,-1-5 0,-6-6 0,-1-1 0,7 16 0,-1-2 0,-5-23 0,-1-1 0,0 18 0,1 1 0,2-14 0,-1-1 0,-2 7 0,-1-1 0,4-6 0,3-2 0,1 2 0,3-3 0,0-16 0,-19 0 0,-4 0 0,12 0 0,3 0 0,4 0 0,5-16 0,15-3 0,0-1 0,0-11 0,0 27 0,0-12 0,0 0 0,15-3 0,-11-1 0,12 4 0,0 1 0,3 11 0,1-12 0,11 0 0,-11 13 0,4-13 0,3 0 0,12 12 0,4-11 0,-25 15 0,-11 0 0,9 0 0,4 0 0,-1 15 0,13-11 0,-28 12 0,43 0 0,-40-13 0,25 13 0,-17-16 0,5 0 0,15 0 0,1 0 0,-7 0 0,0 0 0,13 0 0,1 0 0,-28 0 0,-15 0 0</inkml:trace>
+  <inkml:trace contextRef="#ctx0" brushRef="#br0" timeOffset="248394">14164 15399 24575,'26'0'0,"-1"0"0,2 0 0,1 0 0,7 0 0,1 0 0,3 0 0,0 0 0,-9 0 0,-3 0 0,16 0 0,-27 0 0</inkml:trace>
+  <inkml:trace contextRef="#ctx0" brushRef="#br0" timeOffset="250439">14976 15328 24575,'8'-29'0,"-1"-1"0,10-6 0,2 0 0,0 2 0,1 1 0,-2-3 0,-1 6 0,-1 10 0,-16-11 0,16-5 0,-13 13 0,13-8 0,-16 31 0,0 15 0,0-11 0,0 27 0,0-11 0,0 15 0,-16 1 0,14-12 0,1 3 0,-7 10 0,0 4 0,6-7 0,3 3 0,0 0 0,-1 1 0,0 1 0,0 1 0,0 0 0,0 2 0,0 0 0,0-5 0,-1 6 0,2-2 0,3-3 0,2 1 0,0-10 0,-3-9 0,13-5 0,-16-15 0</inkml:trace>
+  <inkml:trace contextRef="#ctx0" brushRef="#br0" timeOffset="252047">15381 15134 24575,'0'35'0,"0"1"0,0 2 0,0 2 0,0 4 0,0 0 0,0-2 0,0-1 0,0 3 0,0-2 0,0-14 0,0-1 0,0 0 0,0-3 0,0-5 0,0-19 0,16-19 0,-12-17 0,27 1 0,-27 16 0,12-13 0,-16 28 0,0-11 0,0 15 0,0 0 0,0 0 0</inkml:trace>
+  <inkml:trace contextRef="#ctx0" brushRef="#br0" timeOffset="253243">15558 15169 24575,'0'26'0,"0"-1"0,0 22 0,0-5 0,0 1 0,-1-10 0,2 0 0,6 4 0,2-3 0,-6 1 0,13-19 0,-16 15 0,0 8 0,4-8 0,0 1 0,-3-5 0,0-1 0,7 17 0,-8-8 0,0-15 0,0-20 0,0-20 0</inkml:trace>
+  <inkml:trace contextRef="#ctx0" brushRef="#br0" timeOffset="254403">15928 15804 24575,'0'20'0,"0"-4"0</inkml:trace>
+  <inkml:trace contextRef="#ctx0" brushRef="#br0" timeOffset="256048">16122 15363 24575,'0'-43'0,"8"18"0,0-3 0,-6-11 0,0 0 0,14-4 0,-15 8 0,-2 7 0,1 24 0,0 4 0,0 20 0,0 15 0,0 1 0,0 3 0,0-2 0,0 2-322,0 2 0,0 3 0,0 0 322,-1-2 0,0 0 0,3 0-20,2 3 0,2 0 0,-1-2 20,-3-5 0,-2-1 0,2-4 0,6 1 0,0-5 0,-8 2 0,0-15 0,0-12 963,0 27-963,16-27 63,-13 27-63,13-27 0,-16 12 0,0-16 0</inkml:trace>
+  <inkml:trace contextRef="#ctx0" brushRef="#br0" timeOffset="258610">16599 15169 24575,'-8'26'0,"0"-1"0,4 22 0,-3-21 0,-2 1 0,0 10 0,3 1 0,4-9 0,0 1 0,-7 13 0,2 0 0,6-15 0,2-1 0,-1 11 0,0-2 0,0 5 0,0-11 0,0-1 0,0 6 0,0-15 0,0-4 0,16-16 0,-12 0 0,27 0 0,-11 0 0,4-8 0,2 0 0,14 4 0,-17-10 0,-3-3 0,-3-3 0,7 1 0,-20 3 0,12 16 0,-16-16 0,0 12 0,0-19 0,0 5 0,0 6 0,0-3 0,0-1 0,0 12 0,0-12 0,-16 16 0,12 0 0,-20 0 0,7 0 0,-11 0 0,3 0 0,-1 0 0,-13 0 0,4 0 0,4 0 0,27 0 0,-12 0 0,16 16 0,0 4 0,0-1 0,0 5 0,0-22 0,0 37 0,0-31 0,0 23 0,0-31 0,0 0 0</inkml:trace>
+  <inkml:trace contextRef="#ctx0" brushRef="#br0" timeOffset="262091">12383 16651 24575,'19'0'0,"13"0"0,11 0 0,-9 0 0,4 0 0,-1 0 0,2 0 0,-1 0 0,10 1 0,-2-2 0,-1-7 0,-4 0 0,-9 7 0,-5-1 0,-5-14 0,1 16 0,24 0 0,-19 0 0,4 0 0,2 0 0,-6 0 0,-5 0 0,1 0 0,23 0 0,-27 0 0,13-7 0,8-2 0,3 7 0,4 0 0,-4-3 0,3-1 0,3 2 0,-8 2 0,3 2 0,2 1 0,-1-1 0,-4 1-429,7-1 0,-2 0 0,2 0 429,-1 0 0,3 1 0,0-1 0,-3-1 0,2-4 0,-3-1 0,1 1 0,-1 3 0,0 2 0,0-2 0,-4-3 0,-1-1 0,0 1 0,5 4 0,1 2 0,-6-1 0,-10 0 0,-1 0 0,16 0 0,0 0 0,-13 1 0,1-2 0,11-6 0,2-1 0,-9 6 0,0 0 0,-3-3 0,1 0 0,0-1 0,-2 0 0,-1 1 0,1 0 0,-1 4 0,0 0 0,0-1 643,11-6 1,0 1-644,2 7 0,-4 0 0,-2-8 0,-5 7 0,3 0 0,4-10 0,0-2 0,-4 3 0,0 1 0,8 0 0,0-2 0,-4-4 0,-1-1 0,-1 6 0,0 0 0,4-7 0,0-1 0,-14 6 0,0 0 0,1 1 0,6-2 0,2 2 0,2-1 0,-4 3 0,3-1 0,0 2 0,-1 0 0,-2 2 0,0 2 0,-1 0 0,1-1 0,2-3 0,1 0 0,-1 0 0,0 0 0,10 1 0,-1 1 0,-3 0 0,-11-1 0,-3 0 0,1 1 0,6 0 0,0 0 0,-7 2 0,3 4 0,-19-15 0,-16 11 0,0-12 0,0 16 0</inkml:trace>
+  <inkml:trace contextRef="#ctx0" brushRef="#br0" timeOffset="285310">12418 17127 24575,'16'36'0,"4"-1"0,3 4 0,-4-2 0,3 3 0,-1-7 0,3 5 0,0 0 0,-3-2 0,1 10 0,-1-2 0,1-9 0,1 0 0,-1-5 0,-4-7 0,-1-3 0,19 15 0,-1 0 0,-16 1 0,13-1 0,-28-15 0,11-5 0,-15-30 0,0-5 0,0-4 0,0-3 0,0-4 0,0-1 0,1 4 0,-2-1 0,-6-7 0,-1-2 0,6 3 0,0-1 0,-14-8 0,0-2 0,14 4 0,0 2 0,-5 5 0,-1 1 0,-1 3 0,2 4 0,3 3 0,-11-23 0,15 43 0,0-12 0,0 16 0,0-15 0,15 11 0,1-18 0,3-3 0,9 12 0,7 2 0,-3 0 0,6-3 0,3-1 0,0 1 0,-3 2 0,9-3 0,-2 3 0,2-1 0,-9 5 0,3-1 0,0 0 0,-1 1 0,-4-1 0,7-3 0,-4 1 0,-3 1 0,-2 4 0,-1 0 0,-1-3 0,3-3 0,-2 2 0,0-1 0,0 2 0,1 3 0,2 1 0,-4-3 0,-2-9 0,-1 2 0,8 13 0,0 0 0,-2-12 0,-1-3 0,-1 7 0,1 0 0,9-7 0,0-1 0,-8 8 0,0 1 0,5-8 0,-1 2 0,-12 13 0,3 0 0,12-6 0,7-4 0,-3 1 0,-3 1 0,0 0 0,4 4 0,3 0 0,-2-1 0,-12-4 0,-2-1 0,0 3 0,15 7 0,0 0 0,-4-5 0,0-1 0,3 3 0,-2 2 0,-9 2 0,-1 0 0,-4-3 0,-2 0 0,-4 4 0,-1 0 0,8-7 0,1-2 0,-5 8 0,1-2 0,4-5 0,4-4 0,0 1 0,8 1 0,0 1 0,3 0 0,0-2 0,-6-6 0,0 3 0,-3 12 0,-2 0 0,-9-13 0,-1-2 0,9 7 0,1 1 0,-10-1 0,-1 0 0,12-6 0,8 1 0,-43 11 0,11 4 0,-15 19 0,1 5 0,-2 3 0,-6 1 0,-1-1 0,6 1 0,0-1 0,-7 4 0,2-3 0,7-7 0,0 19 0,0-52 0,0 8 0,0-16 0,0 5 0</inkml:trace>
+  <inkml:trace contextRef="#ctx0" brushRef="#br0" timeOffset="295443">14376 18098 24575,'-35'-14'0,"-1"0"0,10-3 0,-2 1 0,-4 7 0,-3 1 0,4-3 0,3-14 0,1-1 0,-5 17 0,-4 4 0,4-4 0,0-16 0,1 3 0,-4 18 0,0 4 0,7-8 0,1 0 0,-12 7 0,3 2 0,11-1 0,-5 5 0,5 6 0,21 8 0,-4 5 0,0 3 0,7 3 0,2 3 0,-2 1 0,0 3 0,3-4 0,5-5 0,2-1 0,2 23 0,5-6 0,22-21 0,-17-5 0,1 0 0,13 13 0,-10-29 0,1 0 0,1 14 0,1-1 0,7-12 0,0-2 0,-2 14 0,-3 2 0,7-6 0,2 7 0,-35-10 0,12 8 0,-16-12 0,0 11 0,0 1 0,0-12 0,0 27 0,-16-11 0,-3 15 0,-9 0 0,-5 1 0,4-19 0,-1 1 0,9 0 0,-1-1 0,-10 1 0,-2-1 0,-1 2 0,3-2 0,-11 2 0,6-9 0,-1-4 0,11-5 0,1-2 0,-21 1 0,20 2 0,3-4 0,5-14 0,3-3 0,16-1 0,0 4 0,0 16 0</inkml:trace>
+  <inkml:trace contextRef="#ctx0" brushRef="#br0" timeOffset="297239">14270 18821 24575,'35'-20'0,"-15"-11"0,-4 27 0,-16-12 0,15 16 0,-11 0 0,12 16 0,-16 3 0,-16 25 0,14-18 0,0 0 0,-13 21 0,14-21 0,2-1 0,-1 11 0,0-17 0,0-4 0</inkml:trace>
+  <inkml:trace contextRef="#ctx0" brushRef="#br0" timeOffset="299653">14429 17868 24575,'35'-15'0,"1"11"0,-17-12 0,12 16 0,-11 16 0,0-12 0,-5 27 0,-15-27 0,0 27 0,0-11 0,0 15 0,-15 0 0,-5-7 0,-5-4 0,-1 1 0,3 6 0,-3-14 0,5 1 0,17 14 0,-20-28 0,22 11 0,-6-15 0,8-15 0,0 11 0,0-28 0,0 13 0,0-1 0,0-11 0,0 27 0,0-20 0,0 22 0,8-5 0,-6 7 0,6 0 0,8 7 0,-12-5 0,27 6 0,-27-8 0,12 16 0,-1-12 0,-11 12 0,27-1 0,-27-11 0,28 27 0,-28-27 0,27 12 0,-27-16 0,12 0 0,-16 0 0</inkml:trace>
+  <inkml:trace contextRef="#ctx0" brushRef="#br0" timeOffset="301793">13159 17233 24575,'10'41'0,"1"1"0,-1-1 0,-7 6 0,-2 1 0,3-26 0,13-49 0,-2-12 0,-15 23 0,0 0 0,15 12 0,-3-11 0,6-1 0,-11 12 0,-7-12 0,0 16 0</inkml:trace>
+  <inkml:trace contextRef="#ctx0" brushRef="#br0" timeOffset="303623">13388 17233 24575,'0'45'0,"0"-15"0,0-1 0,0 10 0,0 3 0,0-1 0,0-14 0,8 5 0,0-1 0,-4-12 0,12 24 0,-9-9 0,1 1 0,2-2 0,0 1 0,-2 11 0,3-4 0,6-20 0,-2-3 0,-11 13 0,11-78 0,-15 36 0,0-20 0,0-1 0,0 12 0,0 1 0,0-13 0,0 28 0,0-27 0,0 27 0,0-11 0</inkml:trace>
+  <inkml:trace contextRef="#ctx0" brushRef="#br0" timeOffset="304489">13723 17727 24575,'0'0'0</inkml:trace>
+  <inkml:trace contextRef="#ctx0" brushRef="#br0" timeOffset="306881">13794 17198 24575,'0'-20'0,"16"5"0,3 15 0,6 0 0,1 0 0,13 0 0,-13 0 0,-1 0 0,11 0 0,-17 15 0,-3-11 0,-16 12 0,0 0 0,-16 11 0,8 7 0,-3 1 0,-25 0 0,26-1 0,1-5 0,-7-25 0,16 11 0,-16-15 0,12-15 0,4 11 0,8-18 0,4-3 0,8 1 0,-5-11 0,1 19 0,4 32 0,7 3 0,6 1 0,-11 5 0,-1-3 0,3-14 0,-5 16 0,-7-1 0,-12-19 0,0 27 0,0-27 0,0 27 0,-15-11 0,11 0 0,-28 11 0,13-27 0,-9 27 0,-5-19 0,21 6 0,-19-10 0,27-8 0,-12 0 0,16 0 0,0 15 0,0-11 0,0 12 0</inkml:trace>
+  <inkml:trace contextRef="#ctx0" brushRef="#br0" timeOffset="308185">14341 17321 24575,'37'-29'0,"0"0"0,-7 3 0,-2 7 0,6-3 0,-10 8 0,-16 10 0,23-11 0,-15 15 0,-12 0 0,11 0 0,-15 0 0,0 0 0,0 0 0</inkml:trace>
+  <inkml:trace contextRef="#ctx0" brushRef="#br0" timeOffset="309560">14411 17163 24575,'5'25'0,"0"1"0,19-3 0,-20 16 0,11-37 0,-15 22 0,16-5 0,-12 17 0,27-1 0,-27 0 0,12-15 0,-16-4 0,0-16 0,0 0 0,0 0 0</inkml:trace>
+  <inkml:trace contextRef="#ctx0" brushRef="#br0" timeOffset="311894">14835 16916 24575,'19'-16'0,"13"12"0,-28-19 0,27 21 0,-12-22 0,1 20 0,-4 4 0,-16 4 0,0 20 0,0-22 0,0 37 0,0 0 0,4-4 0,2 8 0,-1-3 0,-3 1 0,0 0 0,8 1 0,2 2 0,-2-5 0,-8-9 0,0-3 0,6 4 0,-1-3 0,-7-8 0,0 11 0,-15-27 0,-5 27 0,0-27 0,-11 12 0,27-16 0,-12 0 0,16 0 0,0-32 0,0 25 0,0-25 0,0 1 0,0 23 0,0-39 0,0 43 0,0-12 0,0 16 0,0-15 0,16 11 0,-12-12 0,12 16 0,-16 0 0,15 0 0,-11 0 0,12 0 0,-16 0 0,16 0 0,-12 0 0,11 0 0,-15 0 0,0 0 0</inkml:trace>
+  <inkml:trace contextRef="#ctx0" brushRef="#br0" timeOffset="314394">15452 17022 24575,'-8'-28'0,"0"1"0,-1-1 0,-1 5 0,-10 3 0,-11 4 0,11 16 0,-15 0 0,15 16 0,5 4 0,-1-1 0,12 13 0,-12-13 0,16 1 0,0 11 0,0-27 0,0 12 0,0-16 0,16 0 0,-12 0 0,12 0 0,-1 0 0,-11 0 0,12 0 0,0 0 0,-13-16 0,13-3 0,0-17 0,-12 17 0,11-13 0,-15 28 0,0-35 0,0 33 0,0-17 0,0 31 0,0-6 0,0 37 0,0-31 0,-1 20 0,2 6 0,15 6 0,-14-14 0,0 2 0,14 8 0,-1-5 0,-11-7 0,12 23 0,-16-28 0,0 1 0,0 3 0,0-21 0,-16 22 0,-3-5 0,-1 1 0,-11 11 0,27-27 0,-12 12 0</inkml:trace>
+  <inkml:trace contextRef="#ctx0" brushRef="#br0" timeOffset="315491">15752 17321 24575,'0'0'0</inkml:trace>
+  <inkml:trace contextRef="#ctx0" brushRef="#br0" timeOffset="316993">15858 17057 24575,'9'-35'0,"1"-1"0,15 4 0,-3 2 0,-18 2 0,0 3 0,28-3 0,-32 28 0,0 12 0,0 37 0,0-2 0,0-20 0,0 1 0,0-2 0,0-1 0,0 10 0,0-15 0,0 10 0,0 2 0,0-4 0,0 1 0,0 1 0,0 3 0,0-21 0,0 3-820,0-15 1,0 0 0,0 0 0</inkml:trace>
+  <inkml:trace contextRef="#ctx0" brushRef="#br0" timeOffset="319654">16052 16863 24575,'0'-26'0,"0"1"0,0-2 0,0-1 0,0 0 0,0 1 0,-2 0 0,4 3 0,13 5 0,-11 3 0,12 16 0,-16 0 0,31 16 0,9-13 0,-6 7 0,2-4 0,-8-13 0,-1-2 0,16 6 0,-25-13 0,-10 16 0,-8-16 0,0 12 0,0 28 0,0 15 0,0-8 0,0 5 0,0 3 0,0 7 0,0 2 0,0-5 0,0-3 0,0-2 0,0 0 0,0 1 0,0 1 0,0-6 0,0-5 0,0-7 0,0-6 0,0 0 0,0-12 0,0 27 0,0-27 0,0 11 0,0-15 0</inkml:trace>
+  <inkml:trace contextRef="#ctx0" brushRef="#br0" timeOffset="320937">16299 17163 24575,'27'0'0,"-2"-8"0,-1 0 0,-8 4 0,15-12 0,-15 16 0,-12 0 0,11 0 0</inkml:trace>
+  <inkml:trace contextRef="#ctx0" brushRef="#br0" timeOffset="322831">16599 16686 24575,'19'0'0,"-3"0"0,-1 0 0,-11 16 0,12-12 0,-16 27 0,0-11 0,0 15 0,-16 1 0,-3 7 0,-1-6 0,-3-9 0,-1 3 0,12-4 0,1 1 0,-6-1 0,-2 0 0,2-1 0,3-1 0,10 11 0,-12-17 0,16-3 0,-15-32 0,-5-3 0,-1-6 0,-1-1 0,2 6 0,3 0 0,5-15 0,0 20 0,28 15 0,-8 0 0,-6 0 0,21 0 0,-3 0 0,4 0 0,3 0 0,0-1 0,1 2 0,-1 6 0,1 1 0,-1-7 0,-3 2 0,-5 13 0,-3-16 0,-16 0 0,0 0 0</inkml:trace>
+  <inkml:trace contextRef="#ctx0" brushRef="#br0" timeOffset="324480">13230 17321 24575,'0'0'0</inkml:trace>
+  <inkml:trace contextRef="#ctx0" brushRef="#br0" timeOffset="326218">13053 17198 24575,'0'47'0,"0"-14"0,0-1 0,0-1 0,0 1 0,0 3 0,0-8 0,0 1 0,0 7 0,0 0 0,0-7 0,0-1 0,0 16 0,0 6 0,16-2 0,-7-12 0,1 1 0,0-9 0,0 1 0,5 6 0,1-2 0,4 7 0,-4-12 0,3-3 0,17 4 0,-15-10 0,1-3 0,15-3 0,-7 4 0,-1-1 0,-6-11 0,24 12 0,-43-16 0,12 0 0</inkml:trace>
+  <inkml:trace contextRef="#ctx0" brushRef="#br0" timeOffset="328592">16757 16422 24575,'0'19'0,"0"-3"0,0-8 0,0-6 0,13 15 0,6 5 0,4 2 0,3 0 0,-1 3 0,-5 8 0,-5-16 0,-15 13 0,0-28 0,0 11 0,0-15 0,0 63 0,16-24 0,-14 2 0,-2 9 0,2-9 0,14-2 0,-15 1 0,-2-2 0,1-18 0,0-1 0,1 12 0,-2 1 0,-15-4 0,14 5 0,0 0 0,-14-5 0,16-11 0,-15-9 0,11-8 0,-12 0 0,0 16 0,-3 19 0,1-15 0,1-1 0,-3 17 0,4-21 0,16-15 0</inkml:trace>
+  <inkml:trace contextRef="#ctx0" brushRef="#br0" timeOffset="330578">17445 16351 24575,'-25'37'0,"-1"1"0,14-8 0,1 0 0,-4 1 0,-3 1 0,4 0 0,3 3 0,2 0 0,-9 8 0,1 0 0,7-10 0,0 1 0,-1-3 0,0 3 0,2 1 0,6 3 0,3 1 0,-1-2 0,-7 5 0,0-2 0,7 5 0,2-8 0,-1-21 0</inkml:trace>
+  <inkml:trace contextRef="#ctx0" brushRef="#br0" timeOffset="337530">17604 16792 24575,'25'-25'0,"1"-1"0,10-8 0,-2-2 0,-12 7 0,0-1 0,4 3 0,4-2 0,-8 3 0,-6-21 0,7 20 0,3 1 0,-12 3 0,-1 3 0,7 0 0,-5-11 0,-15 27 0,-15-12 0,11 16 0,-28-16 0,-11-3 0,2-1 0,10 9 0,3 6 0,9 21 0,-13 4 0,28-1 0,-11 28 0,15-39 0,0 39 0,0-43 0,0 27 0,0-27 0,0 20 0,0-22 0,0 21 0,0-19 0,15 28 0,21-13 0,-17-1 0,1 0 0,6-8 0,-1-1 0,-6 7 0,-3 0 0,-16 19 0,0-9 0,0 3 0,0 10 0,0 0 0,0-10 0,0-1 0,0 3 0,0-3 0,0-9 0,0-3 0,0 0 0,-16-12 0,-7 10 0,-4 3 0,-17 3 0,17-11 0,3 1 0,9 6 0,15-16 0,-16 0 0,12-16 0,-11 12 0,-1-27 0,12 27 0,-12-27 0,16 27 0,0-12 0,0 0 0,0 12 0,0-11 0,0-1 0,0 12 0,0-12 0,0 9 0,0 5 0,0-22 0,0 20 0,0-27 0,0 27 0,0-12 0,0 1 0,0 11 0,16-28 0,19-3 0,-11-4 0,7 4 0,-31 19 0,0 16 0</inkml:trace>
+  <inkml:trace contextRef="#ctx0" brushRef="#br0" timeOffset="339397">16898 16175 24575,'42'0'0,"-1"0"0,-8-4 0,1-2 0,1 0 0,1 0 0,2 0 0,-1-1 0,6-4 0,0-1 0,-3-1 0,-3 0 0,0-1 0,-2 3 0,1 1 0,3-2 0,-2-1 0,1-1 0,2-2 0,0 0 0,-5 0 0,1-2 0,1 0 0,0-1 0,2 0 0,1 0 0,3 0 0,1-1 0,0 0 0,-2 0 0,-2 0 0,-2-1 0,-3-1 0,0 0 0,-1 0 0,2 1 0,3 1 0,2 1 0,-1 0 0,-2 0 0,-4 2 0,-1-2 0,-3 1 0,1 0 0,3 2 0,3-1 0,0 0 0,-4 1 0,0-3 0,-2 1 0,2 0 0,-1 2 0,3 0 0,0 0 0,0 1 0,7-3 0,0 0 0,-3 1 0,4-5 0,0 1 0,-4 9 0,2 1 0,-7-1 0,-12-6 0,-1 0 0,21 9 0,-1-1 0,-10-22 0,2 30 0,-1 1 0,-17-15 0,17 16 0,-32 0 0</inkml:trace>
+  <inkml:trace contextRef="#ctx0" brushRef="#br0" timeOffset="341334">18415 16351 24575,'0'20'0,"0"11"0,0-11 0,0-1 0,0-19 0,0-19 0,0-1 0,0 5 0,0 15 0</inkml:trace>
+  <inkml:trace contextRef="#ctx0" brushRef="#br0" timeOffset="342669">19156 16351 24575,'0'-19'0,"0"3"0</inkml:trace>
+  <inkml:trace contextRef="#ctx0" brushRef="#br0" timeOffset="343561">19668 16210 24575,'19'0'0,"-3"0"0,-16 0 0</inkml:trace>
+  <inkml:trace contextRef="#ctx0" brushRef="#br0" timeOffset="344585">19774 16051 24575,'0'30'0,"0"-7"0,15-23 0,-11 0 0,12 0 0</inkml:trace>
+  <inkml:trace contextRef="#ctx0" brushRef="#br0" timeOffset="346205">19562 15099 24575,'16'35'0,"-8"-1"0,3-1 0,24 2 0,-24-1 0,-2-3 0,7-19 0,-1 3 0,-11 1 0,12-12 0,0 16 0,-1 7 0,9 12 0,5-4 0,1 1 0,-9 3 0,3-8 0,-24-31 0</inkml:trace>
+  <inkml:trace contextRef="#ctx0" brushRef="#br0" timeOffset="361381">19862 14834 24575,'45'-18'0,"0"-1"0,0 0 0,0 1 0,-5 0 0,4-3 0,0 0 0,-1 1 0,-5 1 0,-6 4 0,3-1 0,-3 1 0,7-8 0,4-2 0,-12 10 0,-15 15 0</inkml:trace>
+  <inkml:trace contextRef="#ctx0" brushRef="#br0" timeOffset="362687">20179 15169 24575,'8'20'0,"20"-15"0,14-6 0,0-3 0,5-4 0,4-4 0,-13 4 0,5-2 0,3-1 0,-2 0 0,-4 0 0,7-1 0,-5 0 0,1-3 0,-8 0 0,1-4 0,-1 1 0,-4 4 0,8 2 0,-6 0 0,-9-5 0,-4 3 0,-5 14 0</inkml:trace>
+  <inkml:trace contextRef="#ctx0" brushRef="#br0" timeOffset="367837">21626 14693 24575,'15'-35'0,"-6"2"0,2-1 0,5 9 0,3-1 0,0-6 0,1-4 0,0 4 0,1 6 0,-1 1 0,3-2 0,-3 3 0,-4 9 0,0 15 0,-12 0 0,43 0 0,-20 14 0,0 3 0,3-6 0,-1 2 0,7 11 0,-5 3 0,-12 0 0,-8-4 0,-6 3 0,-9 4 0,-8 3 0,-6 5 0,-6 4 0,0-1 0,4-5 0,0-1 0,-3 0 0,-4-1 0,-4 2 0,-1-1 0,5-5 0,-5 4 0,5-1 0,6-1 0,1 4 0,2-6 0,0-8 0,3-1 0,0 14 0,2-3 0,-6-13 0,-13-3 0,28-16 0,-11-16 0,15-3 0,0-1 0,0-11 0,0 27 0,15-28 0,-11 29 0,28-13 0,-29 0 0,29 12 0,-20-11 0,5 15 0,-9 0 0,8 0 0,-12 15 0,27-11 0,4 28 0,5-29 0,-14 6 0,-2-2 0,-4-7 0,-4 0 0</inkml:trace>
+  <inkml:trace contextRef="#ctx0" brushRef="#br0" timeOffset="368879">22560 15134 24575,'0'0'0</inkml:trace>
+  <inkml:trace contextRef="#ctx0" brushRef="#br0" timeOffset="371284">23037 14552 24575,'15'-43'0,"1"16"0,4 1 0,7 2 0,1 1 0,-9 4 0,1 3 0,27 0 0,-43 16 0,11 21 0,1 13 0,-9 9 0,-2 6 0,5-5 0,2 2 0,-1 1 0,-3-9 0,-2 1 0,1-2 0,0-2 0,4 13 0,-3-4 0,-3-4 0,-10-5 0,-13-16 0,-7-3 0,-9 2 0,-4-1 0,2 0 0,-3 1 0,0-2 0,-1-2 0,1-1 0,0-1 0,-9 7 0,4-2 0,11-10 0,7 1 0,11 8 0,15-12 0,0-4 0,-16-20 0,12 1 0,-12-13 0,16 29 0,0-13 0,0 0 0,0 12 0,0-43 0,16 24 0,12-13 0,-7 21 0,18 15 0,-19 0 0,-1 0 0,29 15 0,-25-11 0,23 3 0,6 2 0,-16-1 0,-1 0 0,1 1 0,0 1 0,-4-1 0,-9 2 0,-19 5 0,12-16 0,-16 0 0,0-16 0,0 12 0,0-12 0</inkml:trace>
+  <inkml:trace contextRef="#ctx0" brushRef="#br0" timeOffset="373670">23813 14693 24575,'27'-35'0,"1"0"0,-2-1 0,-1 1 0,-6 11 0,-3 1 0,-2-3 0,-8 3 0,-22 11 0,-8-3 0,-14 5 0,-6 4 0,14 4 0,1 0 0,-7-6 0,2 0 0,-2 8 0,21 16 0,7 11 0,7-2 0,0 3 0,-3 12 0,0-1 0,4 4 0,0-10 0,0-3 0,0-11 0,24 16 0,-3 1 0,0-18 0,1-1 0,14 18 0,-17-15 0,-3-4 0,-16-16 0,0 7 0,0 11 0,0-6 0,1 17 0,-2 5 0,-15 9 0,15-7 0,-2-2 0,-28 1 0,11-19 0,-15-16 0,8 0 0,-22 0 0,17 0 0,1 0 0,-12 0 0,7-7 0,9-2 0,23 6 0,-12-29 0,16 13 0,0-17 0,16 17 0,-12-13 0,27 28 0,-27-27 0,28 12 0,-28-1 0,27-4 0,-27 22 0,27-5 0,-11-9 0,23 12 0,-6-27 0,-8 20 0,1 2 0,9-11 0,-4 5 0,-19 15 0</inkml:trace>
+  <inkml:trace contextRef="#ctx0" brushRef="#br0" timeOffset="375479">24254 14517 24575,'0'-40'0,"0"-1"0,0 1 0,0 2 0,0 9 0,0 3 0,0-9 0,0 19 0,26 20 0,11 8 0,-12-3 0,4 2 0,8 0 0,8 1 0,1 2 0,-7-1 0,1 7 0,-2 0 0,2-8 0,2 0 0,-10-1 0,-12 5 0,-5-32 0,-15-4 0,0-15 0,-15 0 0,11 15 0,-28 5 0,28 15 0,-27 31 0,27-8 0,-3 12 0,-1 5 0,0-5 0,0 2 0,-1 10 0,-2 4 0,0-16 0,-2 3 0,-1-1 0,1-2 0,0-1 0,-1-2 0,2 2 0,-1 13 0,1 3 0,2-6 0,0-4 0,4-5 0,5-6 0,2-3 0,-1 5 0,0-31 0,0 0 0</inkml:trace>
+  <inkml:trace contextRef="#ctx0" brushRef="#br0" timeOffset="376751">24289 14870 24575,'49'0'0,"0"0"0,-3 0 0,-4 0 0,5 0 0,0 0 0,-27 0 0,15 0 0,-9 0 0,-1 0 0,-1 0 0,23 0 0,-43 0 0,11 0 0</inkml:trace>
+  <inkml:trace contextRef="#ctx0" brushRef="#br0" timeOffset="414473">3881 7126 24575,'-8'-41'0,"0"0"0,0 0 0,1-1 0,-1-2 0,2 2 0,-4-3 0,-4 0 0,-3-4 0,-1 2 0,0 4 0,3 8 0,0 3 0,-2-1 0,-2-11 0,-3-2 0,-5 11 0,-7 15 0,-4 9 0,0 2 0,-10-2 0,-2 7 0,6 10 0,-1 7 0,5 3 0,0 8 0,7 7 0,11-3 0,2 5 0,3 0 0,-3 12 0,5 2 0,7-5 0,2 2 0,0-1 0,1-8 0,-1-1 0,2-1 0,2 3 0,2-1 0,2-2 0,5 1 0,1-5 0,-4 6 0,23-24 0,9-6 0,-4-3 0,3-4 0,9-5 0,5-4 0,-3-3 0,-14 3 0,-2-3 0,-2-8 0,-3-5 0,1-9 0,-2-3 0,-2-2 0,-5 2 0,-5 0 0,-4 0 0,-3-1 0,1-3 0,1-2 0,1-5 0,-1 0 0,-1 0 0,-1 4 0,-2 3 0,-1 3 0,-1 1 0,1 1 0,3-5 0,1 3 0,-1-1 0,-4-2 0,0 0 0,1 4 0,6 0 0,0-1 0,-7 0 0,-2-4 0,1 3 0,0 2 0,0 2 0,0-5 0,0 5 0,0 2 0,0 51 0,0 11 0,0 12 0,0 4 0,0-3 0,0 3 0,0 3 0,0 1 0,0-1-112,-1-3 0,0 0 0,1 0 0,0 1 1,2 4 111,0-6 0,1 4 0,0 3 0,2 0 0,-1 0 0,1-2 0,-1-3 0,1-5 0,0 5 0,1-4 0,0-2 0,0 2 0,1 5 0,0 4 0,0 1 0,1-6 0,-1-10 0,8 13 0,-15-16 0,0-15 0,0-12 0,0 12 0</inkml:trace>
+  <inkml:trace contextRef="#ctx0" brushRef="#br0" timeOffset="416306">4798 5574 24575,'-25'0'0,"-1"0"0,-11 8 0,-5 3 0,4 1 0,2-2 0,1 4 0,1 3 0,-4 4 0,1 4 0,9 2 0,9 6 0,8 4 0,0 1 0,-5 1 0,1 0 0,3 4 0,4-1 0,2 3 0,3 1 0,4-2 0,3-7 0,4-1 0,1 0 0,1 2 0,1 2 0,1 3 0,1 0 0,0-1 0,1-3 0,5 9 0,1-4 0,2 0 0,-3-8 0,2 1 0,-2-2 0,-4-2 0,-2 3 0,-6-2 0,-4-2 0,-6-1 0,-11 4 0,-8-1 0,-1-13 0,-5-1 0,1 1 0,-3 16 0,-1-3 0,-16-14 0,4-1 0,30 7 0,3-5 0,-22-17 0,17 12 0,11-16 0,-28 0 0,28 0 0,-11 0 0</inkml:trace>
+  <inkml:trace contextRef="#ctx0" brushRef="#br0" timeOffset="417343">4251 6685 24575,'12'0'0,"-20"0"0,40 0 0,15 0 0,-12 0 0,-9 0 0,1 0 0,12 0 0,-35 0 0,27 0 0,-7 1 0,3-2 0,9-5 0,3-4 0,7 1 0,-2-1 0,-15 0 0,-3 0 0,5-5 0,-31 15 0</inkml:trace>
+  <inkml:trace contextRef="#ctx0" brushRef="#br0" timeOffset="418598">5133 6209 24575,'42'0'0,"1"0"0,-12 0 0,-4 0 0,5 0 0,3 0 0,-1-1 0,3 2 0,-7 7 0,-2 0 0,0-7 0,-5 1 0,-7 14 0,-16-16 0</inkml:trace>
+  <inkml:trace contextRef="#ctx0" brushRef="#br0" timeOffset="419707">5257 6950 24575,'40'0'0,"1"0"0,-1 0 0,-1 0 0,0 0 0,1 0 0,-2 0 0,2 0 0,0 0 0,-3 0 0,-1 0 0,-1 0 0,-1 0 0,7-3 0,1 0 0,-7 1 0,12 0 0,-22-10 0,-1 0 0,4 8-820,-9-11 1,-3 15 0,-16 0 0</inkml:trace>
+  <inkml:trace contextRef="#ctx0" brushRef="#br0" timeOffset="421336">6650 6174 24575,'-19'40'0,"1"1"0,-1 0 0,0 0 0,0-1 0,24 6 0,11-4 0,6-10 0,15-13 0,9-9 0,-5-2 0,8-3 0,-1 3 0,-12 11 0,-14 9 0,-6 8 0,-7 4 0,-5-1 0,-6-1 0,-7 1 0,-6-1 0,-6-4 0,-9-7 0,-8-4 0,-5-2 0,-1-2 0,5-2 0,-8 7 0,2-5 0,0-7 0,-8-12 0,-2-8 0,18 1 0,21 3 0,16-12 0</inkml:trace>
+  <inkml:trace contextRef="#ctx0" brushRef="#br0" timeOffset="422718">6721 6279 24575,'40'0'0,"0"0"0,1 1 0,3 0 0,-3-3 0,-1-4 0,2-3 0,-2 0 0,6 0 0,-1-3 0,-4-1 0,-5-5 0,-5-2 0,2 1 0,11-2 0,2 1 0,-6-2 0,-10-5 0,-5 3 0,6 5 0,-31 3 0</inkml:trace>
+  <inkml:trace contextRef="#ctx0" brushRef="#br0" timeOffset="423664">7656 6385 24575,'42'0'0,"1"0"0,0 0 0,0 0 0,0 0 0,-1 0 0,6 0 0,3 0 0,0 0 0,-2 0 0,-7 0 0,-8 0 0,-6 0 0,-3 0 0,18 0 0,0 0 0</inkml:trace>
+  <inkml:trace contextRef="#ctx0" brushRef="#br0" timeOffset="424903">8097 6244 24575,'0'39'0,"0"6"0,0 4 0,0-5 0,0-1 0,0 5 0,0 0 0,0 26 0,0-74 0,0-4 0,0-11 0</inkml:trace>
+  <inkml:trace contextRef="#ctx0" brushRef="#br0" timeOffset="427254">8979 6385 24575,'15'-35'0,"-1"2"0,0-1 0,7-9 0,-7 5 0,-4 2 0,-10 14 0,0-17 0,-8 19 0,6 1 0,-22 3 0,20 16 0,-11 0 0,30 0 0,-11 16 0,12 3 0,-16 25 0,0-11 0,0 7 0,0 2 0,0 6 0,0 2 0,0 1 0,0-5 0,0 2 0,0-1 0,0-6 0,0 7 0,0-9 0,0 0 0,-1-66 0,2-13 0,7 17 0,0-2 0,2 3 0,1 10 0,21-6 0,3 10 0,-1 8 0,3 0 0,-8 0 0,0 0 0,15 4 0,-5 0 0,-16-2 0,9 22 0,-25-5 0,-5 6 0,-2 1 0,8 13 0,-7-13 0,-2-1 0,1 11 0,1-11 0,-2 1 0,-7 13 0,-8-10 0,-7 3 0,-2-3 0,-2-7 0,-3-3 0,0 1 0,-1 6 0,0 1 0,-1-2 0,-12 3 0,6-5 0,11-3 0,9-5 0,-21-30 0,12 6 0,-1-2 0,-9-14 0,-1-1 0,1 15 0,4-1 0,13-14 0,5 5 0,-1 17 0,16-12 0</inkml:trace>
+  <inkml:trace contextRef="#ctx0" brushRef="#br0" timeOffset="428589">8979 6050 24575,'47'0'0,"0"0"0,-1-7 0,0-2 0,2 1 0,2-3 0,-13-3 0,0-3 0,-2-3 0,-3-3 0,-2-1 0,1 0 0,0 5 0,2 0 0,1-1 0,-3-2 0,1-1 0,0-1 0,-2 2 0,11-8 0,-2 4 0,-6 10 0,1 1 0,-7-1 0,-7-11 0,-4 6 0,-1 18 0,-15-13 0</inkml:trace>
+  <inkml:trace contextRef="#ctx0" brushRef="#br0" timeOffset="429747">10125 6315 24575,'49'0'0,"0"0"0,0 0 0,-12 0 0,-3 0 0,1 0 0,1 0 0,0 0 0,-6 0 0,5 0 0,-4 0 0,4-7 0,5-2 0,-5 3 0,3-1 0,1 0 0,4 1 0,1 0 0,-2-1 0,-5-4 0,-1-1 0,-5 3 0,12 6 0,-27-13 0</inkml:trace>
+  <inkml:trace contextRef="#ctx0" brushRef="#br0" timeOffset="431679">11466 5874 24575,'33'-8'0,"0"0"0,10 4 0,-15-6 0,-5 4 0,-7 22 0,-16 19 0,7-8 0,2 1 0,-7-1 0,0 1 0,6 4 0,-1 3 0,-5 11 0,-4 2 0,2-8 0,0 0 0,0-2 0,0 1 0,0-6 0,0 6 0,0 8 0,-31-11 0,10-12 0,-3 4 0,-2-2 0,-3-5 0,-4-2 0,1 2 0,-1 5 0,-1 1 0,3-6 0,3-10 0,3-2 0,2 6 0,-8-15 0,4-6 0,-1-3 0,-2-1 0,1 0 0,2 1 0,3-1 0,-7-22 0,27 28 0,-12-27 0,16 11 0,16-7 0,19-6 0,-1 10 0,2 2 0,-6 9 0,-1 1 0,7-7 0,-5 5 0,-12 13 0,5 0 0,-1 6 0,3 3 0,7 0 0,1 2 0,2 6 0,2 1 0,5-3 0,-4-2 0,1 4 0,-5-11 0,4-4 0,-2-1 0,-1-2 0,-3 1 0,0 0 0,3 1 0,-5-2 0,-12-7 0,-3 6 0,-16-6 0</inkml:trace>
+  <inkml:trace contextRef="#ctx0" brushRef="#br0" timeOffset="432620">12136 6209 24575,'50'0'0,"0"0"0,0 0 0,0 0 0,-4-3 0,0-2 0,0 1 0,2 0 0,-3 3 0,2 1 0,1 0 0,-2-1 0,-5-1 0,10-3 0,-5-1 0,-13 2 0,-18 4 0</inkml:trace>
+  <inkml:trace contextRef="#ctx0" brushRef="#br0" timeOffset="434112">12506 6615 24575,'28'0'0,"-1"0"0,-1 0 0,-1 0 0,1 0 0,-1 0 0,2 0 0,1 0 0,0 0 0,-1 0 0,0 0 0,-3 0 0,-5 0 0,-3 0 0,0-16 0,-12 12 0,11-12 0,-15 16 0,0 0 0,8 0 0,-6 0 0,6 0 0,-8 0 0</inkml:trace>
+  <inkml:trace contextRef="#ctx0" brushRef="#br0" timeOffset="436346">13635 6385 24575,'34'-15'0,"1"-1"0,-1 0 0,0 1 0,5 0 0,-1-2 0,-2-5 0,4-7 0,0-1 0,-7 5 0,-5 4 0,-3 1 0,-1-1 0,-5-1 0,-15-9 0,7 11 0,-42-15 0,4 0 0,-11 15 0,2 9 0,-2 6 0,8 12 0,1 2 0,1-8 0,1 2 0,0 11 0,7 3 0,16 3 0,-4 12 0,1 2 0,7 2 0,-3 5 0,6-2 0,28-8 0,-12-5 0,1-1 0,7-6 0,1-2 0,-2 1 0,-1-1 0,2-7 0,-3 0 0,0 5 0,7 1 0,-31 4 0,4 8 0,0 2 0,-2 12 0,2-13 0,0 0 0,-4 7 0,0-1 0,-24-16 0,-13-10 0,-12-5 0,4-1 0,6-2 0,-1-2 0,1 1 0,-7 0 0,2 0 0,11 0 0,1 0 0,1 0 0,31-16 0,0-19 0,16-12 0,-5 12 0,5 2 0,21 1 0,-16 8 0,1 1 0,4 12 0,-1 3 0,15-12 0,-15 11 0,1 2 0,9 7 0,-16 0 0,-3 0 0</inkml:trace>
+</inkml:ink>
+</file>
+
+<file path=ppt/ink/ink8.xml><?xml version="1.0" encoding="utf-8"?>
+<inkml:ink xmlns:inkml="http://www.w3.org/2003/InkML">
+  <inkml:definitions>
+    <inkml:context xml:id="ctx0">
+      <inkml:inkSource xml:id="inkSrc0">
+        <inkml:traceFormat>
+          <inkml:channel name="X" type="integer" min="-2.14748E9" max="2.14748E9" units="cm"/>
+          <inkml:channel name="Y" type="integer" min="-2.14748E9" max="2.14748E9" units="cm"/>
+          <inkml:channel name="F" type="integer" max="32767" units="dev"/>
+        </inkml:traceFormat>
+        <inkml:channelProperties>
+          <inkml:channelProperty channel="X" name="resolution" value="1000" units="1/cm"/>
+          <inkml:channelProperty channel="Y" name="resolution" value="1000" units="1/cm"/>
+          <inkml:channelProperty channel="F" name="resolution" value="0" units="1/dev"/>
+        </inkml:channelProperties>
+      </inkml:inkSource>
+      <inkml:timestamp xml:id="ts0" timeString="2024-10-29T15:55:33.424"/>
+    </inkml:context>
+    <inkml:brush xml:id="br0">
+      <inkml:brushProperty name="width" value="0.05292" units="cm"/>
+      <inkml:brushProperty name="height" value="0.05292" units="cm"/>
+      <inkml:brushProperty name="color" value="#A020F0"/>
+    </inkml:brush>
+  </inkml:definitions>
+  <inkml:trace contextRef="#ctx0" brushRef="#br0">13424 15205 24575,'25'-8'0,"0"0"0,10-8 0,1-3 0,-4 2 0,1-2 0,0 0-524,2-4 0,1-2 0,1 2 524,0 4 0,0 2 0,3-2 0,-5 1 0,2-2 0,0 1 0,-1 2 0,2 2 0,0 3 0,1-2 0,-3-3 0,2-2 0,-1-1 0,-3 1 0,1 1 0,-3 0 0,-1-1 0,0 1 0,-2-1 0,-1 2 0,5-2 0,-3 2 255,-3 1 0,-3 1-255,11-5 260,1 1-260,-17 3 0,13 16 0,-29-16 0,13 12 0,-16-11 0</inkml:trace>
+  <inkml:trace contextRef="#ctx0" brushRef="#br0" timeOffset="1768">14341 15134 24575,'-26'35'0,"1"1"0,5-11 0,1-3 0,-17 11 0,5-9 0,27-20 0,-12 11 0,32-15 0,14-7 0,7-1 0,4 2 0,4 0-235,-1-5 0,4-1 0,-1 1 235,-7 6 0,0 2 0,-2 0 0,8-6 0,-2 2 0,-9 6 0,-4 2 0,5-1 0,-17 0 0,-3 16 0,-16-5 705,0 7-705,0 6 0,0-5 0,0 1 0,0-5 0,-16 1 0,12 4 0,-27 15 0,27 0 0,-27 1 0,11-1 0,-15 0 0,0-15 0,-1 11 0,12-29 0,-3 0 0,-3 17 0,-2 1 0,-12-16 0,-1-2 0,12 10 0,0 0 0,-10-11 0,4-2 0,-1 1 0,5 0 0,19 0 0,16-8-820,0 6 1,0-6 0,0 8 0</inkml:trace>
+  <inkml:trace contextRef="#ctx0" brushRef="#br0" timeOffset="2916">14270 15275 24575,'16'-25'0,"0"-1"0,5-1 0,5-1 0,-3 5 0,2-1 0,-1 1 0,8-5 0,-1 1 0,-4 0 0,-3 3 0,-5 4 0,-3-11 0,0 27 0,-12-11 0,11 15 0,-15 0 0,32-16 0,7 4 0,-5-4 0,2-1 0,4 3 0,-1 0 0,-2-4 0,-2 1 0,-10 7 0,-3 0 0,5-6 0,-7 1 0,-16 11 0,12-12 0,-32 32 0,12-12 0,-11 12 0</inkml:trace>
+  <inkml:trace contextRef="#ctx0" brushRef="#br0" timeOffset="3934">15205 15540 24575,'33'0'0,"1"0"0,9 0 0,4 0 0,-11 0 0,2 0 0,-2 0 0,6 0 0,-2 0 0,-4 0 0,-7 0 0,-18 0 0,5 0 0,-16 0 0,0 16 0,0-13 0,16 29 0,-12-13 0,17 2 0,5 2 0,-3 14 0,3-15 0,-1-1 0,-5-2 0,-5-3 0,1-16 0,-12 0 0,12 0 0</inkml:trace>
+  <inkml:trace contextRef="#ctx0" brushRef="#br0" timeOffset="5451">15082 15840 24575,'31'0'0,"0"0"0,4 0 0,-1 0 0,13 0 0,-20 0 0,-3 0 0,-5 0 0,13 0 0,-28 0 0,11 0 0,-15 15 0,0-11 0,16 28 0,4-13 0,3-2 0,5 2 0,2 7 0,2-1 0,5-10 0,-1 1 0,-3 10 0,-3-3 0,5-11 0,-19 3 0,-16-15 0</inkml:trace>
+  <inkml:trace contextRef="#ctx0" brushRef="#br0" timeOffset="7701">16052 16616 24575,'31'-35'0,"-20"8"0,2 3 0,12 12 0,1 0 0,-7-27 0,13 37 0,-29-6 0,29 8 0,-28 0 0,27 0 0,-11 0 0,23 0 0,-6 8 0,6-6 0,-8 6 0,-15 7 0,-4-11 0,-16 28 0,0-13 0,0 17 0,-16-1 0,0-3 0,-3 2 0,-3 4 0,-3-1 0,3-10 0,-2 1 0,1-1 0,2 2 0,0 1 0,0-4 0,-6-2 0,0-1 0,1 4 0,1-3 0,-11-5 0,1 12 0,0-27 0,12 11 0,3 2 0,-2 2 0,-17 1 0,35-4 0,-27-16 0,27 0 0,-12-16 0,16-19 0,0 11 0,0-7 0,0-1 0,0 9 0,0-12 0,16 3 0,-12 28 0,27-11 0,-27 15 0,12 0 0,-9 0 0,-5 0 0,6 0 0,-8 0 0,16 0 0,19 15 0,-9-5 0,3 0 0,6-1 0,1 2 0,-8 5 0,-2-1 0,1-14 0,-3 2 0,12 28 0,-17-27 0,-3 27 0,-8-27 0,9-4 0,12 1 0,1-6 0,-2-26 0,19 27 0,-32-11 0,-11 15 0,12 0 0</inkml:trace>
+  <inkml:trace contextRef="#ctx0" brushRef="#br0" timeOffset="9956">17040 16616 24575,'0'-28'0,"0"1"0,-2-3 0,4 1 0,4 2 0,3 1 0,1 3 0,0-1 0,-1-3 0,1 3 0,14 5 0,-22 3 0,21 16 0,13-16 0,-3 15 0,4-2 0,0-12 0,1-1 0,6 13 0,-2 2 0,-13-7 0,-3 0 0,17 8 0,-25 0 0,-11 16 0,-7 4 0,1 3 0,-2 5 0,-2 1 0,-1 4 0,0 4 0,1 6 0,-1 2 0,-3-3-628,-6 0 1,-3-2 0,2 3 627,5-4 0,3 3 0,-1 1 0,-1-1 0,-1-6 0,-8 1 0,-2-4 0,4-1-177,5 13 1,0-4 176,-7-13 0,3-5 0,10-3 0,-28-4 0,-3-1 0,8-13 0,-1 0 1846,-19 14-1846,-2-16 389,22 0-389,6-36 0,7-6 0,10 22 0,20-2 0,16-7 0,6 2 0,-3 11 0,12 17 0,2 10 0,0-11 0,4 0 0,-10 4 0,-19 3 0,-1 5 0,4 6 0,6 6 0,5 5 0,0 1 0,-2-3 0,-4-6 0,2-3 0,-4-4 0,4 3 0,-1 3 0,6 5 0,1 3 0,0-2 0,-5-3 0,-6-8 0,18 1 0,-47-16 0,0 0 0</inkml:trace>
+  <inkml:trace contextRef="#ctx0" brushRef="#br0" timeOffset="59969">20409 15363 24575,'-20'-15'0,"-11"11"0,-5-27 0,-3 27 0,10-5 0,-1 2 0,-7 7 0,8 0 0,-1 0 0,3 0 0,-1 0 0,2-1 0,-2 2 0,-15 12 0,3 5 0,-3 6 0,13 1 0,1 1 0,-4-7 0,21 13 0,-3-28 0,15 27 0,0-27 0,15 10 0,9 3 0,3 2 0,3-2 0,3-6 0,0 1 0,2 12 0,-3-1 0,3-3 0,-15-1 0,-5-3 0,1-16 0,-12 0 0,12 8 0,-1 9 0,5-5 0,-7 11 0,1 1 0,20 0 0,-7 11 0,8-4 0,-15-27 0,-4 28 0,-1-28 0,-11 11 0,12 1 0,-32-12 0,7 17 0,-1 5 0,-26 5 0,15 3 0,-1 1 0,4-12 0,-1 1 0,-2 11 0,-1-3 0,-13-9 0,17 2 0,0-3 0,-17-18 0,0 12 0,10-15 0,-1-2 0,-1 2 0,-1-2 0,-3-7 0,-1 0 0,-3 7 0,2-2 0,8-13 0,3 1 0,-14 11 0,5-12 0,27 16 0,-12-16 0,16 13 0,0-13 0</inkml:trace>
+  <inkml:trace contextRef="#ctx0" brushRef="#br0" timeOffset="64416">20550 16422 8191,'-16'-12'0,"-4"4"3276,-15-27-1489,0 4 1031,15 27-2818,-11-12 1719,27 16-1719,-12 16 3276,16-12 0,-15 27-3044,-5-11-232,3 0 0,-1 3 0,0-5 0,0 1 0,0 10 0,1 1 0,-10 9 0,17-13 0,2-1 0,0-6 0,8 13 0,0-28 0,0 11 0,0-15 0,8 0 0,10 0 0,-7 0 0,21 0 0,-28-15 0,11 11 0,1-28 0,-12 29 0,12-13 0,-16 0 0,0 12 0,15-11 0,-11-1 0,28-19 0,-23 12 0,1-1 0,14-18 0,3-1 0,-7 11 0,-1-2 0,-1-4 0,0-4 0,-3 4 0,-4 6 0,-2 1 0,0-9 0,-2 6 0,-7 16 0,0 10 0,0-7 0,0 11 0,0-12 0,0 0 0,0-3 0,0-16 0,0-1 0,0 17 0,0 3 0,0 16 0,0 0 0,0 16 0,-8 7 0,0 5 0,6 3 0,0 4 0,-3-3 0,-1 3 0,1 2 0,4 3 0,1 3 0,1 1 0,-1-2 0,0 0 0,0-2 0,0 1-280,0 9 1,0 1-1,0-7 280,0-8 0,0-5 0,0 4 0,0-10 0,0 1 0,0 13 0,0-13 0,0-1 0,0 11 0,0-9 209,0-9 1,0-11 0,0-7 0</inkml:trace>
+  <inkml:trace contextRef="#ctx0" brushRef="#br0" timeOffset="65416">21008 15981 24575,'36'0'0,"-1"0"0,0 0 0,-15 0 0,11 0 0,-11 0 0,11 0 0,4 0 0,-9 0 0,-1 0 0,10 0 0,-1 0 0,9 0 0,-23 0 0,-5 0 0,-15 0 0</inkml:trace>
+  <inkml:trace contextRef="#ctx0" brushRef="#br0" timeOffset="66418">21255 16351 24575,'35'0'0,"1"0"0,-9 0 0,7 0 0,-6 0 0,2 0 0,-1 0 0,1 0 0,6 0 0,-1 0 0,0 0 0,-4 0 0,-27 0 0,28-15 0,-5 11 0,-2-4 0,3 0 0,3-1 0,1 2 0,-4 6 0,-1-2 0,8-12 0,-4 15 0,-43 0 0,24 0 0,-28 0 0</inkml:trace>
+  <inkml:trace contextRef="#ctx0" brushRef="#br0" timeOffset="68551">22366 15804 24575,'0'-19'0,"16"3"0,4 16 0,15 0 0,0 0 0,-7 0 0,5 0 0,-21 0 0,19 0 0,-27 32 0,12 7 0,-13-8 0,-4 5 0,-1-1 0,-6 0 0,0 0 0,6-1 0,2 1 0,-2-4 0,-14 16 0,17-13 0,-2-1 0,-14 6 0,10-13 0,-2-1 0,-26 10 0,5 1 0,4-18 0,-3-1 0,1-3 0,-3-1 0,-6 4 0,0 0 0,6-3 0,3-1 0,-9 7 0,3-5 0,28-30 0,-11 11 0,15-28 0,0 28 0,0-19 0,0 21 0,0-22 0,15 20 0,-11-11 0,28 15 0,-28-16 0,11 12 0,1-11 0,-12 15 0,27 0 0,-27 0 0,28 0 0,-29 0 0,13 0 0,0 0 0,3 15 0,17 5 0,-8 0 0,3 3 0,-3-4 0,0-1 0,5-4 0,-3 0 0,5 17 0,-19-27 0,0 12 0,-12-16 0,11 0 0,1 0 0,4 0 0,15-16 0,0 12 0,0-27 0,-15 27 0,-4-12 0,-16 16 0,0 0 0</inkml:trace>
+  <inkml:trace contextRef="#ctx0" brushRef="#br0" timeOffset="74018">23919 16581 24575,'0'0'0</inkml:trace>
+  <inkml:trace contextRef="#ctx0" brushRef="#br0" timeOffset="94500">23001 15804 24575,'26'-7'0,"-1"-1"0,3-2 0,-1 0 0,1 1 0,-1-1 0,-1-7 0,-1 2 0,18 11 0,-6-11 0,7 15 0,-18 0 0,-1 0 0,-2 0 0,24 0 0,-43 0 0,12 0 0,-16 15 0,0-11 0,0 28 0,0-29 0,-16 29 0,12 3 0,-18-16 0,-3 1 0,14 6 0,-1-1 0,-14-6 0,1-2 0,-3 18 0,11-16 0,9-3 0,8-16 0,0 16 0,0-12 0,0 11 0,0-15 0,0 0 0,0 8 0,-16-6 0,12 6 0,-12-8 0,16 0 0,0 16 0,0-12 0,16-4 0,-12-4 0,20-12 0,-7 16 0,11 0 0,7 0 0,-16 16 0,-3-12 0,-16 11 0,0 1 0,0-12 0,0 12 0,0-1 0,0-11 0,0 28 0,0-13 0,0 6 0,0 1 0,0 13 0,-7-4 0,-2-3 0,6-9 0,-13 24 0,16-35 0,0 6 0,0-10 0,-16 7 0,-3 5 0,-9-3 0,-3 1 0,2 8 0,1-1 0,-2-5 0,-3-1 0,-8 8 0,0-3 0,12-13 0,-1-2 0,-9 8 0,0-3 0,11-11 0,3-2 0,-18 15 0,7-16 0,1 0 0,0 0 0,15 0 0,-11 0 0,27 0 0,-12 0 0</inkml:trace>
+  <inkml:trace contextRef="#ctx0" brushRef="#br0" timeOffset="95919">23742 16616 24575,'0'35'0,"0"0"0,0-15 0,0 11 0,0-27 0,0-4 0,0-19 0,0-1 0,0 4 0,0 16 0,0 16 0,0 4 0,0-1 0,0-19 0,0-19 0,0-1 0,0 4 0,0 1 0,0 11 0,0-12 0</inkml:trace>
+  <inkml:trace contextRef="#ctx0" brushRef="#br0" timeOffset="98968">24554 15875 24575,'0'-35'0,"0"9"0,0 1 0,0-14 0,1 8 0,-2 3 0,-15 6 0,-4-1 0,-15 23 0,-8 0 0,17 0 0,-1 0 0,-4-1 0,-1 2 0,-3 6 0,0 1 0,7-6 0,1 0 0,-6 8 0,-1 4 0,2 2 0,2 1 0,1-2 0,1 1 0,-11 9 0,3 1 0,16-8 0,1 0 0,-16 17 0,19-15 0,0-5 0,13 1 0,3-12 0,3 12 0,44-16 0,-13 0 0,3 0 0,5-1 0,2 2 0,-9 3 0,1 2 0,-3-1 0,1-3 0,-5 0 0,6 14 0,-4-16 0,-27 0 0,12-16 0,-16-3 0,0-17 0,0 1 0,16 0 0,-12 15 0,11 4 0,-15 16 0,0 0 0,-15 0 0,11 16 0,-12-12 0,16 27 0,0 5 0,0 3 0,0-7 0,0 3 0,-1-4 0,2 0 0,6 5 0,2 1 0,0 2 0,1 0 0,-1-3 0,2-1 0,6-8 0,-3 1 0,-11 6 0,-2-2 0,15 0 0,-15 0 0,-2 0 0,1 0 0,0 0 0,0 2 0,0 5 0,-16-3 0,12-5 0,-27-11 0,11 15 0,-3-17 0,-5-1 0,1 1 0,0 0 0,-1-4 0,1-1 0,-4-3 0,3-2 0,6-1 0,-17-7 0,35 0 0,-11 0 0,15 0 0,0-7 0,0 5 0,0-6 0</inkml:trace>
+  <inkml:trace contextRef="#ctx0" brushRef="#br0" timeOffset="104518">3334 16104 24575,'0'43'0,"0"1"0,0 0 0,0 2 0,0 2 0,0 2 0,0-15 0,0 1 0,0-3 0,1 0 0,-2 0 0,-6 8 0,-2 1 0,8-7 0,-2 0 0,-7-4 0,-6 2 0,3 1-455,5 6 1,2 2 0,-1 0 454,-6 2 0,-3 1 0,2-1 0,1-5 0,2 0 0,-1 0 0,1 2 0,-1 0 0,0-3 166,-6 4 0,1-2-166,6-3 0,2-3 0,-6 1 0,15-19 0,15-16 0,20 0 0,2-14 0,5-4 0,-8 11 0,3 1 0,0-4 26,7-10 1,1-5 0,-1 3-27,-4 8 0,-1 2 0,0-1-137,-3-2 0,0 0 0,-5 2 137,-5 3 0,-5 2 0,11 0 0,-32 8 0,0 0 0</inkml:trace>
+  <inkml:trace contextRef="#ctx0" brushRef="#br0" timeOffset="105550">2805 16722 24575,'43'0'0,"-10"0"0,3 0 0,-4 0 0,2 0 0,4 0 0,4 0 0,-4 0 0,-3 0 0,0 0 0,16 0 0,-2 0 0,-16 0 0,-3 0 0,-1 0 0,-3 0 0,9 0 0,-3 0 0,-13 0 0,16 0 0,1 0 0,-1 0 0,-15 0 0,11 0 0,-27 0 0,12 0 0,-16 0 0,0 0 0</inkml:trace>
+  <inkml:trace contextRef="#ctx0" brushRef="#br0" timeOffset="106401">4322 16686 24575,'27'0'0,"1"0"0,15 0 0,6 0 0,-2 0 0,-6 0 0,4 0 0,0 0 0,0 0 0,-3 0 0,-1 0 0,2 0 0,-2 0 0,6 0 0,-20 0 0,-3 0 0,-5 0 0,-3 0 0</inkml:trace>
+  <inkml:trace contextRef="#ctx0" brushRef="#br0" timeOffset="107433">4551 17092 24575,'42'0'0,"0"0"0,0 0 0,1 0 0,1 0 0,-2 0 0,5 0 0,-2 0 0,5 0 0,-6 0 0,-5 0 0,8 0 0,-43 0 0,28 0 0,-28 0 0,27 0 0,-4 0 0,-1-7 0,1-2 0,20 5 0,-20-4 0,-3 1 0,-4 7 0,-4 0 0,-16 0 0</inkml:trace>
+  <inkml:trace contextRef="#ctx0" brushRef="#br0" timeOffset="120850">6580 15328 24575,'35'-15'0,"0"11"0,0-20 0,9 22 0,-7-6 0,6 8 0,-8 0 0,-15 0 0,11 0 0,-27 0 0,12 0 0,-16 24 0,1 1 0,-2 3 0,-5 4 0,-4 2 0,-6 10 0,-3-1 0,1-7 0,-3-2 0,-9-2 0,1-1 0,10-5 0,1 1 0,-11 3 0,-1-1 0,10-10 0,1 1 0,-15 13 0,1 0 0,13-13 0,1 0 0,-7 6 0,1-1 0,-10-6 0,-1 13 0,9-13 0,9 1 0,10-5 0,-7-15 0,11 0 0,-28 0 0,13 0 0,-1 0 0,-11-15 0,27 11 0,-12-28 0,16 29 0,0-29 0,16 28 0,4-27 0,4 28 0,2 2 0,6-15 0,17 16 0,-22 0 0,9 0 0,-1 0 0,0 16 0,0-12 0,1 27 0,-1-27 0,-9 10 0,-1 4 0,-2 1 0,17 1 0,-38-5 0,21-15 0,-3 0 0,15 0 0,0 0 0,-15 0 0,-4 0 0</inkml:trace>
+  <inkml:trace contextRef="#ctx0" brushRef="#br0" timeOffset="122568">7462 15363 24575,'27'-15'0,"6"-5"0,-5-7 0,-4 16 0,3 4 0,12-1 0,-13 8 0,-1 0 0,10 0 0,-15 0 0,11 8 0,-27 10 0,12 25 0,-15-17 0,-2 3 0,2 6 0,-2 0 0,-5 1 0,-4-1 0,-5 1 0,-5-2 0,-6-2 0,-3-1 0,-6 4 0,-1-1 0,5-10 0,0-1 0,-4 4 0,1-3 0,11-14 0,-1-1 0,-11 8 0,3-2 0,9-11 0,-24 11 0,27-15 0,1 0 0,3 0 0,47 0 0,8-15 0,-4 12 0,1 2 0,-4-7 0,-1 0 0,-4 7 0,-1 2 0,17-1 0,-8 0 0,0 0 0,1 0 0,-17 0 0,-3 16 0,0-12 0,-13 11 0,13-15 0,0 0 0,-12 0 0,11 0 0,-15 0 0</inkml:trace>
+  <inkml:trace contextRef="#ctx0" brushRef="#br0" timeOffset="124185">6315 16510 24575,'36'0'0,"0"0"0,0 0 0,5-3 0,3-1 0,2-1 0,-1 1 0,2 1 0,1 0 0,-1 1 0,1-1-586,-7-1 0,0 0 0,0 1 0,-1-1 0,-3 1 586,9 0 0,-3 1 0,-2-1 0,-5-2 0,-2-1 0,-1 1 463,9 4 1,-1-2-464,2-4 0,0-1 0,-4-1 0,0 2 0,5 5 0,1 0 0,-4-5 0,0-1 240,-5-1 1,-2 2-241,-7 5 0,-3 0 0,12-14 0,7 1 761,-17 12 0,1 2-761,4-6 0,0-2 0,-3 0 0,-1 2 0,1 6 0,-5-2 0,-3-12 0,11 15 0,-11 0 0,15 0 0,-15 0 0,11 0 0,-27 0 0,27 0 0,-27 0 0,12 0 0</inkml:trace>
+  <inkml:trace contextRef="#ctx0" brushRef="#br0" timeOffset="127517">6915 17127 24575,'15'20'0,"-11"-4"0,28-16 0,-13 0 0,17-16 0,-1 12 0,0-12 0,-15 16 0,3 0 0,-5 0 0,-6 0 0,3 0 0,-15 16 0,0-12 0,0 27 0,0-11 0,0 0 0,0 11 0,-15-19 0,9 11 0,0 3 0,-27 5 0,11-6 0,0 1 0,4-7 0,-3-3 0,-4-6 0,-1 0 0,-1 5 0,3 1 0,1 4 0,-8-1 0,31-3 0,0-16 0,-16 0 0,12 0 0,20 0 0,-9 0 0,25 0 0,-17 0 0,-11 0 0,28 0 0,-28 0 0,27 0 0,-27 0 0,27 0 0,-27 0 0,12 16 0,0-12 0,-13 11 0,13-15 0,-16 0 0,16 0 0,-12 0 0,35 0 0,-33 0 0,33 0 0,-35 0 0,12 0 0,-16 0 0,0 0 0</inkml:trace>
+  <inkml:trace contextRef="#ctx0" brushRef="#br0" timeOffset="129254">7550 17163 24575,'27'-10'0,"1"0"0,-2-7 0,-1 3 0,10 10 0,0-12 0,0 16 0,-15 0 0,11 0 0,-27 0 0,28 0 0,-28 16 0,-4-12 0,-7 19 0,-6 1 0,-22-16 0,17 15 0,0 1 0,-17-20 0,16 27 0,-13-19 0,13 5 0,-17 7 0,17-20 0,3 11 0,32-15 0,3 0 0,1 0 0,27 0 0,-24 0 0,2 8 0,1 0 0,10-4 0,-17 27 0,13-27 0,-28 28 0,11-28 0,-15 27 0,-15-27 0,-21 27 0,10-28 0,-3-2 0,1 15 0,2-1 0,-10-11 0,5 12 0,27-16 0,-12 0 0</inkml:trace>
+  <inkml:trace contextRef="#ctx0" brushRef="#br0" timeOffset="130586">7885 17533 24575,'0'0'0</inkml:trace>
+  <inkml:trace contextRef="#ctx0" brushRef="#br0" timeOffset="133738">8291 17427 24575,'0'-35'0,"0"15"0,0 5 0</inkml:trace>
+  <inkml:trace contextRef="#ctx0" brushRef="#br0" timeOffset="137396">8643 16863 24575,'0'-35'0,"-15"15"0,11 4 0,-28 16 0,13 0 0,-1 0 0,-11 0 0,27 0 0,-12 0 0,16 0 0,-15 0 0,11 16 0,-12 4 0,16-1 0,0 5 0,0-22 0,0 21 0,0-19 0,0 12 0,0-16 0,16 0 0,-12 0 0,27 0 0,-27 0 0,27 0 0,-27 0 0,28 0 0,-29 0 0,13 0 0,-16 0 0,0-16 0,0 12 0,0-12 0,-16 16 0,13 0 0,-13 0 0,0 0 0,12 0 0,-27 0 0,11 0 0,-15 0 0,15 0 0,-11 0 0,27 0 0,-12 16 0,16-12 0,-15 12 0,11-1 0,-12-11 0,16 12 0,0 0 0,0 3 0,0 1 0,0 27 0,16-39 0,-12 23 0,11-31 0,-15 0 0,16 0 0,-12 0 0,12 0 0,-16 0 0,15 0 0,-11 0 0,12 0 0,-16-16 0,0 12 0,0-11 0,0-1 0,0 12 0,0-11 0,0 15 0,0 15 0,16-11 0,-12 27 0,27-11 0,-27 15 0,27-15 0,-27 11 0,12-11 0,-16 0 0,0 11 0,0-27 0,0 11 0,0-7 0,0-6 0,0 22 0,0-20 0,-16 27 0,12-27 0,-11 27 0,-1-27 0,12 12 0,-12-16 0,16 0 0,0 0 0</inkml:trace>
+  <inkml:trace contextRef="#ctx0" brushRef="#br0" timeOffset="140985">7797 18062 24575,'35'-10'0,"-8"-13"0,7-12 0,-7 9 0,5-3 0,-4-3 0,2-4 0,2 2 0,-1 6 0,1 3 0,-1-1 0,-1 0 0,0-1 0,-4 2 0,-3-1 0,-3 3 0,13-4 0,-5 7 0,-9-11 0,13 27 0,-28-12 0,27 0 0,-27 12 0,12-11 0,-16 15 0,15 0 0,-11-16 0,28 12 0,-28-27 0,27 11 0,-27 1 0,12 3 0,-1 0 0,-11 12 0,28-11 0,-29 15 0,13 0 0,0-16 0,-12 12 0,11-12 0,-7 1 0,-6 11 0,6-20 0,8 22 0,-12-21 0,11 19 0,1-27 0,-12 27 0,12-12 0,-16 16 0</inkml:trace>
+  <inkml:trace contextRef="#ctx0" brushRef="#br0" timeOffset="143284">8273 18045 24575,'10'7'0,"10"8"0,-1 4 0,-11 12 0,14-13 0,3-1 0,-6 15 0,17 3 0,-19-15 0,1-1 0,17 16 0,1-3 0,-17-28 0,-3 27 0,0-27 0,-13-20 0,-3-7 0,-8-9 0,-3-3 0,2 8 0,-2-1 0,-5-7 0,1 0 0,5 2 0,0 3 0,-9-7 0,3-2 0,16 35 0,0-12 0,0 0 0,0 12 0,0-11 0,0 15 0,31-16 0,9-4 0,-11 3 0,4-1 0,9-1 0,1 3 0,-10 6 0,0 0 0,11-5 0,-2-1 0,-13 6 0,-3 0 0,10-9 0,-5 3 0,-27 16 0,12 0 0,-1 0 0,5-16 0,-1 12 0,5-11 0,-22 15 0,6 31 0,-8-7 0,0 8 0,0 2 0,0 6 0,0-15 0,0 0 0,0 11 0,0-1 0,0 0 0,0-7 0,0 5 0,0-21 0,0 4 0,0-16 0,0 0 0,0 0 0</inkml:trace>
+  <inkml:trace contextRef="#ctx0" brushRef="#br0" timeOffset="150834">8732 18009 24575,'0'28'0,"0"-11"0,0 7 0,-16-20 0,12 27 0,-12-27 0,16 12 0,0-1 0,-15 5 0,11 0 0,-12 11 0,16-27 0,0 12 0,0-32 0,0 12 0,0-12 0,0 16 0,0 0 0,16 0 0,-12 0 0,11 0 0,1 0 0,4 0 0,-1 0 0,13 0 0,-29 0 0,13 0 0,-16 16 0,16-12 0,-12 27 0,27-11 0,-27-1 0,12-3 0,-1 0 0,-11-12 0,12 11 0,-16-15 0,-16 0 0,12 16 0,-27-12 0,27 12 0,-27-1 0,11-11 0,-15 12 0,0 0 0,15-12 0,4 11 0,1-15 0,11-15 0,-12 11 0,16-12 0</inkml:trace>
+  <inkml:trace contextRef="#ctx0" brushRef="#br0" timeOffset="152786">8802 18045 24575,'20'0'0,"11"0"0,-27-16 0,12 12 0,-16-12 0,0 16 0,0 0 0</inkml:trace>
+  <inkml:trace contextRef="#ctx0" brushRef="#br0" timeOffset="157984">9508 15804 24575,'19'0'0,"28"0"0,-39 0 0,39 0 0,-27 0 0,15 0 0,0 0 0,-15 0 0,11 0 0,-27 0 0,12 0 0,-16 0 0,0 0 0</inkml:trace>
+  <inkml:trace contextRef="#ctx0" brushRef="#br0" timeOffset="158737">9420 16210 24575,'41'0'0,"-12"0"0,4 0 0,10 0 0,5 0 0,-6 0 0,3 0 0,-3 0 0,-1 0 0,-2 0 0,1 0 0,-5 0 0,-4 0 0,-27 0 0,12 0 0,-16 0 0</inkml:trace>
+  <inkml:trace contextRef="#ctx0" brushRef="#br0" timeOffset="160484">10213 15875 24575,'34'-18'0,"-1"1"0,-12-2 0,1 2 0,18 7 0,2 1 0,-14-8 0,-1 2 0,1 13 0,-1 1 0,8-15 0,-11 16 0,-22 16 0,6-13 0,-8 29 0,15 3 0,-11 4 0,4-13 0,0-1 0,-8 11 0,0-1 0,0 0 0,-16 8 0,5-16 0,-5-1 0,-16 6 0,-5-1-268,11-8 0,-1 1 1,-2-1 267,-5 1 0,-2 0 0,0-1 0,-2 1 0,-1 0 0,2-1 0,-2 1 0,2-1 0,-2 3 0,4-3 0,-1-12 0,1 5 0,15-16 0,5 0 0,-1 0 803,12 0-803,-12-16 0,16 5 0,16-7 0,4 10 0,-1 8 0,-3 0 0,-16 0 0,16 0 0,-12 0 0,27 0 0,-11 0 0,4 0 0,2 0 0,21 0 0,-4 2 0,-1 4 0,-16 3 0,-1 0 0,9-5 0,-2 3 0,4 25 0,-17-28 0,13 11 0,-28-15 0,11 0 0,1 0 0,3 0 0,25 0 0,-7 0-820,6-15 1,-23 11 0,-5-12 0</inkml:trace>
+  <inkml:trace contextRef="#ctx0" brushRef="#br0" timeOffset="161452">10936 16510 24575,'0'20'0,"0"-5"0,0 1 0,0-12 0,0 12 0,0-16 0</inkml:trace>
+  <inkml:trace contextRef="#ctx0" brushRef="#br0" timeOffset="163223">11395 16316 24575,'-16'-35'0,"-11"-1"0,9 18 0,-1 1 0,-24-2 0,17 9 0,1 4 0,-15 6 0,15 0 0,-1 0 0,-9 0 0,16 0 0,3 16 0,0 3 0,12 16 0,-11-9 0,-1-1 0,4 15 0,3-2 0,1-2 0,0-10 0,0 4 0,0-6 0,4-20 0,-12 12 0,16-16 0,0 16 0,0-12 0,0 11 0,0-15 0,0 16 0,0-12 0,16 12 0,-12-1 0,20-11 0,-7 28 0,-5-29 0,4 13 0,-1-16 0,-11 0 0,12 0 0,15 0 0,-7 0 0,1 0 0,1 0 0,9 0 0,-15 0 0,11 0 0,-27-16 0,12-3 0,-16-1 0,0 5 0,0-1 0,0 12 0,0-27 0,0 27 0,15-28 0,-11 21 0,12-23 0,0-9 0,-13 20 0,13-24 0,-16 43 0,0-12 0,0 16 0</inkml:trace>
+  <inkml:trace contextRef="#ctx0" brushRef="#br0" timeOffset="164267">10795 16686 24575,'0'20'0,"0"-4"0,0-16 0,0 0 0</inkml:trace>
+  <inkml:trace contextRef="#ctx0" brushRef="#br0" timeOffset="166484">11801 16210 24575,'-36'-4'0,"9"-8"0,9 44 0,11-28 0,7 27 0,0-27 0,0 27 0,0-11 0,0 15 0,0 1 0,0-1 0,0-16 0,7-3 0,-5-8 0,6-6 0,-8 21 0,16-19 0,-12 12 0,11 0 0,-15-12 0,16 11 0,-12-15 0,27 0 0,-27 0 0,28 0 0,-13 0 0,17 0 0,-17 0 0,13 0 0,-29 0 0,29 0 0,-28 0 0,27-15 0,-27 11 0,12-12 0,-16 0 0,0 12 0,0-11 0,0 7 0,0 6 0,-16-6 0,12 8 0,-12 0 0,1 0 0,11 0 0,-28 0 0,13 0 0,-16 0 0,15 0 0,-11 0 0,27 0 0,-12 0 0,16 0 0,0 8 0,0-6 0,0 6 0,0-8 0,0 0 0</inkml:trace>
+</inkml:ink>
+</file>
+
+<file path=ppt/ink/ink9.xml><?xml version="1.0" encoding="utf-8"?>
+<inkml:ink xmlns:inkml="http://www.w3.org/2003/InkML">
+  <inkml:definitions>
+    <inkml:context xml:id="ctx0">
+      <inkml:inkSource xml:id="inkSrc0">
+        <inkml:traceFormat>
+          <inkml:channel name="X" type="integer" min="-2.14748E9" max="2.14748E9" units="cm"/>
+          <inkml:channel name="Y" type="integer" min="-2.14748E9" max="2.14748E9" units="cm"/>
+          <inkml:channel name="F" type="integer" max="32767" units="dev"/>
+        </inkml:traceFormat>
+        <inkml:channelProperties>
+          <inkml:channelProperty channel="X" name="resolution" value="1000" units="1/cm"/>
+          <inkml:channelProperty channel="Y" name="resolution" value="1000" units="1/cm"/>
+          <inkml:channelProperty channel="F" name="resolution" value="0" units="1/dev"/>
+        </inkml:channelProperties>
+      </inkml:inkSource>
+      <inkml:timestamp xml:id="ts0" timeString="2024-10-29T16:05:55.994"/>
+    </inkml:context>
+    <inkml:brush xml:id="br0">
+      <inkml:brushProperty name="width" value="0.05292" units="cm"/>
+      <inkml:brushProperty name="height" value="0.05292" units="cm"/>
+      <inkml:brushProperty name="color" value="#A020F0"/>
+    </inkml:brush>
+  </inkml:definitions>
+  <inkml:trace contextRef="#ctx0" brushRef="#br0">14976 5715 24575,'8'-41'0,"-1"0"0,3 6 0,2-2 0,2-1 0,3-6 0,2-2 0,0-1-341,-6 8 0,1 0 1,-1 0-1,1 1 341,6-8 0,0 0 0,-1 5 0,0-4 0,-1 3 222,3-1 0,2 6-222,12 10 226,0 7-226,-15 4 0,11 16 0,-27 0 0,12 0 0</inkml:trace>
+  <inkml:trace contextRef="#ctx0" brushRef="#br0" timeOffset="1349">15240 5503 24575,'16'-19'0,"-12"-13"0,27 28 0,-27-27 0,28 12 0,-13-9 0,-2 4 0,1-1 0,18-6 0,-17-2 0,-3-1 0,4-5 0,11 4 0,-27 19 0,12 16 0,-1-16 0,-11 12 0,28-27 0,-11 6 0,1-1 0,-2 1 0,1-1 0,10-8 0,-3-1 0,-9-8 0,-3 24 0,-16 3 0,0 16 0</inkml:trace>
+  <inkml:trace contextRef="#ctx0" brushRef="#br0" timeOffset="4398">16563 3722 24575,'-25'0'0,"-1"0"0,-8 0 0,-2 0 0,2 0 0,1 0 0,-2-1 0,2 2 0,1 6 0,5 1 0,3-4 0,-23 12 0,43-16 0,-11 8 0,15-6 0,0 6 0,0 7 0,0-11 0,0 12 0,0-16 0,0 16 0,0-12 0,0 11 0,0-15 0,15 16 0,5 4 0,15 15 0,-15 0 0,11-15 0,-27 11 0,27-27 0,-27 12 0,20-16 0,-7 15 0,-5-11 0,20 12 0,-29-16 0,13 0 0,-16 0 0,0 0 0,0 16 0,0 3 0,0 17 0,0 7 0,0-6 0,0-8 0,0 1 0,0 9 0,0-4 0,0-4 0,0-27 0,-31 12 0,15-16 0,-14-1 0,-5 2 0,4 7 0,0 0 0,-6-6 0,-1 0 0,1 6 0,4-1 0,-3-7 0,21 0 0,15 0 0</inkml:trace>
+  <inkml:trace contextRef="#ctx0" brushRef="#br0" timeOffset="6666">17304 3687 24575,'0'-20'0,"0"4"0,-31 1 0,-8 11 0,8-4 0,-1 0 0,-3 7 0,1 2 0,-13-1 0,20 0 0,3 0 0,5 0 0,-13 16 0,13 3 0,1 9 0,0 3 0,0-4 0,1 3 0,7 16 0,1 2 0,-8-10 0,2-2 0,13 0 0,0-1 0,-6-7 0,1-5 0,7-3 0,0-5 0,15 1 0,21-12 0,-10 11 0,2 1 0,7-13 0,1-2 0,0 11 0,-1 0 0,12-10 0,-14 5 0,-25-7 0,-8 0 0,0 16 0,0-12 0,0 12 0,15-1 0,-11 5 0,4 4 0,0 3 0,-8 12 0,7-12 0,2-3 0,-5-4 0,-4-5 0,-28-15 0,3 0 0,-3 0 0,-10 0 0,-2 0 0,-5 0 0,0 0 0,-2 0 0,4 0 0,13 0 0,5 0 0,-7 0 0,32 0 0</inkml:trace>
+  <inkml:trace contextRef="#ctx0" brushRef="#br0" timeOffset="7949">16193 4939 24575,'25'0'0,"1"0"0,4 0 0,3 0 0,9 0 0,4 0-668,-5 0 0,3 0 1,0 0 667,-3 0 0,-1 0 0,1 0 0,0 0 0,0 0 0,0 0 0,-3 1 0,-1-1 0,-2-1 322,3-7 1,-2 0-323,0 7 0,-1-2 165,-8-5 0,-3 1-165,-5 7 0,-3 0 0,-16 0 0,0 0 0</inkml:trace>
+  <inkml:trace contextRef="#ctx0" brushRef="#br0" timeOffset="14702">16599 5309 24575,'-16'43'0,"6"-16"0,0-1 0,1-2 0,-1-1 0,-6 10 0,0 1 0,6-6 0,1-1 0,-11 12 0,4 8 0,16-43 0,-15 12 0,11-16 0,-12 0 0,16 0 0,0 0 0,0-16 0,-16 12 0,13-12 0,-13 16 0,16-15 0,0 11 0,0-12 0,0 16 0,0 0 0,0-16 0,16 13 0,-13-13 0,13 16 0,-16-16 0,0 12 0,0-11 0,0-1 0,0 12 0,0-12 0,0 1 0,-16 11 0,-3-12 0,-1 16 0,5 0 0,7 0 0,6 16 0,-6-12 0,8 11 0,0 1 0,0-12 0,0 12 0,0-16 0,0 15 0,0-11 0,0 12 0,0-16 0,0 16 0,0 3 0,0 16 0,0 1 0,0-17 0,0-3 0,0-16 0,8 0 0,-6 0 0,6 0 0,-8 0 0,15-16 0,-11 12 0,28-27 0,-13 11 0,16-15 0,1 16 0,-17 3 0,-3 16 0,-16 0 0,0-16 0,0 12 0,0-11 0,0 15 0,16 0 0,-12-16 0,11 12 0,1-43 0,4 23 0,15-11 0,-16 4 0,-3 27 0,0-12 0,-12 16 0,11 0 0,-15-8 0,0 6 0,0-5 0,0 7 0,0-16 0,0 12 0,0-27 0,16 11 0,-12 0 0,12-11 0,-16 27 0,0 4 0,0 4 0,-16 27 0,12 5 0,-11-14 0,-1 3 0,13 8 0,2 2 0,-15-3 0,0-1 0,13 4 0,2 1 0,-7-1 0,1 0 0,7-7 0,0-1 0,-8 0 0,0-3 0,4-4 0,-11 3 0,15-21 0,0 6 0,0-8 0,0 0 0</inkml:trace>
+  <inkml:trace contextRef="#ctx0" brushRef="#br0" timeOffset="16702">17128 5309 24575,'-26'0'0,"-1"0"0,1-1 0,1 2 0,1 15 0,-7-12 0,15 12 0,12-9 0,-11 11 0,15 10 0,0-9 0,0 12 0,0-11 0,7 4 0,1 3 0,-6 0 0,0 1 0,13 7 0,2 0 0,-7-6 0,-1-3 0,11 17 0,-4-9 0,-1-7 0,-11 8 0,12 1 0,-1-17 0,-11 13 0,12-13 0,-16 1 0,0 11 0,0-27 0,0 12 0,0 0 0,0-13 0,-16 13 0,-19-16 0,-4 0 0,4 0 0,3 0 0,28 0 0,-11 0 0</inkml:trace>
+  <inkml:trace contextRef="#ctx0" brushRef="#br0" timeOffset="18198">16898 5909 24575,'36'0'0,"-1"-16"0,0-3 0,1-17 0,-1 17 0,-16 3 0,-3 16 0,-8 0 0,-6 0 0,6 0 0,-8 0 0,15-15 0,-11 11 0,28-20 0,-28 22 0,11-6 0,-15 8 0,0 0 0</inkml:trace>
+</inkml:ink>
 </file>
 
 <file path=ppt/notesMasters/notesMaster1.xml><?xml version="1.0" encoding="utf-8"?>
@@ -14371,6 +14971,57 @@
           </a:p>
         </p:txBody>
       </p:sp>
+      <mc:AlternateContent xmlns:mc="http://schemas.openxmlformats.org/markup-compatibility/2006">
+        <mc:Choice xmlns:p14="http://schemas.microsoft.com/office/powerpoint/2010/main" Requires="p14">
+          <p:contentPart p14:bwMode="auto" r:id="rId3">
+            <p14:nvContentPartPr>
+              <p14:cNvPr id="3" name="Ink 2">
+                <a:extLst>
+                  <a:ext uri="{FF2B5EF4-FFF2-40B4-BE49-F238E27FC236}">
+                    <a16:creationId xmlns:a16="http://schemas.microsoft.com/office/drawing/2014/main" id="{73CA0AE1-7A43-E925-1710-4819A905F012}"/>
+                  </a:ext>
+                </a:extLst>
+              </p14:cNvPr>
+              <p14:cNvContentPartPr/>
+              <p14:nvPr/>
+            </p14:nvContentPartPr>
+            <p14:xfrm>
+              <a:off x="596880" y="4984920"/>
+              <a:ext cx="8496720" cy="1791000"/>
+            </p14:xfrm>
+          </p:contentPart>
+        </mc:Choice>
+        <mc:Fallback>
+          <p:pic>
+            <p:nvPicPr>
+              <p:cNvPr id="3" name="Ink 2">
+                <a:extLst>
+                  <a:ext uri="{FF2B5EF4-FFF2-40B4-BE49-F238E27FC236}">
+                    <a16:creationId xmlns:a16="http://schemas.microsoft.com/office/drawing/2014/main" id="{73CA0AE1-7A43-E925-1710-4819A905F012}"/>
+                  </a:ext>
+                </a:extLst>
+              </p:cNvPr>
+              <p:cNvPicPr/>
+              <p:nvPr/>
+            </p:nvPicPr>
+            <p:blipFill>
+              <a:blip r:embed="rId4"/>
+              <a:stretch>
+                <a:fillRect/>
+              </a:stretch>
+            </p:blipFill>
+            <p:spPr>
+              <a:xfrm>
+                <a:off x="587520" y="4975560"/>
+                <a:ext cx="8515440" cy="1809720"/>
+              </a:xfrm>
+              <a:prstGeom prst="rect">
+                <a:avLst/>
+              </a:prstGeom>
+            </p:spPr>
+          </p:pic>
+        </mc:Fallback>
+      </mc:AlternateContent>
     </p:spTree>
     <p:extLst>
       <p:ext uri="{BB962C8B-B14F-4D97-AF65-F5344CB8AC3E}">
@@ -14910,6 +15561,57 @@
           </a:p>
         </p:txBody>
       </p:sp>
+      <mc:AlternateContent xmlns:mc="http://schemas.openxmlformats.org/markup-compatibility/2006">
+        <mc:Choice xmlns:p14="http://schemas.microsoft.com/office/powerpoint/2010/main" Requires="p14">
+          <p:contentPart p14:bwMode="auto" r:id="rId3">
+            <p14:nvContentPartPr>
+              <p14:cNvPr id="3" name="Ink 2">
+                <a:extLst>
+                  <a:ext uri="{FF2B5EF4-FFF2-40B4-BE49-F238E27FC236}">
+                    <a16:creationId xmlns:a16="http://schemas.microsoft.com/office/drawing/2014/main" id="{2A71A92E-320F-DA5E-25AC-99157DBA944A}"/>
+                  </a:ext>
+                </a:extLst>
+              </p14:cNvPr>
+              <p14:cNvContentPartPr/>
+              <p14:nvPr/>
+            </p14:nvContentPartPr>
+            <p14:xfrm>
+              <a:off x="2635200" y="3987720"/>
+              <a:ext cx="5055120" cy="1810080"/>
+            </p14:xfrm>
+          </p:contentPart>
+        </mc:Choice>
+        <mc:Fallback>
+          <p:pic>
+            <p:nvPicPr>
+              <p:cNvPr id="3" name="Ink 2">
+                <a:extLst>
+                  <a:ext uri="{FF2B5EF4-FFF2-40B4-BE49-F238E27FC236}">
+                    <a16:creationId xmlns:a16="http://schemas.microsoft.com/office/drawing/2014/main" id="{2A71A92E-320F-DA5E-25AC-99157DBA944A}"/>
+                  </a:ext>
+                </a:extLst>
+              </p:cNvPr>
+              <p:cNvPicPr/>
+              <p:nvPr/>
+            </p:nvPicPr>
+            <p:blipFill>
+              <a:blip r:embed="rId4"/>
+              <a:stretch>
+                <a:fillRect/>
+              </a:stretch>
+            </p:blipFill>
+            <p:spPr>
+              <a:xfrm>
+                <a:off x="2625840" y="3978360"/>
+                <a:ext cx="5073840" cy="1828800"/>
+              </a:xfrm>
+              <a:prstGeom prst="rect">
+                <a:avLst/>
+              </a:prstGeom>
+            </p:spPr>
+          </p:pic>
+        </mc:Fallback>
+      </mc:AlternateContent>
     </p:spTree>
     <p:extLst>
       <p:ext uri="{BB962C8B-B14F-4D97-AF65-F5344CB8AC3E}">
@@ -16134,6 +16836,57 @@
           </a:prstGeom>
         </p:spPr>
       </p:pic>
+      <mc:AlternateContent xmlns:mc="http://schemas.openxmlformats.org/markup-compatibility/2006">
+        <mc:Choice xmlns:p14="http://schemas.microsoft.com/office/powerpoint/2010/main" Requires="p14">
+          <p:contentPart p14:bwMode="auto" r:id="rId4">
+            <p14:nvContentPartPr>
+              <p14:cNvPr id="5" name="Ink 4">
+                <a:extLst>
+                  <a:ext uri="{FF2B5EF4-FFF2-40B4-BE49-F238E27FC236}">
+                    <a16:creationId xmlns:a16="http://schemas.microsoft.com/office/drawing/2014/main" id="{66294FE4-6E63-771A-8FB1-B48B00B9A03D}"/>
+                  </a:ext>
+                </a:extLst>
+              </p14:cNvPr>
+              <p14:cNvContentPartPr/>
+              <p14:nvPr/>
+            </p14:nvContentPartPr>
+            <p14:xfrm>
+              <a:off x="1054080" y="2298600"/>
+              <a:ext cx="4814280" cy="3988440"/>
+            </p14:xfrm>
+          </p:contentPart>
+        </mc:Choice>
+        <mc:Fallback>
+          <p:pic>
+            <p:nvPicPr>
+              <p:cNvPr id="5" name="Ink 4">
+                <a:extLst>
+                  <a:ext uri="{FF2B5EF4-FFF2-40B4-BE49-F238E27FC236}">
+                    <a16:creationId xmlns:a16="http://schemas.microsoft.com/office/drawing/2014/main" id="{66294FE4-6E63-771A-8FB1-B48B00B9A03D}"/>
+                  </a:ext>
+                </a:extLst>
+              </p:cNvPr>
+              <p:cNvPicPr/>
+              <p:nvPr/>
+            </p:nvPicPr>
+            <p:blipFill>
+              <a:blip r:embed="rId5"/>
+              <a:stretch>
+                <a:fillRect/>
+              </a:stretch>
+            </p:blipFill>
+            <p:spPr>
+              <a:xfrm>
+                <a:off x="1044720" y="2289240"/>
+                <a:ext cx="4833000" cy="4007160"/>
+              </a:xfrm>
+              <a:prstGeom prst="rect">
+                <a:avLst/>
+              </a:prstGeom>
+            </p:spPr>
+          </p:pic>
+        </mc:Fallback>
+      </mc:AlternateContent>
     </p:spTree>
     <p:extLst>
       <p:ext uri="{BB962C8B-B14F-4D97-AF65-F5344CB8AC3E}">
@@ -16334,6 +17087,57 @@
           </a:p>
         </p:txBody>
       </p:sp>
+      <mc:AlternateContent xmlns:mc="http://schemas.openxmlformats.org/markup-compatibility/2006">
+        <mc:Choice xmlns:p14="http://schemas.microsoft.com/office/powerpoint/2010/main" Requires="p14">
+          <p:contentPart p14:bwMode="auto" r:id="rId3">
+            <p14:nvContentPartPr>
+              <p14:cNvPr id="9" name="Ink 8">
+                <a:extLst>
+                  <a:ext uri="{FF2B5EF4-FFF2-40B4-BE49-F238E27FC236}">
+                    <a16:creationId xmlns:a16="http://schemas.microsoft.com/office/drawing/2014/main" id="{64FE6424-E528-07ED-580D-F33DD36296D1}"/>
+                  </a:ext>
+                </a:extLst>
+              </p14:cNvPr>
+              <p14:cNvContentPartPr/>
+              <p14:nvPr/>
+            </p14:nvContentPartPr>
+            <p14:xfrm>
+              <a:off x="2801160" y="4756320"/>
+              <a:ext cx="329760" cy="241560"/>
+            </p14:xfrm>
+          </p:contentPart>
+        </mc:Choice>
+        <mc:Fallback>
+          <p:pic>
+            <p:nvPicPr>
+              <p:cNvPr id="9" name="Ink 8">
+                <a:extLst>
+                  <a:ext uri="{FF2B5EF4-FFF2-40B4-BE49-F238E27FC236}">
+                    <a16:creationId xmlns:a16="http://schemas.microsoft.com/office/drawing/2014/main" id="{64FE6424-E528-07ED-580D-F33DD36296D1}"/>
+                  </a:ext>
+                </a:extLst>
+              </p:cNvPr>
+              <p:cNvPicPr/>
+              <p:nvPr/>
+            </p:nvPicPr>
+            <p:blipFill>
+              <a:blip r:embed="rId4"/>
+              <a:stretch>
+                <a:fillRect/>
+              </a:stretch>
+            </p:blipFill>
+            <p:spPr>
+              <a:xfrm>
+                <a:off x="2791800" y="4746960"/>
+                <a:ext cx="348480" cy="260280"/>
+              </a:xfrm>
+              <a:prstGeom prst="rect">
+                <a:avLst/>
+              </a:prstGeom>
+            </p:spPr>
+          </p:pic>
+        </mc:Fallback>
+      </mc:AlternateContent>
     </p:spTree>
     <p:extLst>
       <p:ext uri="{BB962C8B-B14F-4D97-AF65-F5344CB8AC3E}">
@@ -16687,6 +17491,57 @@
           </a:ln>
         </p:spPr>
       </p:pic>
+      <mc:AlternateContent xmlns:mc="http://schemas.openxmlformats.org/markup-compatibility/2006">
+        <mc:Choice xmlns:p14="http://schemas.microsoft.com/office/powerpoint/2010/main" Requires="p14">
+          <p:contentPart p14:bwMode="auto" r:id="rId4">
+            <p14:nvContentPartPr>
+              <p14:cNvPr id="4" name="Ink 3">
+                <a:extLst>
+                  <a:ext uri="{FF2B5EF4-FFF2-40B4-BE49-F238E27FC236}">
+                    <a16:creationId xmlns:a16="http://schemas.microsoft.com/office/drawing/2014/main" id="{8C02D8DE-8857-D807-4176-939154AA32F5}"/>
+                  </a:ext>
+                </a:extLst>
+              </p14:cNvPr>
+              <p14:cNvContentPartPr/>
+              <p14:nvPr/>
+            </p14:nvContentPartPr>
+            <p14:xfrm>
+              <a:off x="3035520" y="1727280"/>
+              <a:ext cx="4699440" cy="1702080"/>
+            </p14:xfrm>
+          </p:contentPart>
+        </mc:Choice>
+        <mc:Fallback>
+          <p:pic>
+            <p:nvPicPr>
+              <p:cNvPr id="4" name="Ink 3">
+                <a:extLst>
+                  <a:ext uri="{FF2B5EF4-FFF2-40B4-BE49-F238E27FC236}">
+                    <a16:creationId xmlns:a16="http://schemas.microsoft.com/office/drawing/2014/main" id="{8C02D8DE-8857-D807-4176-939154AA32F5}"/>
+                  </a:ext>
+                </a:extLst>
+              </p:cNvPr>
+              <p:cNvPicPr/>
+              <p:nvPr/>
+            </p:nvPicPr>
+            <p:blipFill>
+              <a:blip r:embed="rId5"/>
+              <a:stretch>
+                <a:fillRect/>
+              </a:stretch>
+            </p:blipFill>
+            <p:spPr>
+              <a:xfrm>
+                <a:off x="3026160" y="1717920"/>
+                <a:ext cx="4718160" cy="1720800"/>
+              </a:xfrm>
+              <a:prstGeom prst="rect">
+                <a:avLst/>
+              </a:prstGeom>
+            </p:spPr>
+          </p:pic>
+        </mc:Fallback>
+      </mc:AlternateContent>
     </p:spTree>
     <p:extLst>
       <p:ext uri="{BB962C8B-B14F-4D97-AF65-F5344CB8AC3E}">
@@ -18453,6 +19308,57 @@
               </a:p>
             </p:txBody>
           </p:sp>
+        </mc:Fallback>
+      </mc:AlternateContent>
+      <mc:AlternateContent xmlns:mc="http://schemas.openxmlformats.org/markup-compatibility/2006">
+        <mc:Choice xmlns:p14="http://schemas.microsoft.com/office/powerpoint/2010/main" Requires="p14">
+          <p:contentPart p14:bwMode="auto" r:id="rId4">
+            <p14:nvContentPartPr>
+              <p14:cNvPr id="3" name="Ink 2">
+                <a:extLst>
+                  <a:ext uri="{FF2B5EF4-FFF2-40B4-BE49-F238E27FC236}">
+                    <a16:creationId xmlns:a16="http://schemas.microsoft.com/office/drawing/2014/main" id="{75613BBD-E604-C1AD-96E6-9E9B6520F8F0}"/>
+                  </a:ext>
+                </a:extLst>
+              </p14:cNvPr>
+              <p14:cNvContentPartPr/>
+              <p14:nvPr/>
+            </p14:nvContentPartPr>
+            <p14:xfrm>
+              <a:off x="5499360" y="5873760"/>
+              <a:ext cx="1130760" cy="292680"/>
+            </p14:xfrm>
+          </p:contentPart>
+        </mc:Choice>
+        <mc:Fallback>
+          <p:pic>
+            <p:nvPicPr>
+              <p:cNvPr id="3" name="Ink 2">
+                <a:extLst>
+                  <a:ext uri="{FF2B5EF4-FFF2-40B4-BE49-F238E27FC236}">
+                    <a16:creationId xmlns:a16="http://schemas.microsoft.com/office/drawing/2014/main" id="{75613BBD-E604-C1AD-96E6-9E9B6520F8F0}"/>
+                  </a:ext>
+                </a:extLst>
+              </p:cNvPr>
+              <p:cNvPicPr/>
+              <p:nvPr/>
+            </p:nvPicPr>
+            <p:blipFill>
+              <a:blip r:embed="rId5"/>
+              <a:stretch>
+                <a:fillRect/>
+              </a:stretch>
+            </p:blipFill>
+            <p:spPr>
+              <a:xfrm>
+                <a:off x="5490000" y="5864400"/>
+                <a:ext cx="1149480" cy="311400"/>
+              </a:xfrm>
+              <a:prstGeom prst="rect">
+                <a:avLst/>
+              </a:prstGeom>
+            </p:spPr>
+          </p:pic>
         </mc:Fallback>
       </mc:AlternateContent>
     </p:spTree>
@@ -20858,6 +21764,57 @@
           </p:graphicFrame>
         </mc:Fallback>
       </mc:AlternateContent>
+      <mc:AlternateContent xmlns:mc="http://schemas.openxmlformats.org/markup-compatibility/2006">
+        <mc:Choice xmlns:p14="http://schemas.microsoft.com/office/powerpoint/2010/main" Requires="p14">
+          <p:contentPart p14:bwMode="auto" r:id="rId4">
+            <p14:nvContentPartPr>
+              <p14:cNvPr id="4" name="Ink 3">
+                <a:extLst>
+                  <a:ext uri="{FF2B5EF4-FFF2-40B4-BE49-F238E27FC236}">
+                    <a16:creationId xmlns:a16="http://schemas.microsoft.com/office/drawing/2014/main" id="{17CFE7CC-BB37-D5D2-7E1A-121B348AED4E}"/>
+                  </a:ext>
+                </a:extLst>
+              </p14:cNvPr>
+              <p14:cNvContentPartPr/>
+              <p14:nvPr/>
+            </p14:nvContentPartPr>
+            <p14:xfrm>
+              <a:off x="1117080" y="501480"/>
+              <a:ext cx="7798680" cy="6356520"/>
+            </p14:xfrm>
+          </p:contentPart>
+        </mc:Choice>
+        <mc:Fallback>
+          <p:pic>
+            <p:nvPicPr>
+              <p:cNvPr id="4" name="Ink 3">
+                <a:extLst>
+                  <a:ext uri="{FF2B5EF4-FFF2-40B4-BE49-F238E27FC236}">
+                    <a16:creationId xmlns:a16="http://schemas.microsoft.com/office/drawing/2014/main" id="{17CFE7CC-BB37-D5D2-7E1A-121B348AED4E}"/>
+                  </a:ext>
+                </a:extLst>
+              </p:cNvPr>
+              <p:cNvPicPr/>
+              <p:nvPr/>
+            </p:nvPicPr>
+            <p:blipFill>
+              <a:blip r:embed="rId5"/>
+              <a:stretch>
+                <a:fillRect/>
+              </a:stretch>
+            </p:blipFill>
+            <p:spPr>
+              <a:xfrm>
+                <a:off x="1107720" y="492120"/>
+                <a:ext cx="7817400" cy="6375240"/>
+              </a:xfrm>
+              <a:prstGeom prst="rect">
+                <a:avLst/>
+              </a:prstGeom>
+            </p:spPr>
+          </p:pic>
+        </mc:Fallback>
+      </mc:AlternateContent>
     </p:spTree>
     <p:extLst>
       <p:ext uri="{BB962C8B-B14F-4D97-AF65-F5344CB8AC3E}">
@@ -23548,6 +24505,57 @@
           </p:graphicFrame>
         </mc:Fallback>
       </mc:AlternateContent>
+      <mc:AlternateContent xmlns:mc="http://schemas.openxmlformats.org/markup-compatibility/2006">
+        <mc:Choice xmlns:p14="http://schemas.microsoft.com/office/powerpoint/2010/main" Requires="p14">
+          <p:contentPart p14:bwMode="auto" r:id="rId4">
+            <p14:nvContentPartPr>
+              <p14:cNvPr id="4" name="Ink 3">
+                <a:extLst>
+                  <a:ext uri="{FF2B5EF4-FFF2-40B4-BE49-F238E27FC236}">
+                    <a16:creationId xmlns:a16="http://schemas.microsoft.com/office/drawing/2014/main" id="{5DBE5E5A-6ABF-8733-C3EE-1EAAC6C2383E}"/>
+                  </a:ext>
+                </a:extLst>
+              </p14:cNvPr>
+              <p14:cNvContentPartPr/>
+              <p14:nvPr/>
+            </p14:nvContentPartPr>
+            <p14:xfrm>
+              <a:off x="1009800" y="5226120"/>
+              <a:ext cx="7830360" cy="1416240"/>
+            </p14:xfrm>
+          </p:contentPart>
+        </mc:Choice>
+        <mc:Fallback>
+          <p:pic>
+            <p:nvPicPr>
+              <p:cNvPr id="4" name="Ink 3">
+                <a:extLst>
+                  <a:ext uri="{FF2B5EF4-FFF2-40B4-BE49-F238E27FC236}">
+                    <a16:creationId xmlns:a16="http://schemas.microsoft.com/office/drawing/2014/main" id="{5DBE5E5A-6ABF-8733-C3EE-1EAAC6C2383E}"/>
+                  </a:ext>
+                </a:extLst>
+              </p:cNvPr>
+              <p:cNvPicPr/>
+              <p:nvPr/>
+            </p:nvPicPr>
+            <p:blipFill>
+              <a:blip r:embed="rId5"/>
+              <a:stretch>
+                <a:fillRect/>
+              </a:stretch>
+            </p:blipFill>
+            <p:spPr>
+              <a:xfrm>
+                <a:off x="1000440" y="5216760"/>
+                <a:ext cx="7849080" cy="1434960"/>
+              </a:xfrm>
+              <a:prstGeom prst="rect">
+                <a:avLst/>
+              </a:prstGeom>
+            </p:spPr>
+          </p:pic>
+        </mc:Fallback>
+      </mc:AlternateContent>
     </p:spTree>
     <p:extLst>
       <p:ext uri="{BB962C8B-B14F-4D97-AF65-F5344CB8AC3E}">
@@ -25301,6 +26309,57 @@
           </a:prstGeom>
         </p:spPr>
       </p:pic>
+      <mc:AlternateContent xmlns:mc="http://schemas.openxmlformats.org/markup-compatibility/2006">
+        <mc:Choice xmlns:p14="http://schemas.microsoft.com/office/powerpoint/2010/main" Requires="p14">
+          <p:contentPart p14:bwMode="auto" r:id="rId4">
+            <p14:nvContentPartPr>
+              <p14:cNvPr id="4" name="Ink 3">
+                <a:extLst>
+                  <a:ext uri="{FF2B5EF4-FFF2-40B4-BE49-F238E27FC236}">
+                    <a16:creationId xmlns:a16="http://schemas.microsoft.com/office/drawing/2014/main" id="{AF8F5188-2A55-B19E-FC14-3C239EFCF576}"/>
+                  </a:ext>
+                </a:extLst>
+              </p14:cNvPr>
+              <p14:cNvContentPartPr/>
+              <p14:nvPr/>
+            </p14:nvContentPartPr>
+            <p14:xfrm>
+              <a:off x="5391360" y="1301400"/>
+              <a:ext cx="838440" cy="876960"/>
+            </p14:xfrm>
+          </p:contentPart>
+        </mc:Choice>
+        <mc:Fallback>
+          <p:pic>
+            <p:nvPicPr>
+              <p:cNvPr id="4" name="Ink 3">
+                <a:extLst>
+                  <a:ext uri="{FF2B5EF4-FFF2-40B4-BE49-F238E27FC236}">
+                    <a16:creationId xmlns:a16="http://schemas.microsoft.com/office/drawing/2014/main" id="{AF8F5188-2A55-B19E-FC14-3C239EFCF576}"/>
+                  </a:ext>
+                </a:extLst>
+              </p:cNvPr>
+              <p:cNvPicPr/>
+              <p:nvPr/>
+            </p:nvPicPr>
+            <p:blipFill>
+              <a:blip r:embed="rId5"/>
+              <a:stretch>
+                <a:fillRect/>
+              </a:stretch>
+            </p:blipFill>
+            <p:spPr>
+              <a:xfrm>
+                <a:off x="5382000" y="1292040"/>
+                <a:ext cx="857160" cy="895680"/>
+              </a:xfrm>
+              <a:prstGeom prst="rect">
+                <a:avLst/>
+              </a:prstGeom>
+            </p:spPr>
+          </p:pic>
+        </mc:Fallback>
+      </mc:AlternateContent>
     </p:spTree>
     <p:extLst>
       <p:ext uri="{BB962C8B-B14F-4D97-AF65-F5344CB8AC3E}">
@@ -25610,6 +26669,57 @@
           </a:p>
         </p:txBody>
       </p:sp>
+      <mc:AlternateContent xmlns:mc="http://schemas.openxmlformats.org/markup-compatibility/2006">
+        <mc:Choice xmlns:p14="http://schemas.microsoft.com/office/powerpoint/2010/main" Requires="p14">
+          <p:contentPart p14:bwMode="auto" r:id="rId3">
+            <p14:nvContentPartPr>
+              <p14:cNvPr id="6" name="Ink 5">
+                <a:extLst>
+                  <a:ext uri="{FF2B5EF4-FFF2-40B4-BE49-F238E27FC236}">
+                    <a16:creationId xmlns:a16="http://schemas.microsoft.com/office/drawing/2014/main" id="{34C81FF1-3C7E-BA54-A805-7226AC8883F7}"/>
+                  </a:ext>
+                </a:extLst>
+              </p14:cNvPr>
+              <p14:cNvContentPartPr/>
+              <p14:nvPr/>
+            </p14:nvContentPartPr>
+            <p14:xfrm>
+              <a:off x="1581120" y="6324480"/>
+              <a:ext cx="813240" cy="45360"/>
+            </p14:xfrm>
+          </p:contentPart>
+        </mc:Choice>
+        <mc:Fallback>
+          <p:pic>
+            <p:nvPicPr>
+              <p:cNvPr id="6" name="Ink 5">
+                <a:extLst>
+                  <a:ext uri="{FF2B5EF4-FFF2-40B4-BE49-F238E27FC236}">
+                    <a16:creationId xmlns:a16="http://schemas.microsoft.com/office/drawing/2014/main" id="{34C81FF1-3C7E-BA54-A805-7226AC8883F7}"/>
+                  </a:ext>
+                </a:extLst>
+              </p:cNvPr>
+              <p:cNvPicPr/>
+              <p:nvPr/>
+            </p:nvPicPr>
+            <p:blipFill>
+              <a:blip r:embed="rId4"/>
+              <a:stretch>
+                <a:fillRect/>
+              </a:stretch>
+            </p:blipFill>
+            <p:spPr>
+              <a:xfrm>
+                <a:off x="1571760" y="6315120"/>
+                <a:ext cx="831960" cy="64080"/>
+              </a:xfrm>
+              <a:prstGeom prst="rect">
+                <a:avLst/>
+              </a:prstGeom>
+            </p:spPr>
+          </p:pic>
+        </mc:Fallback>
+      </mc:AlternateContent>
     </p:spTree>
     <p:extLst>
       <p:ext uri="{BB962C8B-B14F-4D97-AF65-F5344CB8AC3E}">
@@ -25795,6 +26905,57 @@
           </a:p>
         </p:txBody>
       </p:sp>
+      <mc:AlternateContent xmlns:mc="http://schemas.openxmlformats.org/markup-compatibility/2006">
+        <mc:Choice xmlns:p14="http://schemas.microsoft.com/office/powerpoint/2010/main" Requires="p14">
+          <p:contentPart p14:bwMode="auto" r:id="rId3">
+            <p14:nvContentPartPr>
+              <p14:cNvPr id="3" name="Ink 2">
+                <a:extLst>
+                  <a:ext uri="{FF2B5EF4-FFF2-40B4-BE49-F238E27FC236}">
+                    <a16:creationId xmlns:a16="http://schemas.microsoft.com/office/drawing/2014/main" id="{04851F5D-14D6-384C-0229-1F5B7C6880A8}"/>
+                  </a:ext>
+                </a:extLst>
+              </p14:cNvPr>
+              <p14:cNvContentPartPr/>
+              <p14:nvPr/>
+            </p14:nvContentPartPr>
+            <p14:xfrm>
+              <a:off x="3409920" y="2844720"/>
+              <a:ext cx="1994400" cy="514800"/>
+            </p14:xfrm>
+          </p:contentPart>
+        </mc:Choice>
+        <mc:Fallback>
+          <p:pic>
+            <p:nvPicPr>
+              <p:cNvPr id="3" name="Ink 2">
+                <a:extLst>
+                  <a:ext uri="{FF2B5EF4-FFF2-40B4-BE49-F238E27FC236}">
+                    <a16:creationId xmlns:a16="http://schemas.microsoft.com/office/drawing/2014/main" id="{04851F5D-14D6-384C-0229-1F5B7C6880A8}"/>
+                  </a:ext>
+                </a:extLst>
+              </p:cNvPr>
+              <p:cNvPicPr/>
+              <p:nvPr/>
+            </p:nvPicPr>
+            <p:blipFill>
+              <a:blip r:embed="rId4"/>
+              <a:stretch>
+                <a:fillRect/>
+              </a:stretch>
+            </p:blipFill>
+            <p:spPr>
+              <a:xfrm>
+                <a:off x="3400560" y="2835360"/>
+                <a:ext cx="2013120" cy="533520"/>
+              </a:xfrm>
+              <a:prstGeom prst="rect">
+                <a:avLst/>
+              </a:prstGeom>
+            </p:spPr>
+          </p:pic>
+        </mc:Fallback>
+      </mc:AlternateContent>
     </p:spTree>
     <p:extLst>
       <p:ext uri="{BB962C8B-B14F-4D97-AF65-F5344CB8AC3E}">
@@ -25945,6 +27106,57 @@
           </a:p>
         </p:txBody>
       </p:sp>
+      <mc:AlternateContent xmlns:mc="http://schemas.openxmlformats.org/markup-compatibility/2006">
+        <mc:Choice xmlns:p14="http://schemas.microsoft.com/office/powerpoint/2010/main" Requires="p14">
+          <p:contentPart p14:bwMode="auto" r:id="rId4">
+            <p14:nvContentPartPr>
+              <p14:cNvPr id="7" name="Ink 6">
+                <a:extLst>
+                  <a:ext uri="{FF2B5EF4-FFF2-40B4-BE49-F238E27FC236}">
+                    <a16:creationId xmlns:a16="http://schemas.microsoft.com/office/drawing/2014/main" id="{F9DFFFE6-9930-73F6-480F-22CFB9098A78}"/>
+                  </a:ext>
+                </a:extLst>
+              </p14:cNvPr>
+              <p14:cNvContentPartPr/>
+              <p14:nvPr/>
+            </p14:nvContentPartPr>
+            <p14:xfrm>
+              <a:off x="4349880" y="4930560"/>
+              <a:ext cx="762480" cy="429120"/>
+            </p14:xfrm>
+          </p:contentPart>
+        </mc:Choice>
+        <mc:Fallback>
+          <p:pic>
+            <p:nvPicPr>
+              <p:cNvPr id="7" name="Ink 6">
+                <a:extLst>
+                  <a:ext uri="{FF2B5EF4-FFF2-40B4-BE49-F238E27FC236}">
+                    <a16:creationId xmlns:a16="http://schemas.microsoft.com/office/drawing/2014/main" id="{F9DFFFE6-9930-73F6-480F-22CFB9098A78}"/>
+                  </a:ext>
+                </a:extLst>
+              </p:cNvPr>
+              <p:cNvPicPr/>
+              <p:nvPr/>
+            </p:nvPicPr>
+            <p:blipFill>
+              <a:blip r:embed="rId5"/>
+              <a:stretch>
+                <a:fillRect/>
+              </a:stretch>
+            </p:blipFill>
+            <p:spPr>
+              <a:xfrm>
+                <a:off x="4340520" y="4921200"/>
+                <a:ext cx="781200" cy="447840"/>
+              </a:xfrm>
+              <a:prstGeom prst="rect">
+                <a:avLst/>
+              </a:prstGeom>
+            </p:spPr>
+          </p:pic>
+        </mc:Fallback>
+      </mc:AlternateContent>
     </p:spTree>
     <p:extLst>
       <p:ext uri="{BB962C8B-B14F-4D97-AF65-F5344CB8AC3E}">
